--- a/References/huy_draft.pptx
+++ b/References/huy_draft.pptx
@@ -8,6 +8,7 @@
     <p:sldId id="256" r:id="rId2"/>
     <p:sldId id="258" r:id="rId3"/>
     <p:sldId id="257" r:id="rId4"/>
+    <p:sldId id="259" r:id="rId5"/>
   </p:sldIdLst>
   <p:sldSz cx="12192000" cy="6858000"/>
   <p:notesSz cx="6858000" cy="9144000"/>
@@ -261,7 +262,7 @@
           <a:p>
             <a:fld id="{F46336BD-2A7D-4CB1-A425-EDBB44797913}" type="datetimeFigureOut">
               <a:rPr lang="en-US" smtClean="0"/>
-              <a:t>9/18/2020</a:t>
+              <a:t>9/22/2020</a:t>
             </a:fld>
             <a:endParaRPr lang="en-US"/>
           </a:p>
@@ -459,7 +460,7 @@
           <a:p>
             <a:fld id="{F46336BD-2A7D-4CB1-A425-EDBB44797913}" type="datetimeFigureOut">
               <a:rPr lang="en-US" smtClean="0"/>
-              <a:t>9/18/2020</a:t>
+              <a:t>9/22/2020</a:t>
             </a:fld>
             <a:endParaRPr lang="en-US"/>
           </a:p>
@@ -667,7 +668,7 @@
           <a:p>
             <a:fld id="{F46336BD-2A7D-4CB1-A425-EDBB44797913}" type="datetimeFigureOut">
               <a:rPr lang="en-US" smtClean="0"/>
-              <a:t>9/18/2020</a:t>
+              <a:t>9/22/2020</a:t>
             </a:fld>
             <a:endParaRPr lang="en-US"/>
           </a:p>
@@ -865,7 +866,7 @@
           <a:p>
             <a:fld id="{F46336BD-2A7D-4CB1-A425-EDBB44797913}" type="datetimeFigureOut">
               <a:rPr lang="en-US" smtClean="0"/>
-              <a:t>9/18/2020</a:t>
+              <a:t>9/22/2020</a:t>
             </a:fld>
             <a:endParaRPr lang="en-US"/>
           </a:p>
@@ -1140,7 +1141,7 @@
           <a:p>
             <a:fld id="{F46336BD-2A7D-4CB1-A425-EDBB44797913}" type="datetimeFigureOut">
               <a:rPr lang="en-US" smtClean="0"/>
-              <a:t>9/18/2020</a:t>
+              <a:t>9/22/2020</a:t>
             </a:fld>
             <a:endParaRPr lang="en-US"/>
           </a:p>
@@ -1405,7 +1406,7 @@
           <a:p>
             <a:fld id="{F46336BD-2A7D-4CB1-A425-EDBB44797913}" type="datetimeFigureOut">
               <a:rPr lang="en-US" smtClean="0"/>
-              <a:t>9/18/2020</a:t>
+              <a:t>9/22/2020</a:t>
             </a:fld>
             <a:endParaRPr lang="en-US"/>
           </a:p>
@@ -1817,7 +1818,7 @@
           <a:p>
             <a:fld id="{F46336BD-2A7D-4CB1-A425-EDBB44797913}" type="datetimeFigureOut">
               <a:rPr lang="en-US" smtClean="0"/>
-              <a:t>9/18/2020</a:t>
+              <a:t>9/22/2020</a:t>
             </a:fld>
             <a:endParaRPr lang="en-US"/>
           </a:p>
@@ -1958,7 +1959,7 @@
           <a:p>
             <a:fld id="{F46336BD-2A7D-4CB1-A425-EDBB44797913}" type="datetimeFigureOut">
               <a:rPr lang="en-US" smtClean="0"/>
-              <a:t>9/18/2020</a:t>
+              <a:t>9/22/2020</a:t>
             </a:fld>
             <a:endParaRPr lang="en-US"/>
           </a:p>
@@ -2071,7 +2072,7 @@
           <a:p>
             <a:fld id="{F46336BD-2A7D-4CB1-A425-EDBB44797913}" type="datetimeFigureOut">
               <a:rPr lang="en-US" smtClean="0"/>
-              <a:t>9/18/2020</a:t>
+              <a:t>9/22/2020</a:t>
             </a:fld>
             <a:endParaRPr lang="en-US"/>
           </a:p>
@@ -2382,7 +2383,7 @@
           <a:p>
             <a:fld id="{F46336BD-2A7D-4CB1-A425-EDBB44797913}" type="datetimeFigureOut">
               <a:rPr lang="en-US" smtClean="0"/>
-              <a:t>9/18/2020</a:t>
+              <a:t>9/22/2020</a:t>
             </a:fld>
             <a:endParaRPr lang="en-US"/>
           </a:p>
@@ -2670,7 +2671,7 @@
           <a:p>
             <a:fld id="{F46336BD-2A7D-4CB1-A425-EDBB44797913}" type="datetimeFigureOut">
               <a:rPr lang="en-US" smtClean="0"/>
-              <a:t>9/18/2020</a:t>
+              <a:t>9/22/2020</a:t>
             </a:fld>
             <a:endParaRPr lang="en-US"/>
           </a:p>
@@ -2911,7 +2912,7 @@
           <a:p>
             <a:fld id="{F46336BD-2A7D-4CB1-A425-EDBB44797913}" type="datetimeFigureOut">
               <a:rPr lang="en-US" smtClean="0"/>
-              <a:t>9/18/2020</a:t>
+              <a:t>9/22/2020</a:t>
             </a:fld>
             <a:endParaRPr lang="en-US"/>
           </a:p>
@@ -17500,6 +17501,737 @@
 </p:sld>
 </file>
 
+<file path=ppt/slides/slide4.xml><?xml version="1.0" encoding="utf-8"?>
+<p:sld xmlns:a="http://schemas.openxmlformats.org/drawingml/2006/main" xmlns:r="http://schemas.openxmlformats.org/officeDocument/2006/relationships" xmlns:p="http://schemas.openxmlformats.org/presentationml/2006/main">
+  <p:cSld>
+    <p:spTree>
+      <p:nvGrpSpPr>
+        <p:cNvPr id="1" name=""/>
+        <p:cNvGrpSpPr/>
+        <p:nvPr/>
+      </p:nvGrpSpPr>
+      <p:grpSpPr>
+        <a:xfrm>
+          <a:off x="0" y="0"/>
+          <a:ext cx="0" cy="0"/>
+          <a:chOff x="0" y="0"/>
+          <a:chExt cx="0" cy="0"/>
+        </a:xfrm>
+      </p:grpSpPr>
+      <p:sp>
+        <p:nvSpPr>
+          <p:cNvPr id="4" name="Rectangle 3">
+            <a:extLst>
+              <a:ext uri="{FF2B5EF4-FFF2-40B4-BE49-F238E27FC236}">
+                <a16:creationId xmlns:a16="http://schemas.microsoft.com/office/drawing/2014/main" id="{5B32923C-D85B-4E30-8740-2693377CED96}"/>
+              </a:ext>
+            </a:extLst>
+          </p:cNvPr>
+          <p:cNvSpPr/>
+          <p:nvPr/>
+        </p:nvSpPr>
+        <p:spPr>
+          <a:xfrm rot="5400000">
+            <a:off x="889233" y="2803321"/>
+            <a:ext cx="1971413" cy="369115"/>
+          </a:xfrm>
+          <a:prstGeom prst="rect">
+            <a:avLst/>
+          </a:prstGeom>
+          <a:solidFill>
+            <a:schemeClr val="bg1"/>
+          </a:solidFill>
+          <a:ln>
+            <a:solidFill>
+              <a:schemeClr val="tx1"/>
+            </a:solidFill>
+          </a:ln>
+        </p:spPr>
+        <p:style>
+          <a:lnRef idx="2">
+            <a:schemeClr val="accent1">
+              <a:shade val="50000"/>
+            </a:schemeClr>
+          </a:lnRef>
+          <a:fillRef idx="1">
+            <a:schemeClr val="accent1"/>
+          </a:fillRef>
+          <a:effectRef idx="0">
+            <a:schemeClr val="accent1"/>
+          </a:effectRef>
+          <a:fontRef idx="minor">
+            <a:schemeClr val="lt1"/>
+          </a:fontRef>
+        </p:style>
+        <p:txBody>
+          <a:bodyPr rtlCol="0" anchor="ctr"/>
+          <a:lstStyle/>
+          <a:p>
+            <a:pPr algn="ctr"/>
+            <a:r>
+              <a:rPr lang="en-US">
+                <a:solidFill>
+                  <a:schemeClr val="tx1"/>
+                </a:solidFill>
+              </a:rPr>
+              <a:t>Power Source</a:t>
+            </a:r>
+          </a:p>
+        </p:txBody>
+      </p:sp>
+      <p:sp>
+        <p:nvSpPr>
+          <p:cNvPr id="5" name="Rectangle 4">
+            <a:extLst>
+              <a:ext uri="{FF2B5EF4-FFF2-40B4-BE49-F238E27FC236}">
+                <a16:creationId xmlns:a16="http://schemas.microsoft.com/office/drawing/2014/main" id="{FE1570F4-E11E-4589-AD7D-B1735B89B9F1}"/>
+              </a:ext>
+            </a:extLst>
+          </p:cNvPr>
+          <p:cNvSpPr/>
+          <p:nvPr/>
+        </p:nvSpPr>
+        <p:spPr>
+          <a:xfrm>
+            <a:off x="2696360" y="2803320"/>
+            <a:ext cx="1971413" cy="369115"/>
+          </a:xfrm>
+          <a:prstGeom prst="rect">
+            <a:avLst/>
+          </a:prstGeom>
+          <a:solidFill>
+            <a:schemeClr val="bg1"/>
+          </a:solidFill>
+          <a:ln>
+            <a:solidFill>
+              <a:schemeClr val="tx1"/>
+            </a:solidFill>
+          </a:ln>
+        </p:spPr>
+        <p:style>
+          <a:lnRef idx="2">
+            <a:schemeClr val="accent1">
+              <a:shade val="50000"/>
+            </a:schemeClr>
+          </a:lnRef>
+          <a:fillRef idx="1">
+            <a:schemeClr val="accent1"/>
+          </a:fillRef>
+          <a:effectRef idx="0">
+            <a:schemeClr val="accent1"/>
+          </a:effectRef>
+          <a:fontRef idx="minor">
+            <a:schemeClr val="lt1"/>
+          </a:fontRef>
+        </p:style>
+        <p:txBody>
+          <a:bodyPr rtlCol="0" anchor="ctr"/>
+          <a:lstStyle/>
+          <a:p>
+            <a:pPr algn="ctr"/>
+            <a:r>
+              <a:rPr lang="en-US">
+                <a:solidFill>
+                  <a:schemeClr val="tx1"/>
+                </a:solidFill>
+              </a:rPr>
+              <a:t>MCU</a:t>
+            </a:r>
+          </a:p>
+        </p:txBody>
+      </p:sp>
+      <p:sp>
+        <p:nvSpPr>
+          <p:cNvPr id="6" name="Rectangle 5">
+            <a:extLst>
+              <a:ext uri="{FF2B5EF4-FFF2-40B4-BE49-F238E27FC236}">
+                <a16:creationId xmlns:a16="http://schemas.microsoft.com/office/drawing/2014/main" id="{32023766-2555-4450-BB66-3EBCD1C4F859}"/>
+              </a:ext>
+            </a:extLst>
+          </p:cNvPr>
+          <p:cNvSpPr/>
+          <p:nvPr/>
+        </p:nvSpPr>
+        <p:spPr>
+          <a:xfrm>
+            <a:off x="2696360" y="2002172"/>
+            <a:ext cx="1971413" cy="369115"/>
+          </a:xfrm>
+          <a:prstGeom prst="rect">
+            <a:avLst/>
+          </a:prstGeom>
+          <a:solidFill>
+            <a:schemeClr val="bg1"/>
+          </a:solidFill>
+          <a:ln>
+            <a:solidFill>
+              <a:schemeClr val="tx1"/>
+            </a:solidFill>
+          </a:ln>
+        </p:spPr>
+        <p:style>
+          <a:lnRef idx="2">
+            <a:schemeClr val="accent1">
+              <a:shade val="50000"/>
+            </a:schemeClr>
+          </a:lnRef>
+          <a:fillRef idx="1">
+            <a:schemeClr val="accent1"/>
+          </a:fillRef>
+          <a:effectRef idx="0">
+            <a:schemeClr val="accent1"/>
+          </a:effectRef>
+          <a:fontRef idx="minor">
+            <a:schemeClr val="lt1"/>
+          </a:fontRef>
+        </p:style>
+        <p:txBody>
+          <a:bodyPr rtlCol="0" anchor="ctr"/>
+          <a:lstStyle/>
+          <a:p>
+            <a:pPr algn="ctr"/>
+            <a:r>
+              <a:rPr lang="en-US">
+                <a:solidFill>
+                  <a:schemeClr val="tx1"/>
+                </a:solidFill>
+              </a:rPr>
+              <a:t>Transceiver</a:t>
+            </a:r>
+          </a:p>
+        </p:txBody>
+      </p:sp>
+      <p:sp>
+        <p:nvSpPr>
+          <p:cNvPr id="7" name="Rectangle 6">
+            <a:extLst>
+              <a:ext uri="{FF2B5EF4-FFF2-40B4-BE49-F238E27FC236}">
+                <a16:creationId xmlns:a16="http://schemas.microsoft.com/office/drawing/2014/main" id="{D81DE55E-3953-452A-9596-91344D8B6446}"/>
+              </a:ext>
+            </a:extLst>
+          </p:cNvPr>
+          <p:cNvSpPr/>
+          <p:nvPr/>
+        </p:nvSpPr>
+        <p:spPr>
+          <a:xfrm>
+            <a:off x="5304636" y="2803319"/>
+            <a:ext cx="736834" cy="369115"/>
+          </a:xfrm>
+          <a:prstGeom prst="rect">
+            <a:avLst/>
+          </a:prstGeom>
+          <a:solidFill>
+            <a:schemeClr val="bg1"/>
+          </a:solidFill>
+          <a:ln>
+            <a:solidFill>
+              <a:schemeClr val="tx1"/>
+            </a:solidFill>
+          </a:ln>
+        </p:spPr>
+        <p:style>
+          <a:lnRef idx="2">
+            <a:schemeClr val="accent1">
+              <a:shade val="50000"/>
+            </a:schemeClr>
+          </a:lnRef>
+          <a:fillRef idx="1">
+            <a:schemeClr val="accent1"/>
+          </a:fillRef>
+          <a:effectRef idx="0">
+            <a:schemeClr val="accent1"/>
+          </a:effectRef>
+          <a:fontRef idx="minor">
+            <a:schemeClr val="lt1"/>
+          </a:fontRef>
+        </p:style>
+        <p:txBody>
+          <a:bodyPr rtlCol="0" anchor="ctr"/>
+          <a:lstStyle/>
+          <a:p>
+            <a:pPr algn="ctr"/>
+            <a:r>
+              <a:rPr lang="en-US">
+                <a:solidFill>
+                  <a:schemeClr val="tx1"/>
+                </a:solidFill>
+              </a:rPr>
+              <a:t>ADC</a:t>
+            </a:r>
+          </a:p>
+        </p:txBody>
+      </p:sp>
+      <p:sp>
+        <p:nvSpPr>
+          <p:cNvPr id="8" name="Rectangle 7">
+            <a:extLst>
+              <a:ext uri="{FF2B5EF4-FFF2-40B4-BE49-F238E27FC236}">
+                <a16:creationId xmlns:a16="http://schemas.microsoft.com/office/drawing/2014/main" id="{C6F8F1A5-8B72-4CA3-8EEB-687804E3185A}"/>
+              </a:ext>
+            </a:extLst>
+          </p:cNvPr>
+          <p:cNvSpPr/>
+          <p:nvPr/>
+        </p:nvSpPr>
+        <p:spPr>
+          <a:xfrm>
+            <a:off x="5084425" y="2144432"/>
+            <a:ext cx="1177255" cy="369115"/>
+          </a:xfrm>
+          <a:prstGeom prst="rect">
+            <a:avLst/>
+          </a:prstGeom>
+          <a:solidFill>
+            <a:schemeClr val="bg1"/>
+          </a:solidFill>
+          <a:ln>
+            <a:solidFill>
+              <a:schemeClr val="tx1"/>
+            </a:solidFill>
+          </a:ln>
+        </p:spPr>
+        <p:style>
+          <a:lnRef idx="2">
+            <a:schemeClr val="accent1">
+              <a:shade val="50000"/>
+            </a:schemeClr>
+          </a:lnRef>
+          <a:fillRef idx="1">
+            <a:schemeClr val="accent1"/>
+          </a:fillRef>
+          <a:effectRef idx="0">
+            <a:schemeClr val="accent1"/>
+          </a:effectRef>
+          <a:fontRef idx="minor">
+            <a:schemeClr val="lt1"/>
+          </a:fontRef>
+        </p:style>
+        <p:txBody>
+          <a:bodyPr rtlCol="0" anchor="ctr"/>
+          <a:lstStyle/>
+          <a:p>
+            <a:pPr algn="ctr"/>
+            <a:r>
+              <a:rPr lang="en-US">
+                <a:solidFill>
+                  <a:schemeClr val="tx1"/>
+                </a:solidFill>
+              </a:rPr>
+              <a:t>Sensor 1</a:t>
+            </a:r>
+          </a:p>
+        </p:txBody>
+      </p:sp>
+      <p:sp>
+        <p:nvSpPr>
+          <p:cNvPr id="9" name="Rectangle 8">
+            <a:extLst>
+              <a:ext uri="{FF2B5EF4-FFF2-40B4-BE49-F238E27FC236}">
+                <a16:creationId xmlns:a16="http://schemas.microsoft.com/office/drawing/2014/main" id="{CDAFD65D-7292-4607-B536-26B273AC08E9}"/>
+              </a:ext>
+            </a:extLst>
+          </p:cNvPr>
+          <p:cNvSpPr/>
+          <p:nvPr/>
+        </p:nvSpPr>
+        <p:spPr>
+          <a:xfrm>
+            <a:off x="5084425" y="3398244"/>
+            <a:ext cx="1191236" cy="369115"/>
+          </a:xfrm>
+          <a:prstGeom prst="rect">
+            <a:avLst/>
+          </a:prstGeom>
+          <a:solidFill>
+            <a:schemeClr val="bg1"/>
+          </a:solidFill>
+          <a:ln>
+            <a:solidFill>
+              <a:schemeClr val="tx1"/>
+            </a:solidFill>
+          </a:ln>
+        </p:spPr>
+        <p:style>
+          <a:lnRef idx="2">
+            <a:schemeClr val="accent1">
+              <a:shade val="50000"/>
+            </a:schemeClr>
+          </a:lnRef>
+          <a:fillRef idx="1">
+            <a:schemeClr val="accent1"/>
+          </a:fillRef>
+          <a:effectRef idx="0">
+            <a:schemeClr val="accent1"/>
+          </a:effectRef>
+          <a:fontRef idx="minor">
+            <a:schemeClr val="lt1"/>
+          </a:fontRef>
+        </p:style>
+        <p:txBody>
+          <a:bodyPr rtlCol="0" anchor="ctr"/>
+          <a:lstStyle/>
+          <a:p>
+            <a:pPr algn="ctr"/>
+            <a:r>
+              <a:rPr lang="en-US">
+                <a:solidFill>
+                  <a:schemeClr val="tx1"/>
+                </a:solidFill>
+              </a:rPr>
+              <a:t>Sensor 2</a:t>
+            </a:r>
+          </a:p>
+        </p:txBody>
+      </p:sp>
+      <p:cxnSp>
+        <p:nvCxnSpPr>
+          <p:cNvPr id="11" name="Straight Arrow Connector 10">
+            <a:extLst>
+              <a:ext uri="{FF2B5EF4-FFF2-40B4-BE49-F238E27FC236}">
+                <a16:creationId xmlns:a16="http://schemas.microsoft.com/office/drawing/2014/main" id="{B628D9CB-47FE-4C00-B925-818683845FA2}"/>
+              </a:ext>
+            </a:extLst>
+          </p:cNvPr>
+          <p:cNvCxnSpPr>
+            <a:stCxn id="8" idx="2"/>
+            <a:endCxn id="7" idx="0"/>
+          </p:cNvCxnSpPr>
+          <p:nvPr/>
+        </p:nvCxnSpPr>
+        <p:spPr>
+          <a:xfrm>
+            <a:off x="5673053" y="2513547"/>
+            <a:ext cx="0" cy="289772"/>
+          </a:xfrm>
+          <a:prstGeom prst="straightConnector1">
+            <a:avLst/>
+          </a:prstGeom>
+          <a:ln w="12700">
+            <a:solidFill>
+              <a:schemeClr val="tx1"/>
+            </a:solidFill>
+            <a:tailEnd type="triangle"/>
+          </a:ln>
+        </p:spPr>
+        <p:style>
+          <a:lnRef idx="1">
+            <a:schemeClr val="accent1"/>
+          </a:lnRef>
+          <a:fillRef idx="0">
+            <a:schemeClr val="accent1"/>
+          </a:fillRef>
+          <a:effectRef idx="0">
+            <a:schemeClr val="accent1"/>
+          </a:effectRef>
+          <a:fontRef idx="minor">
+            <a:schemeClr val="tx1"/>
+          </a:fontRef>
+        </p:style>
+      </p:cxnSp>
+      <p:cxnSp>
+        <p:nvCxnSpPr>
+          <p:cNvPr id="13" name="Straight Arrow Connector 12">
+            <a:extLst>
+              <a:ext uri="{FF2B5EF4-FFF2-40B4-BE49-F238E27FC236}">
+                <a16:creationId xmlns:a16="http://schemas.microsoft.com/office/drawing/2014/main" id="{DA7DA6CD-9109-473C-9CEB-EA6D9C6EDD4D}"/>
+              </a:ext>
+            </a:extLst>
+          </p:cNvPr>
+          <p:cNvCxnSpPr>
+            <a:stCxn id="9" idx="0"/>
+            <a:endCxn id="7" idx="2"/>
+          </p:cNvCxnSpPr>
+          <p:nvPr/>
+        </p:nvCxnSpPr>
+        <p:spPr>
+          <a:xfrm flipH="1" flipV="1">
+            <a:off x="5673053" y="3172434"/>
+            <a:ext cx="6990" cy="225810"/>
+          </a:xfrm>
+          <a:prstGeom prst="straightConnector1">
+            <a:avLst/>
+          </a:prstGeom>
+          <a:ln w="12700">
+            <a:solidFill>
+              <a:schemeClr val="tx1"/>
+            </a:solidFill>
+            <a:tailEnd type="triangle"/>
+          </a:ln>
+        </p:spPr>
+        <p:style>
+          <a:lnRef idx="1">
+            <a:schemeClr val="accent1"/>
+          </a:lnRef>
+          <a:fillRef idx="0">
+            <a:schemeClr val="accent1"/>
+          </a:fillRef>
+          <a:effectRef idx="0">
+            <a:schemeClr val="accent1"/>
+          </a:effectRef>
+          <a:fontRef idx="minor">
+            <a:schemeClr val="tx1"/>
+          </a:fontRef>
+        </p:style>
+      </p:cxnSp>
+      <p:cxnSp>
+        <p:nvCxnSpPr>
+          <p:cNvPr id="15" name="Straight Arrow Connector 14">
+            <a:extLst>
+              <a:ext uri="{FF2B5EF4-FFF2-40B4-BE49-F238E27FC236}">
+                <a16:creationId xmlns:a16="http://schemas.microsoft.com/office/drawing/2014/main" id="{F4518C6C-028D-4C73-8525-59F64223E44D}"/>
+              </a:ext>
+            </a:extLst>
+          </p:cNvPr>
+          <p:cNvCxnSpPr>
+            <a:stCxn id="5" idx="3"/>
+            <a:endCxn id="7" idx="1"/>
+          </p:cNvCxnSpPr>
+          <p:nvPr/>
+        </p:nvCxnSpPr>
+        <p:spPr>
+          <a:xfrm flipV="1">
+            <a:off x="4667773" y="2987877"/>
+            <a:ext cx="636863" cy="1"/>
+          </a:xfrm>
+          <a:prstGeom prst="straightConnector1">
+            <a:avLst/>
+          </a:prstGeom>
+          <a:ln w="12700">
+            <a:solidFill>
+              <a:schemeClr val="tx1"/>
+            </a:solidFill>
+            <a:headEnd type="triangle"/>
+            <a:tailEnd type="triangle"/>
+          </a:ln>
+        </p:spPr>
+        <p:style>
+          <a:lnRef idx="1">
+            <a:schemeClr val="accent1"/>
+          </a:lnRef>
+          <a:fillRef idx="0">
+            <a:schemeClr val="accent1"/>
+          </a:fillRef>
+          <a:effectRef idx="0">
+            <a:schemeClr val="accent1"/>
+          </a:effectRef>
+          <a:fontRef idx="minor">
+            <a:schemeClr val="tx1"/>
+          </a:fontRef>
+        </p:style>
+      </p:cxnSp>
+      <p:cxnSp>
+        <p:nvCxnSpPr>
+          <p:cNvPr id="16" name="Straight Arrow Connector 15">
+            <a:extLst>
+              <a:ext uri="{FF2B5EF4-FFF2-40B4-BE49-F238E27FC236}">
+                <a16:creationId xmlns:a16="http://schemas.microsoft.com/office/drawing/2014/main" id="{6B6537BA-6CB4-476F-B90D-7765E6C6820E}"/>
+              </a:ext>
+            </a:extLst>
+          </p:cNvPr>
+          <p:cNvCxnSpPr>
+            <a:cxnSpLocks/>
+            <a:stCxn id="6" idx="2"/>
+            <a:endCxn id="5" idx="0"/>
+          </p:cNvCxnSpPr>
+          <p:nvPr/>
+        </p:nvCxnSpPr>
+        <p:spPr>
+          <a:xfrm>
+            <a:off x="3682067" y="2371287"/>
+            <a:ext cx="0" cy="432033"/>
+          </a:xfrm>
+          <a:prstGeom prst="straightConnector1">
+            <a:avLst/>
+          </a:prstGeom>
+          <a:ln w="12700">
+            <a:solidFill>
+              <a:schemeClr val="tx1"/>
+            </a:solidFill>
+            <a:headEnd type="triangle"/>
+            <a:tailEnd type="triangle"/>
+          </a:ln>
+        </p:spPr>
+        <p:style>
+          <a:lnRef idx="1">
+            <a:schemeClr val="accent1"/>
+          </a:lnRef>
+          <a:fillRef idx="0">
+            <a:schemeClr val="accent1"/>
+          </a:fillRef>
+          <a:effectRef idx="0">
+            <a:schemeClr val="accent1"/>
+          </a:effectRef>
+          <a:fontRef idx="minor">
+            <a:schemeClr val="tx1"/>
+          </a:fontRef>
+        </p:style>
+      </p:cxnSp>
+      <p:sp>
+        <p:nvSpPr>
+          <p:cNvPr id="19" name="Rectangle 18">
+            <a:extLst>
+              <a:ext uri="{FF2B5EF4-FFF2-40B4-BE49-F238E27FC236}">
+                <a16:creationId xmlns:a16="http://schemas.microsoft.com/office/drawing/2014/main" id="{1A8A78D1-8D85-41DE-8914-5EC47C31774F}"/>
+              </a:ext>
+            </a:extLst>
+          </p:cNvPr>
+          <p:cNvSpPr/>
+          <p:nvPr/>
+        </p:nvSpPr>
+        <p:spPr>
+          <a:xfrm>
+            <a:off x="2696360" y="3604467"/>
+            <a:ext cx="1971413" cy="369115"/>
+          </a:xfrm>
+          <a:prstGeom prst="rect">
+            <a:avLst/>
+          </a:prstGeom>
+          <a:solidFill>
+            <a:schemeClr val="bg1"/>
+          </a:solidFill>
+          <a:ln>
+            <a:solidFill>
+              <a:schemeClr val="tx1"/>
+            </a:solidFill>
+          </a:ln>
+        </p:spPr>
+        <p:style>
+          <a:lnRef idx="2">
+            <a:schemeClr val="accent1">
+              <a:shade val="50000"/>
+            </a:schemeClr>
+          </a:lnRef>
+          <a:fillRef idx="1">
+            <a:schemeClr val="accent1"/>
+          </a:fillRef>
+          <a:effectRef idx="0">
+            <a:schemeClr val="accent1"/>
+          </a:effectRef>
+          <a:fontRef idx="minor">
+            <a:schemeClr val="lt1"/>
+          </a:fontRef>
+        </p:style>
+        <p:txBody>
+          <a:bodyPr rtlCol="0" anchor="ctr"/>
+          <a:lstStyle/>
+          <a:p>
+            <a:pPr algn="ctr"/>
+            <a:r>
+              <a:rPr lang="en-US">
+                <a:solidFill>
+                  <a:schemeClr val="tx1"/>
+                </a:solidFill>
+              </a:rPr>
+              <a:t>Memory</a:t>
+            </a:r>
+          </a:p>
+        </p:txBody>
+      </p:sp>
+      <p:cxnSp>
+        <p:nvCxnSpPr>
+          <p:cNvPr id="20" name="Straight Arrow Connector 19">
+            <a:extLst>
+              <a:ext uri="{FF2B5EF4-FFF2-40B4-BE49-F238E27FC236}">
+                <a16:creationId xmlns:a16="http://schemas.microsoft.com/office/drawing/2014/main" id="{AA4D1A42-C065-4D54-90C2-FF8CA5CFC3C2}"/>
+              </a:ext>
+            </a:extLst>
+          </p:cNvPr>
+          <p:cNvCxnSpPr>
+            <a:cxnSpLocks/>
+          </p:cNvCxnSpPr>
+          <p:nvPr/>
+        </p:nvCxnSpPr>
+        <p:spPr>
+          <a:xfrm>
+            <a:off x="3682065" y="3172434"/>
+            <a:ext cx="0" cy="432033"/>
+          </a:xfrm>
+          <a:prstGeom prst="straightConnector1">
+            <a:avLst/>
+          </a:prstGeom>
+          <a:ln w="12700">
+            <a:solidFill>
+              <a:schemeClr val="tx1"/>
+            </a:solidFill>
+            <a:headEnd type="triangle"/>
+            <a:tailEnd type="triangle"/>
+          </a:ln>
+        </p:spPr>
+        <p:style>
+          <a:lnRef idx="1">
+            <a:schemeClr val="accent1"/>
+          </a:lnRef>
+          <a:fillRef idx="0">
+            <a:schemeClr val="accent1"/>
+          </a:fillRef>
+          <a:effectRef idx="0">
+            <a:schemeClr val="accent1"/>
+          </a:effectRef>
+          <a:fontRef idx="minor">
+            <a:schemeClr val="tx1"/>
+          </a:fontRef>
+        </p:style>
+      </p:cxnSp>
+      <p:cxnSp>
+        <p:nvCxnSpPr>
+          <p:cNvPr id="22" name="Straight Arrow Connector 21">
+            <a:extLst>
+              <a:ext uri="{FF2B5EF4-FFF2-40B4-BE49-F238E27FC236}">
+                <a16:creationId xmlns:a16="http://schemas.microsoft.com/office/drawing/2014/main" id="{911C5BE1-F84F-434C-B9C9-FD2D6AF93369}"/>
+              </a:ext>
+            </a:extLst>
+          </p:cNvPr>
+          <p:cNvCxnSpPr>
+            <a:cxnSpLocks/>
+            <a:stCxn id="4" idx="0"/>
+            <a:endCxn id="5" idx="1"/>
+          </p:cNvCxnSpPr>
+          <p:nvPr/>
+        </p:nvCxnSpPr>
+        <p:spPr>
+          <a:xfrm flipV="1">
+            <a:off x="2059497" y="2987878"/>
+            <a:ext cx="636863" cy="1"/>
+          </a:xfrm>
+          <a:prstGeom prst="straightConnector1">
+            <a:avLst/>
+          </a:prstGeom>
+          <a:ln w="12700">
+            <a:solidFill>
+              <a:schemeClr val="tx1"/>
+            </a:solidFill>
+            <a:tailEnd type="triangle"/>
+          </a:ln>
+        </p:spPr>
+        <p:style>
+          <a:lnRef idx="1">
+            <a:schemeClr val="accent1"/>
+          </a:lnRef>
+          <a:fillRef idx="0">
+            <a:schemeClr val="accent1"/>
+          </a:fillRef>
+          <a:effectRef idx="0">
+            <a:schemeClr val="accent1"/>
+          </a:effectRef>
+          <a:fontRef idx="minor">
+            <a:schemeClr val="tx1"/>
+          </a:fontRef>
+        </p:style>
+      </p:cxnSp>
+    </p:spTree>
+    <p:extLst>
+      <p:ext uri="{BB962C8B-B14F-4D97-AF65-F5344CB8AC3E}">
+        <p14:creationId xmlns:p14="http://schemas.microsoft.com/office/powerpoint/2010/main" val="3355971844"/>
+      </p:ext>
+    </p:extLst>
+  </p:cSld>
+  <p:clrMapOvr>
+    <a:masterClrMapping/>
+  </p:clrMapOvr>
+</p:sld>
+</file>
+
 <file path=ppt/theme/theme1.xml><?xml version="1.0" encoding="utf-8"?>
 <a:theme xmlns:a="http://schemas.openxmlformats.org/drawingml/2006/main" name="Office Theme">
   <a:themeElements>

--- a/References/huy_draft.pptx
+++ b/References/huy_draft.pptx
@@ -262,7 +262,7 @@
           <a:p>
             <a:fld id="{F46336BD-2A7D-4CB1-A425-EDBB44797913}" type="datetimeFigureOut">
               <a:rPr lang="en-US" smtClean="0"/>
-              <a:t>9/22/2020</a:t>
+              <a:t>9/29/2020</a:t>
             </a:fld>
             <a:endParaRPr lang="en-US"/>
           </a:p>
@@ -460,7 +460,7 @@
           <a:p>
             <a:fld id="{F46336BD-2A7D-4CB1-A425-EDBB44797913}" type="datetimeFigureOut">
               <a:rPr lang="en-US" smtClean="0"/>
-              <a:t>9/22/2020</a:t>
+              <a:t>9/29/2020</a:t>
             </a:fld>
             <a:endParaRPr lang="en-US"/>
           </a:p>
@@ -668,7 +668,7 @@
           <a:p>
             <a:fld id="{F46336BD-2A7D-4CB1-A425-EDBB44797913}" type="datetimeFigureOut">
               <a:rPr lang="en-US" smtClean="0"/>
-              <a:t>9/22/2020</a:t>
+              <a:t>9/29/2020</a:t>
             </a:fld>
             <a:endParaRPr lang="en-US"/>
           </a:p>
@@ -866,7 +866,7 @@
           <a:p>
             <a:fld id="{F46336BD-2A7D-4CB1-A425-EDBB44797913}" type="datetimeFigureOut">
               <a:rPr lang="en-US" smtClean="0"/>
-              <a:t>9/22/2020</a:t>
+              <a:t>9/29/2020</a:t>
             </a:fld>
             <a:endParaRPr lang="en-US"/>
           </a:p>
@@ -1141,7 +1141,7 @@
           <a:p>
             <a:fld id="{F46336BD-2A7D-4CB1-A425-EDBB44797913}" type="datetimeFigureOut">
               <a:rPr lang="en-US" smtClean="0"/>
-              <a:t>9/22/2020</a:t>
+              <a:t>9/29/2020</a:t>
             </a:fld>
             <a:endParaRPr lang="en-US"/>
           </a:p>
@@ -1406,7 +1406,7 @@
           <a:p>
             <a:fld id="{F46336BD-2A7D-4CB1-A425-EDBB44797913}" type="datetimeFigureOut">
               <a:rPr lang="en-US" smtClean="0"/>
-              <a:t>9/22/2020</a:t>
+              <a:t>9/29/2020</a:t>
             </a:fld>
             <a:endParaRPr lang="en-US"/>
           </a:p>
@@ -1818,7 +1818,7 @@
           <a:p>
             <a:fld id="{F46336BD-2A7D-4CB1-A425-EDBB44797913}" type="datetimeFigureOut">
               <a:rPr lang="en-US" smtClean="0"/>
-              <a:t>9/22/2020</a:t>
+              <a:t>9/29/2020</a:t>
             </a:fld>
             <a:endParaRPr lang="en-US"/>
           </a:p>
@@ -1959,7 +1959,7 @@
           <a:p>
             <a:fld id="{F46336BD-2A7D-4CB1-A425-EDBB44797913}" type="datetimeFigureOut">
               <a:rPr lang="en-US" smtClean="0"/>
-              <a:t>9/22/2020</a:t>
+              <a:t>9/29/2020</a:t>
             </a:fld>
             <a:endParaRPr lang="en-US"/>
           </a:p>
@@ -2072,7 +2072,7 @@
           <a:p>
             <a:fld id="{F46336BD-2A7D-4CB1-A425-EDBB44797913}" type="datetimeFigureOut">
               <a:rPr lang="en-US" smtClean="0"/>
-              <a:t>9/22/2020</a:t>
+              <a:t>9/29/2020</a:t>
             </a:fld>
             <a:endParaRPr lang="en-US"/>
           </a:p>
@@ -2383,7 +2383,7 @@
           <a:p>
             <a:fld id="{F46336BD-2A7D-4CB1-A425-EDBB44797913}" type="datetimeFigureOut">
               <a:rPr lang="en-US" smtClean="0"/>
-              <a:t>9/22/2020</a:t>
+              <a:t>9/29/2020</a:t>
             </a:fld>
             <a:endParaRPr lang="en-US"/>
           </a:p>
@@ -2671,7 +2671,7 @@
           <a:p>
             <a:fld id="{F46336BD-2A7D-4CB1-A425-EDBB44797913}" type="datetimeFigureOut">
               <a:rPr lang="en-US" smtClean="0"/>
-              <a:t>9/22/2020</a:t>
+              <a:t>9/29/2020</a:t>
             </a:fld>
             <a:endParaRPr lang="en-US"/>
           </a:p>
@@ -2912,7 +2912,7 @@
           <a:p>
             <a:fld id="{F46336BD-2A7D-4CB1-A425-EDBB44797913}" type="datetimeFigureOut">
               <a:rPr lang="en-US" smtClean="0"/>
-              <a:t>9/22/2020</a:t>
+              <a:t>9/29/2020</a:t>
             </a:fld>
             <a:endParaRPr lang="en-US"/>
           </a:p>
@@ -3454,7 +3454,7 @@
             </a:solidFill>
             <a:ln w="57150">
               <a:solidFill>
-                <a:srgbClr val="FF0000"/>
+                <a:schemeClr val="tx1"/>
               </a:solidFill>
             </a:ln>
           </p:spPr>

--- a/References/huy_draft.pptx
+++ b/References/huy_draft.pptx
@@ -9,6 +9,7 @@
     <p:sldId id="258" r:id="rId3"/>
     <p:sldId id="257" r:id="rId4"/>
     <p:sldId id="259" r:id="rId5"/>
+    <p:sldId id="260" r:id="rId6"/>
   </p:sldIdLst>
   <p:sldSz cx="12192000" cy="6858000"/>
   <p:notesSz cx="6858000" cy="9144000"/>
@@ -262,7 +263,7 @@
           <a:p>
             <a:fld id="{F46336BD-2A7D-4CB1-A425-EDBB44797913}" type="datetimeFigureOut">
               <a:rPr lang="en-US" smtClean="0"/>
-              <a:t>9/29/2020</a:t>
+              <a:t>10/6/2020</a:t>
             </a:fld>
             <a:endParaRPr lang="en-US"/>
           </a:p>
@@ -460,7 +461,7 @@
           <a:p>
             <a:fld id="{F46336BD-2A7D-4CB1-A425-EDBB44797913}" type="datetimeFigureOut">
               <a:rPr lang="en-US" smtClean="0"/>
-              <a:t>9/29/2020</a:t>
+              <a:t>10/6/2020</a:t>
             </a:fld>
             <a:endParaRPr lang="en-US"/>
           </a:p>
@@ -668,7 +669,7 @@
           <a:p>
             <a:fld id="{F46336BD-2A7D-4CB1-A425-EDBB44797913}" type="datetimeFigureOut">
               <a:rPr lang="en-US" smtClean="0"/>
-              <a:t>9/29/2020</a:t>
+              <a:t>10/6/2020</a:t>
             </a:fld>
             <a:endParaRPr lang="en-US"/>
           </a:p>
@@ -866,7 +867,7 @@
           <a:p>
             <a:fld id="{F46336BD-2A7D-4CB1-A425-EDBB44797913}" type="datetimeFigureOut">
               <a:rPr lang="en-US" smtClean="0"/>
-              <a:t>9/29/2020</a:t>
+              <a:t>10/6/2020</a:t>
             </a:fld>
             <a:endParaRPr lang="en-US"/>
           </a:p>
@@ -1141,7 +1142,7 @@
           <a:p>
             <a:fld id="{F46336BD-2A7D-4CB1-A425-EDBB44797913}" type="datetimeFigureOut">
               <a:rPr lang="en-US" smtClean="0"/>
-              <a:t>9/29/2020</a:t>
+              <a:t>10/6/2020</a:t>
             </a:fld>
             <a:endParaRPr lang="en-US"/>
           </a:p>
@@ -1406,7 +1407,7 @@
           <a:p>
             <a:fld id="{F46336BD-2A7D-4CB1-A425-EDBB44797913}" type="datetimeFigureOut">
               <a:rPr lang="en-US" smtClean="0"/>
-              <a:t>9/29/2020</a:t>
+              <a:t>10/6/2020</a:t>
             </a:fld>
             <a:endParaRPr lang="en-US"/>
           </a:p>
@@ -1818,7 +1819,7 @@
           <a:p>
             <a:fld id="{F46336BD-2A7D-4CB1-A425-EDBB44797913}" type="datetimeFigureOut">
               <a:rPr lang="en-US" smtClean="0"/>
-              <a:t>9/29/2020</a:t>
+              <a:t>10/6/2020</a:t>
             </a:fld>
             <a:endParaRPr lang="en-US"/>
           </a:p>
@@ -1959,7 +1960,7 @@
           <a:p>
             <a:fld id="{F46336BD-2A7D-4CB1-A425-EDBB44797913}" type="datetimeFigureOut">
               <a:rPr lang="en-US" smtClean="0"/>
-              <a:t>9/29/2020</a:t>
+              <a:t>10/6/2020</a:t>
             </a:fld>
             <a:endParaRPr lang="en-US"/>
           </a:p>
@@ -2072,7 +2073,7 @@
           <a:p>
             <a:fld id="{F46336BD-2A7D-4CB1-A425-EDBB44797913}" type="datetimeFigureOut">
               <a:rPr lang="en-US" smtClean="0"/>
-              <a:t>9/29/2020</a:t>
+              <a:t>10/6/2020</a:t>
             </a:fld>
             <a:endParaRPr lang="en-US"/>
           </a:p>
@@ -2383,7 +2384,7 @@
           <a:p>
             <a:fld id="{F46336BD-2A7D-4CB1-A425-EDBB44797913}" type="datetimeFigureOut">
               <a:rPr lang="en-US" smtClean="0"/>
-              <a:t>9/29/2020</a:t>
+              <a:t>10/6/2020</a:t>
             </a:fld>
             <a:endParaRPr lang="en-US"/>
           </a:p>
@@ -2671,7 +2672,7 @@
           <a:p>
             <a:fld id="{F46336BD-2A7D-4CB1-A425-EDBB44797913}" type="datetimeFigureOut">
               <a:rPr lang="en-US" smtClean="0"/>
-              <a:t>9/29/2020</a:t>
+              <a:t>10/6/2020</a:t>
             </a:fld>
             <a:endParaRPr lang="en-US"/>
           </a:p>
@@ -2912,7 +2913,7 @@
           <a:p>
             <a:fld id="{F46336BD-2A7D-4CB1-A425-EDBB44797913}" type="datetimeFigureOut">
               <a:rPr lang="en-US" smtClean="0"/>
-              <a:t>9/29/2020</a:t>
+              <a:t>10/6/2020</a:t>
             </a:fld>
             <a:endParaRPr lang="en-US"/>
           </a:p>
@@ -18232,6 +18233,458 @@
 </p:sld>
 </file>
 
+<file path=ppt/slides/slide5.xml><?xml version="1.0" encoding="utf-8"?>
+<p:sld xmlns:a="http://schemas.openxmlformats.org/drawingml/2006/main" xmlns:r="http://schemas.openxmlformats.org/officeDocument/2006/relationships" xmlns:p="http://schemas.openxmlformats.org/presentationml/2006/main">
+  <p:cSld>
+    <p:spTree>
+      <p:nvGrpSpPr>
+        <p:cNvPr id="1" name=""/>
+        <p:cNvGrpSpPr/>
+        <p:nvPr/>
+      </p:nvGrpSpPr>
+      <p:grpSpPr>
+        <a:xfrm>
+          <a:off x="0" y="0"/>
+          <a:ext cx="0" cy="0"/>
+          <a:chOff x="0" y="0"/>
+          <a:chExt cx="0" cy="0"/>
+        </a:xfrm>
+      </p:grpSpPr>
+      <p:graphicFrame>
+        <p:nvGraphicFramePr>
+          <p:cNvPr id="2" name="Table 2">
+            <a:extLst>
+              <a:ext uri="{FF2B5EF4-FFF2-40B4-BE49-F238E27FC236}">
+                <a16:creationId xmlns:a16="http://schemas.microsoft.com/office/drawing/2014/main" id="{09F28A2C-F988-4E8B-8522-F9487C4D66E3}"/>
+              </a:ext>
+            </a:extLst>
+          </p:cNvPr>
+          <p:cNvGraphicFramePr>
+            <a:graphicFrameLocks noGrp="1"/>
+          </p:cNvGraphicFramePr>
+          <p:nvPr>
+            <p:extLst>
+              <p:ext uri="{D42A27DB-BD31-4B8C-83A1-F6EECF244321}">
+                <p14:modId xmlns:p14="http://schemas.microsoft.com/office/powerpoint/2010/main" val="610233550"/>
+              </p:ext>
+            </p:extLst>
+          </p:nvPr>
+        </p:nvGraphicFramePr>
+        <p:xfrm>
+          <a:off x="2224946" y="3058160"/>
+          <a:ext cx="6860330" cy="685800"/>
+        </p:xfrm>
+        <a:graphic>
+          <a:graphicData uri="http://schemas.openxmlformats.org/drawingml/2006/table">
+            <a:tbl>
+              <a:tblPr>
+                <a:tableStyleId>{F5AB1C69-6EDB-4FF4-983F-18BD219EF322}</a:tableStyleId>
+              </a:tblPr>
+              <a:tblGrid>
+                <a:gridCol w="1139039">
+                  <a:extLst>
+                    <a:ext uri="{9D8B030D-6E8A-4147-A177-3AD203B41FA5}">
+                      <a16:colId xmlns:a16="http://schemas.microsoft.com/office/drawing/2014/main" val="2756642822"/>
+                    </a:ext>
+                  </a:extLst>
+                </a:gridCol>
+                <a:gridCol w="1040235">
+                  <a:extLst>
+                    <a:ext uri="{9D8B030D-6E8A-4147-A177-3AD203B41FA5}">
+                      <a16:colId xmlns:a16="http://schemas.microsoft.com/office/drawing/2014/main" val="4120465385"/>
+                    </a:ext>
+                  </a:extLst>
+                </a:gridCol>
+                <a:gridCol w="1260332">
+                  <a:extLst>
+                    <a:ext uri="{9D8B030D-6E8A-4147-A177-3AD203B41FA5}">
+                      <a16:colId xmlns:a16="http://schemas.microsoft.com/office/drawing/2014/main" val="2229551690"/>
+                    </a:ext>
+                  </a:extLst>
+                </a:gridCol>
+                <a:gridCol w="3420724">
+                  <a:extLst>
+                    <a:ext uri="{9D8B030D-6E8A-4147-A177-3AD203B41FA5}">
+                      <a16:colId xmlns:a16="http://schemas.microsoft.com/office/drawing/2014/main" val="2935907460"/>
+                    </a:ext>
+                  </a:extLst>
+                </a:gridCol>
+              </a:tblGrid>
+              <a:tr h="351692">
+                <a:tc>
+                  <a:txBody>
+                    <a:bodyPr/>
+                    <a:lstStyle/>
+                    <a:p>
+                      <a:pPr algn="ctr"/>
+                      <a:r>
+                        <a:rPr lang="en-US" sz="1100">
+                          <a:latin typeface="+mn-lt"/>
+                        </a:rPr>
+                        <a:t>Preamble</a:t>
+                      </a:r>
+                    </a:p>
+                  </a:txBody>
+                  <a:tcPr>
+                    <a:lnL w="12700" cap="flat" cmpd="sng" algn="ctr">
+                      <a:solidFill>
+                        <a:schemeClr val="tx1"/>
+                      </a:solidFill>
+                      <a:prstDash val="solid"/>
+                      <a:round/>
+                      <a:headEnd type="none" w="med" len="med"/>
+                      <a:tailEnd type="none" w="med" len="med"/>
+                    </a:lnL>
+                    <a:lnR w="12700" cap="flat" cmpd="sng" algn="ctr">
+                      <a:solidFill>
+                        <a:schemeClr val="tx1"/>
+                      </a:solidFill>
+                      <a:prstDash val="solid"/>
+                      <a:round/>
+                      <a:headEnd type="none" w="med" len="med"/>
+                      <a:tailEnd type="none" w="med" len="med"/>
+                    </a:lnR>
+                    <a:lnT w="12700" cap="flat" cmpd="sng" algn="ctr">
+                      <a:solidFill>
+                        <a:schemeClr val="tx1"/>
+                      </a:solidFill>
+                      <a:prstDash val="solid"/>
+                      <a:round/>
+                      <a:headEnd type="none" w="med" len="med"/>
+                      <a:tailEnd type="none" w="med" len="med"/>
+                    </a:lnT>
+                    <a:lnB w="12700" cap="flat" cmpd="sng" algn="ctr">
+                      <a:solidFill>
+                        <a:schemeClr val="tx1"/>
+                      </a:solidFill>
+                      <a:prstDash val="solid"/>
+                      <a:round/>
+                      <a:headEnd type="none" w="med" len="med"/>
+                      <a:tailEnd type="none" w="med" len="med"/>
+                    </a:lnB>
+                  </a:tcPr>
+                </a:tc>
+                <a:tc>
+                  <a:txBody>
+                    <a:bodyPr/>
+                    <a:lstStyle/>
+                    <a:p>
+                      <a:pPr algn="ctr"/>
+                      <a:r>
+                        <a:rPr lang="en-US" sz="1100">
+                          <a:latin typeface="+mn-lt"/>
+                        </a:rPr>
+                        <a:t>Start of Packet Delimiter</a:t>
+                      </a:r>
+                    </a:p>
+                  </a:txBody>
+                  <a:tcPr>
+                    <a:lnL w="12700" cap="flat" cmpd="sng" algn="ctr">
+                      <a:solidFill>
+                        <a:schemeClr val="tx1"/>
+                      </a:solidFill>
+                      <a:prstDash val="solid"/>
+                      <a:round/>
+                      <a:headEnd type="none" w="med" len="med"/>
+                      <a:tailEnd type="none" w="med" len="med"/>
+                    </a:lnL>
+                    <a:lnR w="12700" cap="flat" cmpd="sng" algn="ctr">
+                      <a:solidFill>
+                        <a:schemeClr val="tx1"/>
+                      </a:solidFill>
+                      <a:prstDash val="solid"/>
+                      <a:round/>
+                      <a:headEnd type="none" w="med" len="med"/>
+                      <a:tailEnd type="none" w="med" len="med"/>
+                    </a:lnR>
+                    <a:lnT w="12700" cap="flat" cmpd="sng" algn="ctr">
+                      <a:solidFill>
+                        <a:schemeClr val="tx1"/>
+                      </a:solidFill>
+                      <a:prstDash val="solid"/>
+                      <a:round/>
+                      <a:headEnd type="none" w="med" len="med"/>
+                      <a:tailEnd type="none" w="med" len="med"/>
+                    </a:lnT>
+                    <a:lnB w="12700" cap="flat" cmpd="sng" algn="ctr">
+                      <a:solidFill>
+                        <a:schemeClr val="tx1"/>
+                      </a:solidFill>
+                      <a:prstDash val="solid"/>
+                      <a:round/>
+                      <a:headEnd type="none" w="med" len="med"/>
+                      <a:tailEnd type="none" w="med" len="med"/>
+                    </a:lnB>
+                  </a:tcPr>
+                </a:tc>
+                <a:tc>
+                  <a:txBody>
+                    <a:bodyPr/>
+                    <a:lstStyle/>
+                    <a:p>
+                      <a:pPr algn="ctr"/>
+                      <a:r>
+                        <a:rPr lang="en-US" sz="1100">
+                          <a:latin typeface="+mn-lt"/>
+                        </a:rPr>
+                        <a:t>PHY Header</a:t>
+                      </a:r>
+                    </a:p>
+                  </a:txBody>
+                  <a:tcPr>
+                    <a:lnL w="12700" cap="flat" cmpd="sng" algn="ctr">
+                      <a:solidFill>
+                        <a:schemeClr val="tx1"/>
+                      </a:solidFill>
+                      <a:prstDash val="solid"/>
+                      <a:round/>
+                      <a:headEnd type="none" w="med" len="med"/>
+                      <a:tailEnd type="none" w="med" len="med"/>
+                    </a:lnL>
+                    <a:lnR w="12700" cap="flat" cmpd="sng" algn="ctr">
+                      <a:solidFill>
+                        <a:schemeClr val="tx1"/>
+                      </a:solidFill>
+                      <a:prstDash val="solid"/>
+                      <a:round/>
+                      <a:headEnd type="none" w="med" len="med"/>
+                      <a:tailEnd type="none" w="med" len="med"/>
+                    </a:lnR>
+                    <a:lnT w="12700" cap="flat" cmpd="sng" algn="ctr">
+                      <a:solidFill>
+                        <a:schemeClr val="tx1"/>
+                      </a:solidFill>
+                      <a:prstDash val="solid"/>
+                      <a:round/>
+                      <a:headEnd type="none" w="med" len="med"/>
+                      <a:tailEnd type="none" w="med" len="med"/>
+                    </a:lnT>
+                    <a:lnB w="12700" cap="flat" cmpd="sng" algn="ctr">
+                      <a:solidFill>
+                        <a:schemeClr val="tx1"/>
+                      </a:solidFill>
+                      <a:prstDash val="solid"/>
+                      <a:round/>
+                      <a:headEnd type="none" w="med" len="med"/>
+                      <a:tailEnd type="none" w="med" len="med"/>
+                    </a:lnB>
+                  </a:tcPr>
+                </a:tc>
+                <a:tc>
+                  <a:txBody>
+                    <a:bodyPr/>
+                    <a:lstStyle/>
+                    <a:p>
+                      <a:pPr algn="ctr"/>
+                      <a:r>
+                        <a:rPr lang="en-US" sz="1100">
+                          <a:latin typeface="+mn-lt"/>
+                        </a:rPr>
+                        <a:t>PHY Service Data Unit (PSDU)</a:t>
+                      </a:r>
+                    </a:p>
+                  </a:txBody>
+                  <a:tcPr>
+                    <a:lnL w="12700" cap="flat" cmpd="sng" algn="ctr">
+                      <a:solidFill>
+                        <a:schemeClr val="tx1"/>
+                      </a:solidFill>
+                      <a:prstDash val="solid"/>
+                      <a:round/>
+                      <a:headEnd type="none" w="med" len="med"/>
+                      <a:tailEnd type="none" w="med" len="med"/>
+                    </a:lnL>
+                    <a:lnR w="12700" cap="flat" cmpd="sng" algn="ctr">
+                      <a:solidFill>
+                        <a:schemeClr val="tx1"/>
+                      </a:solidFill>
+                      <a:prstDash val="solid"/>
+                      <a:round/>
+                      <a:headEnd type="none" w="med" len="med"/>
+                      <a:tailEnd type="none" w="med" len="med"/>
+                    </a:lnR>
+                    <a:lnT w="12700" cap="flat" cmpd="sng" algn="ctr">
+                      <a:solidFill>
+                        <a:schemeClr val="tx1"/>
+                      </a:solidFill>
+                      <a:prstDash val="solid"/>
+                      <a:round/>
+                      <a:headEnd type="none" w="med" len="med"/>
+                      <a:tailEnd type="none" w="med" len="med"/>
+                    </a:lnT>
+                    <a:lnB w="12700" cap="flat" cmpd="sng" algn="ctr">
+                      <a:solidFill>
+                        <a:schemeClr val="tx1"/>
+                      </a:solidFill>
+                      <a:prstDash val="solid"/>
+                      <a:round/>
+                      <a:headEnd type="none" w="med" len="med"/>
+                      <a:tailEnd type="none" w="med" len="med"/>
+                    </a:lnB>
+                  </a:tcPr>
+                </a:tc>
+                <a:extLst>
+                  <a:ext uri="{0D108BD9-81ED-4DB2-BD59-A6C34878D82A}">
+                    <a16:rowId xmlns:a16="http://schemas.microsoft.com/office/drawing/2014/main" val="2509109349"/>
+                  </a:ext>
+                </a:extLst>
+              </a:tr>
+              <a:tr h="239359">
+                <a:tc gridSpan="3">
+                  <a:txBody>
+                    <a:bodyPr/>
+                    <a:lstStyle/>
+                    <a:p>
+                      <a:pPr algn="ctr"/>
+                      <a:r>
+                        <a:rPr lang="en-US" sz="1100">
+                          <a:latin typeface="+mn-lt"/>
+                        </a:rPr>
+                        <a:t>(6 Octets)</a:t>
+                      </a:r>
+                    </a:p>
+                  </a:txBody>
+                  <a:tcPr>
+                    <a:lnL w="12700" cap="flat" cmpd="sng" algn="ctr">
+                      <a:solidFill>
+                        <a:schemeClr val="tx1"/>
+                      </a:solidFill>
+                      <a:prstDash val="solid"/>
+                      <a:round/>
+                      <a:headEnd type="none" w="med" len="med"/>
+                      <a:tailEnd type="none" w="med" len="med"/>
+                    </a:lnL>
+                    <a:lnR w="12700" cap="flat" cmpd="sng" algn="ctr">
+                      <a:solidFill>
+                        <a:schemeClr val="tx1"/>
+                      </a:solidFill>
+                      <a:prstDash val="solid"/>
+                      <a:round/>
+                      <a:headEnd type="none" w="med" len="med"/>
+                      <a:tailEnd type="none" w="med" len="med"/>
+                    </a:lnR>
+                    <a:lnT w="12700" cap="flat" cmpd="sng" algn="ctr">
+                      <a:solidFill>
+                        <a:schemeClr val="tx1"/>
+                      </a:solidFill>
+                      <a:prstDash val="solid"/>
+                      <a:round/>
+                      <a:headEnd type="none" w="med" len="med"/>
+                      <a:tailEnd type="none" w="med" len="med"/>
+                    </a:lnT>
+                    <a:lnB w="12700" cap="flat" cmpd="sng" algn="ctr">
+                      <a:solidFill>
+                        <a:schemeClr val="tx1"/>
+                      </a:solidFill>
+                      <a:prstDash val="solid"/>
+                      <a:round/>
+                      <a:headEnd type="none" w="med" len="med"/>
+                      <a:tailEnd type="none" w="med" len="med"/>
+                    </a:lnB>
+                  </a:tcPr>
+                </a:tc>
+                <a:tc hMerge="1">
+                  <a:txBody>
+                    <a:bodyPr/>
+                    <a:lstStyle/>
+                    <a:p>
+                      <a:pPr algn="ctr"/>
+                      <a:endParaRPr lang="en-US" sz="1100">
+                        <a:latin typeface="+mn-lt"/>
+                      </a:endParaRPr>
+                    </a:p>
+                  </a:txBody>
+                  <a:tcPr/>
+                </a:tc>
+                <a:tc hMerge="1">
+                  <a:txBody>
+                    <a:bodyPr/>
+                    <a:lstStyle/>
+                    <a:p>
+                      <a:pPr algn="ctr"/>
+                      <a:endParaRPr lang="en-US" sz="1100">
+                        <a:latin typeface="+mn-lt"/>
+                      </a:endParaRPr>
+                    </a:p>
+                  </a:txBody>
+                  <a:tcPr/>
+                </a:tc>
+                <a:tc>
+                  <a:txBody>
+                    <a:bodyPr/>
+                    <a:lstStyle/>
+                    <a:p>
+                      <a:pPr algn="ctr"/>
+                      <a:r>
+                        <a:rPr lang="en-US" sz="1100">
+                          <a:latin typeface="+mn-lt"/>
+                        </a:rPr>
+                        <a:t>(0 – 127 Octets)</a:t>
+                      </a:r>
+                    </a:p>
+                  </a:txBody>
+                  <a:tcPr>
+                    <a:lnL w="12700" cap="flat" cmpd="sng" algn="ctr">
+                      <a:solidFill>
+                        <a:schemeClr val="tx1"/>
+                      </a:solidFill>
+                      <a:prstDash val="solid"/>
+                      <a:round/>
+                      <a:headEnd type="none" w="med" len="med"/>
+                      <a:tailEnd type="none" w="med" len="med"/>
+                    </a:lnL>
+                    <a:lnR w="12700" cap="flat" cmpd="sng" algn="ctr">
+                      <a:solidFill>
+                        <a:schemeClr val="tx1"/>
+                      </a:solidFill>
+                      <a:prstDash val="solid"/>
+                      <a:round/>
+                      <a:headEnd type="none" w="med" len="med"/>
+                      <a:tailEnd type="none" w="med" len="med"/>
+                    </a:lnR>
+                    <a:lnT w="12700" cap="flat" cmpd="sng" algn="ctr">
+                      <a:solidFill>
+                        <a:schemeClr val="tx1"/>
+                      </a:solidFill>
+                      <a:prstDash val="solid"/>
+                      <a:round/>
+                      <a:headEnd type="none" w="med" len="med"/>
+                      <a:tailEnd type="none" w="med" len="med"/>
+                    </a:lnT>
+                    <a:lnB w="12700" cap="flat" cmpd="sng" algn="ctr">
+                      <a:solidFill>
+                        <a:schemeClr val="tx1"/>
+                      </a:solidFill>
+                      <a:prstDash val="solid"/>
+                      <a:round/>
+                      <a:headEnd type="none" w="med" len="med"/>
+                      <a:tailEnd type="none" w="med" len="med"/>
+                    </a:lnB>
+                  </a:tcPr>
+                </a:tc>
+                <a:extLst>
+                  <a:ext uri="{0D108BD9-81ED-4DB2-BD59-A6C34878D82A}">
+                    <a16:rowId xmlns:a16="http://schemas.microsoft.com/office/drawing/2014/main" val="2050675509"/>
+                  </a:ext>
+                </a:extLst>
+              </a:tr>
+            </a:tbl>
+          </a:graphicData>
+        </a:graphic>
+      </p:graphicFrame>
+    </p:spTree>
+    <p:extLst>
+      <p:ext uri="{BB962C8B-B14F-4D97-AF65-F5344CB8AC3E}">
+        <p14:creationId xmlns:p14="http://schemas.microsoft.com/office/powerpoint/2010/main" val="779089020"/>
+      </p:ext>
+    </p:extLst>
+  </p:cSld>
+  <p:clrMapOvr>
+    <a:masterClrMapping/>
+  </p:clrMapOvr>
+</p:sld>
+</file>
+
 <file path=ppt/theme/theme1.xml><?xml version="1.0" encoding="utf-8"?>
 <a:theme xmlns:a="http://schemas.openxmlformats.org/drawingml/2006/main" name="Office Theme">
   <a:themeElements>

--- a/References/huy_draft.pptx
+++ b/References/huy_draft.pptx
@@ -10,6 +10,7 @@
     <p:sldId id="257" r:id="rId4"/>
     <p:sldId id="259" r:id="rId5"/>
     <p:sldId id="260" r:id="rId6"/>
+    <p:sldId id="261" r:id="rId7"/>
   </p:sldIdLst>
   <p:sldSz cx="12192000" cy="6858000"/>
   <p:notesSz cx="6858000" cy="9144000"/>
@@ -18685,6 +18686,3112 @@
 </p:sld>
 </file>
 
+<file path=ppt/slides/slide6.xml><?xml version="1.0" encoding="utf-8"?>
+<p:sld xmlns:a="http://schemas.openxmlformats.org/drawingml/2006/main" xmlns:r="http://schemas.openxmlformats.org/officeDocument/2006/relationships" xmlns:p="http://schemas.openxmlformats.org/presentationml/2006/main">
+  <p:cSld>
+    <p:spTree>
+      <p:nvGrpSpPr>
+        <p:cNvPr id="1" name=""/>
+        <p:cNvGrpSpPr/>
+        <p:nvPr/>
+      </p:nvGrpSpPr>
+      <p:grpSpPr>
+        <a:xfrm>
+          <a:off x="0" y="0"/>
+          <a:ext cx="0" cy="0"/>
+          <a:chOff x="0" y="0"/>
+          <a:chExt cx="0" cy="0"/>
+        </a:xfrm>
+      </p:grpSpPr>
+      <p:graphicFrame>
+        <p:nvGraphicFramePr>
+          <p:cNvPr id="2" name="Table 2">
+            <a:extLst>
+              <a:ext uri="{FF2B5EF4-FFF2-40B4-BE49-F238E27FC236}">
+                <a16:creationId xmlns:a16="http://schemas.microsoft.com/office/drawing/2014/main" id="{A8E37EF7-F146-44C8-B930-0E97A995F2F7}"/>
+              </a:ext>
+            </a:extLst>
+          </p:cNvPr>
+          <p:cNvGraphicFramePr>
+            <a:graphicFrameLocks noGrp="1"/>
+          </p:cNvGraphicFramePr>
+          <p:nvPr>
+            <p:extLst>
+              <p:ext uri="{D42A27DB-BD31-4B8C-83A1-F6EECF244321}">
+                <p14:modId xmlns:p14="http://schemas.microsoft.com/office/powerpoint/2010/main" val="1130472248"/>
+              </p:ext>
+            </p:extLst>
+          </p:nvPr>
+        </p:nvGraphicFramePr>
+        <p:xfrm>
+          <a:off x="5189638" y="2873002"/>
+          <a:ext cx="2601522" cy="1716003"/>
+        </p:xfrm>
+        <a:graphic>
+          <a:graphicData uri="http://schemas.openxmlformats.org/drawingml/2006/table">
+            <a:tbl>
+              <a:tblPr>
+                <a:tableStyleId>{2D5ABB26-0587-4C30-8999-92F81FD0307C}</a:tableStyleId>
+              </a:tblPr>
+              <a:tblGrid>
+                <a:gridCol w="433587">
+                  <a:extLst>
+                    <a:ext uri="{9D8B030D-6E8A-4147-A177-3AD203B41FA5}">
+                      <a16:colId xmlns:a16="http://schemas.microsoft.com/office/drawing/2014/main" val="1816089050"/>
+                    </a:ext>
+                  </a:extLst>
+                </a:gridCol>
+                <a:gridCol w="433587">
+                  <a:extLst>
+                    <a:ext uri="{9D8B030D-6E8A-4147-A177-3AD203B41FA5}">
+                      <a16:colId xmlns:a16="http://schemas.microsoft.com/office/drawing/2014/main" val="872101020"/>
+                    </a:ext>
+                  </a:extLst>
+                </a:gridCol>
+                <a:gridCol w="433587">
+                  <a:extLst>
+                    <a:ext uri="{9D8B030D-6E8A-4147-A177-3AD203B41FA5}">
+                      <a16:colId xmlns:a16="http://schemas.microsoft.com/office/drawing/2014/main" val="1944272048"/>
+                    </a:ext>
+                  </a:extLst>
+                </a:gridCol>
+                <a:gridCol w="433587">
+                  <a:extLst>
+                    <a:ext uri="{9D8B030D-6E8A-4147-A177-3AD203B41FA5}">
+                      <a16:colId xmlns:a16="http://schemas.microsoft.com/office/drawing/2014/main" val="2937209987"/>
+                    </a:ext>
+                  </a:extLst>
+                </a:gridCol>
+                <a:gridCol w="433587">
+                  <a:extLst>
+                    <a:ext uri="{9D8B030D-6E8A-4147-A177-3AD203B41FA5}">
+                      <a16:colId xmlns:a16="http://schemas.microsoft.com/office/drawing/2014/main" val="839327083"/>
+                    </a:ext>
+                  </a:extLst>
+                </a:gridCol>
+                <a:gridCol w="433587">
+                  <a:extLst>
+                    <a:ext uri="{9D8B030D-6E8A-4147-A177-3AD203B41FA5}">
+                      <a16:colId xmlns:a16="http://schemas.microsoft.com/office/drawing/2014/main" val="549102769"/>
+                    </a:ext>
+                  </a:extLst>
+                </a:gridCol>
+              </a:tblGrid>
+              <a:tr h="334827">
+                <a:tc>
+                  <a:txBody>
+                    <a:bodyPr/>
+                    <a:lstStyle/>
+                    <a:p>
+                      <a:pPr algn="ctr"/>
+                      <a:endParaRPr lang="en-US" sz="1000"/>
+                    </a:p>
+                  </a:txBody>
+                  <a:tcPr>
+                    <a:lnL w="12700" cap="flat" cmpd="sng" algn="ctr">
+                      <a:solidFill>
+                        <a:schemeClr val="tx1"/>
+                      </a:solidFill>
+                      <a:prstDash val="solid"/>
+                      <a:round/>
+                      <a:headEnd type="none" w="med" len="med"/>
+                      <a:tailEnd type="none" w="med" len="med"/>
+                    </a:lnL>
+                    <a:lnR w="12700" cap="flat" cmpd="sng" algn="ctr">
+                      <a:solidFill>
+                        <a:schemeClr val="tx1"/>
+                      </a:solidFill>
+                      <a:prstDash val="solid"/>
+                      <a:round/>
+                      <a:headEnd type="none" w="med" len="med"/>
+                      <a:tailEnd type="none" w="med" len="med"/>
+                    </a:lnR>
+                    <a:lnT w="12700" cap="flat" cmpd="sng" algn="ctr">
+                      <a:solidFill>
+                        <a:schemeClr val="tx1"/>
+                      </a:solidFill>
+                      <a:prstDash val="solid"/>
+                      <a:round/>
+                      <a:headEnd type="none" w="med" len="med"/>
+                      <a:tailEnd type="none" w="med" len="med"/>
+                    </a:lnT>
+                    <a:lnB w="12700" cap="flat" cmpd="sng" algn="ctr">
+                      <a:solidFill>
+                        <a:schemeClr val="tx1"/>
+                      </a:solidFill>
+                      <a:prstDash val="solid"/>
+                      <a:round/>
+                      <a:headEnd type="none" w="med" len="med"/>
+                      <a:tailEnd type="none" w="med" len="med"/>
+                    </a:lnB>
+                  </a:tcPr>
+                </a:tc>
+                <a:tc>
+                  <a:txBody>
+                    <a:bodyPr/>
+                    <a:lstStyle/>
+                    <a:p>
+                      <a:pPr algn="ctr"/>
+                      <a:endParaRPr lang="en-US" sz="1000"/>
+                    </a:p>
+                  </a:txBody>
+                  <a:tcPr>
+                    <a:lnL w="12700" cap="flat" cmpd="sng" algn="ctr">
+                      <a:solidFill>
+                        <a:schemeClr val="tx1"/>
+                      </a:solidFill>
+                      <a:prstDash val="solid"/>
+                      <a:round/>
+                      <a:headEnd type="none" w="med" len="med"/>
+                      <a:tailEnd type="none" w="med" len="med"/>
+                    </a:lnL>
+                    <a:lnR w="12700" cap="flat" cmpd="sng" algn="ctr">
+                      <a:solidFill>
+                        <a:schemeClr val="tx1"/>
+                      </a:solidFill>
+                      <a:prstDash val="solid"/>
+                      <a:round/>
+                      <a:headEnd type="none" w="med" len="med"/>
+                      <a:tailEnd type="none" w="med" len="med"/>
+                    </a:lnR>
+                    <a:lnT w="12700" cap="flat" cmpd="sng" algn="ctr">
+                      <a:solidFill>
+                        <a:schemeClr val="tx1"/>
+                      </a:solidFill>
+                      <a:prstDash val="solid"/>
+                      <a:round/>
+                      <a:headEnd type="none" w="med" len="med"/>
+                      <a:tailEnd type="none" w="med" len="med"/>
+                    </a:lnT>
+                    <a:lnB w="12700" cap="flat" cmpd="sng" algn="ctr">
+                      <a:solidFill>
+                        <a:schemeClr val="tx1"/>
+                      </a:solidFill>
+                      <a:prstDash val="solid"/>
+                      <a:round/>
+                      <a:headEnd type="none" w="med" len="med"/>
+                      <a:tailEnd type="none" w="med" len="med"/>
+                    </a:lnB>
+                  </a:tcPr>
+                </a:tc>
+                <a:tc>
+                  <a:txBody>
+                    <a:bodyPr/>
+                    <a:lstStyle/>
+                    <a:p>
+                      <a:pPr algn="ctr"/>
+                      <a:endParaRPr lang="en-US" sz="1000"/>
+                    </a:p>
+                  </a:txBody>
+                  <a:tcPr>
+                    <a:lnL w="12700" cap="flat" cmpd="sng" algn="ctr">
+                      <a:solidFill>
+                        <a:schemeClr val="tx1"/>
+                      </a:solidFill>
+                      <a:prstDash val="solid"/>
+                      <a:round/>
+                      <a:headEnd type="none" w="med" len="med"/>
+                      <a:tailEnd type="none" w="med" len="med"/>
+                    </a:lnL>
+                    <a:lnR w="12700" cap="flat" cmpd="sng" algn="ctr">
+                      <a:solidFill>
+                        <a:schemeClr val="tx1"/>
+                      </a:solidFill>
+                      <a:prstDash val="solid"/>
+                      <a:round/>
+                      <a:headEnd type="none" w="med" len="med"/>
+                      <a:tailEnd type="none" w="med" len="med"/>
+                    </a:lnR>
+                    <a:lnT w="12700" cap="flat" cmpd="sng" algn="ctr">
+                      <a:solidFill>
+                        <a:schemeClr val="tx1"/>
+                      </a:solidFill>
+                      <a:prstDash val="solid"/>
+                      <a:round/>
+                      <a:headEnd type="none" w="med" len="med"/>
+                      <a:tailEnd type="none" w="med" len="med"/>
+                    </a:lnT>
+                    <a:lnB w="12700" cap="flat" cmpd="sng" algn="ctr">
+                      <a:solidFill>
+                        <a:schemeClr val="tx1"/>
+                      </a:solidFill>
+                      <a:prstDash val="solid"/>
+                      <a:round/>
+                      <a:headEnd type="none" w="med" len="med"/>
+                      <a:tailEnd type="none" w="med" len="med"/>
+                    </a:lnB>
+                  </a:tcPr>
+                </a:tc>
+                <a:tc>
+                  <a:txBody>
+                    <a:bodyPr/>
+                    <a:lstStyle/>
+                    <a:p>
+                      <a:pPr algn="ctr"/>
+                      <a:endParaRPr lang="en-US" sz="1000"/>
+                    </a:p>
+                  </a:txBody>
+                  <a:tcPr>
+                    <a:lnL w="12700" cap="flat" cmpd="sng" algn="ctr">
+                      <a:solidFill>
+                        <a:schemeClr val="tx1"/>
+                      </a:solidFill>
+                      <a:prstDash val="solid"/>
+                      <a:round/>
+                      <a:headEnd type="none" w="med" len="med"/>
+                      <a:tailEnd type="none" w="med" len="med"/>
+                    </a:lnL>
+                    <a:lnR w="12700" cap="flat" cmpd="sng" algn="ctr">
+                      <a:solidFill>
+                        <a:schemeClr val="tx1"/>
+                      </a:solidFill>
+                      <a:prstDash val="solid"/>
+                      <a:round/>
+                      <a:headEnd type="none" w="med" len="med"/>
+                      <a:tailEnd type="none" w="med" len="med"/>
+                    </a:lnR>
+                    <a:lnT w="12700" cap="flat" cmpd="sng" algn="ctr">
+                      <a:solidFill>
+                        <a:schemeClr val="tx1"/>
+                      </a:solidFill>
+                      <a:prstDash val="solid"/>
+                      <a:round/>
+                      <a:headEnd type="none" w="med" len="med"/>
+                      <a:tailEnd type="none" w="med" len="med"/>
+                    </a:lnT>
+                    <a:lnB w="12700" cap="flat" cmpd="sng" algn="ctr">
+                      <a:solidFill>
+                        <a:schemeClr val="tx1"/>
+                      </a:solidFill>
+                      <a:prstDash val="solid"/>
+                      <a:round/>
+                      <a:headEnd type="none" w="med" len="med"/>
+                      <a:tailEnd type="none" w="med" len="med"/>
+                    </a:lnB>
+                  </a:tcPr>
+                </a:tc>
+                <a:tc>
+                  <a:txBody>
+                    <a:bodyPr/>
+                    <a:lstStyle/>
+                    <a:p>
+                      <a:pPr algn="ctr"/>
+                      <a:endParaRPr lang="en-US" sz="1000"/>
+                    </a:p>
+                  </a:txBody>
+                  <a:tcPr>
+                    <a:lnL w="12700" cap="flat" cmpd="sng" algn="ctr">
+                      <a:solidFill>
+                        <a:schemeClr val="tx1"/>
+                      </a:solidFill>
+                      <a:prstDash val="solid"/>
+                      <a:round/>
+                      <a:headEnd type="none" w="med" len="med"/>
+                      <a:tailEnd type="none" w="med" len="med"/>
+                    </a:lnL>
+                    <a:lnR w="12700" cap="flat" cmpd="sng" algn="ctr">
+                      <a:solidFill>
+                        <a:schemeClr val="tx1"/>
+                      </a:solidFill>
+                      <a:prstDash val="solid"/>
+                      <a:round/>
+                      <a:headEnd type="none" w="med" len="med"/>
+                      <a:tailEnd type="none" w="med" len="med"/>
+                    </a:lnR>
+                    <a:lnT w="12700" cap="flat" cmpd="sng" algn="ctr">
+                      <a:solidFill>
+                        <a:schemeClr val="tx1"/>
+                      </a:solidFill>
+                      <a:prstDash val="solid"/>
+                      <a:round/>
+                      <a:headEnd type="none" w="med" len="med"/>
+                      <a:tailEnd type="none" w="med" len="med"/>
+                    </a:lnT>
+                    <a:lnB w="12700" cap="flat" cmpd="sng" algn="ctr">
+                      <a:solidFill>
+                        <a:schemeClr val="tx1"/>
+                      </a:solidFill>
+                      <a:prstDash val="solid"/>
+                      <a:round/>
+                      <a:headEnd type="none" w="med" len="med"/>
+                      <a:tailEnd type="none" w="med" len="med"/>
+                    </a:lnB>
+                  </a:tcPr>
+                </a:tc>
+                <a:tc>
+                  <a:txBody>
+                    <a:bodyPr/>
+                    <a:lstStyle/>
+                    <a:p>
+                      <a:pPr algn="ctr"/>
+                      <a:endParaRPr lang="en-US" sz="1000"/>
+                    </a:p>
+                  </a:txBody>
+                  <a:tcPr>
+                    <a:lnL w="12700" cap="flat" cmpd="sng" algn="ctr">
+                      <a:solidFill>
+                        <a:schemeClr val="tx1"/>
+                      </a:solidFill>
+                      <a:prstDash val="solid"/>
+                      <a:round/>
+                      <a:headEnd type="none" w="med" len="med"/>
+                      <a:tailEnd type="none" w="med" len="med"/>
+                    </a:lnL>
+                    <a:lnR w="12700" cap="flat" cmpd="sng" algn="ctr">
+                      <a:solidFill>
+                        <a:schemeClr val="tx1"/>
+                      </a:solidFill>
+                      <a:prstDash val="solid"/>
+                      <a:round/>
+                      <a:headEnd type="none" w="med" len="med"/>
+                      <a:tailEnd type="none" w="med" len="med"/>
+                    </a:lnR>
+                    <a:lnT w="12700" cap="flat" cmpd="sng" algn="ctr">
+                      <a:solidFill>
+                        <a:schemeClr val="tx1"/>
+                      </a:solidFill>
+                      <a:prstDash val="solid"/>
+                      <a:round/>
+                      <a:headEnd type="none" w="med" len="med"/>
+                      <a:tailEnd type="none" w="med" len="med"/>
+                    </a:lnT>
+                    <a:lnB w="12700" cap="flat" cmpd="sng" algn="ctr">
+                      <a:solidFill>
+                        <a:schemeClr val="tx1"/>
+                      </a:solidFill>
+                      <a:prstDash val="solid"/>
+                      <a:round/>
+                      <a:headEnd type="none" w="med" len="med"/>
+                      <a:tailEnd type="none" w="med" len="med"/>
+                    </a:lnB>
+                  </a:tcPr>
+                </a:tc>
+                <a:extLst>
+                  <a:ext uri="{0D108BD9-81ED-4DB2-BD59-A6C34878D82A}">
+                    <a16:rowId xmlns:a16="http://schemas.microsoft.com/office/drawing/2014/main" val="263137639"/>
+                  </a:ext>
+                </a:extLst>
+              </a:tr>
+              <a:tr h="345294">
+                <a:tc>
+                  <a:txBody>
+                    <a:bodyPr/>
+                    <a:lstStyle/>
+                    <a:p>
+                      <a:pPr algn="ctr"/>
+                      <a:endParaRPr lang="en-US" sz="1000"/>
+                    </a:p>
+                  </a:txBody>
+                  <a:tcPr>
+                    <a:lnL w="12700" cap="flat" cmpd="sng" algn="ctr">
+                      <a:solidFill>
+                        <a:schemeClr val="tx1"/>
+                      </a:solidFill>
+                      <a:prstDash val="solid"/>
+                      <a:round/>
+                      <a:headEnd type="none" w="med" len="med"/>
+                      <a:tailEnd type="none" w="med" len="med"/>
+                    </a:lnL>
+                    <a:lnR w="12700" cap="flat" cmpd="sng" algn="ctr">
+                      <a:solidFill>
+                        <a:schemeClr val="tx1"/>
+                      </a:solidFill>
+                      <a:prstDash val="solid"/>
+                      <a:round/>
+                      <a:headEnd type="none" w="med" len="med"/>
+                      <a:tailEnd type="none" w="med" len="med"/>
+                    </a:lnR>
+                    <a:lnT w="12700" cap="flat" cmpd="sng" algn="ctr">
+                      <a:solidFill>
+                        <a:schemeClr val="tx1"/>
+                      </a:solidFill>
+                      <a:prstDash val="solid"/>
+                      <a:round/>
+                      <a:headEnd type="none" w="med" len="med"/>
+                      <a:tailEnd type="none" w="med" len="med"/>
+                    </a:lnT>
+                    <a:lnB w="12700" cap="flat" cmpd="sng" algn="ctr">
+                      <a:solidFill>
+                        <a:schemeClr val="tx1"/>
+                      </a:solidFill>
+                      <a:prstDash val="solid"/>
+                      <a:round/>
+                      <a:headEnd type="none" w="med" len="med"/>
+                      <a:tailEnd type="none" w="med" len="med"/>
+                    </a:lnB>
+                  </a:tcPr>
+                </a:tc>
+                <a:tc>
+                  <a:txBody>
+                    <a:bodyPr/>
+                    <a:lstStyle/>
+                    <a:p>
+                      <a:pPr algn="ctr"/>
+                      <a:endParaRPr lang="en-US" sz="1000"/>
+                    </a:p>
+                  </a:txBody>
+                  <a:tcPr>
+                    <a:lnL w="12700" cap="flat" cmpd="sng" algn="ctr">
+                      <a:solidFill>
+                        <a:schemeClr val="tx1"/>
+                      </a:solidFill>
+                      <a:prstDash val="solid"/>
+                      <a:round/>
+                      <a:headEnd type="none" w="med" len="med"/>
+                      <a:tailEnd type="none" w="med" len="med"/>
+                    </a:lnL>
+                    <a:lnR w="12700" cap="flat" cmpd="sng" algn="ctr">
+                      <a:solidFill>
+                        <a:schemeClr val="tx1"/>
+                      </a:solidFill>
+                      <a:prstDash val="solid"/>
+                      <a:round/>
+                      <a:headEnd type="none" w="med" len="med"/>
+                      <a:tailEnd type="none" w="med" len="med"/>
+                    </a:lnR>
+                    <a:lnT w="12700" cap="flat" cmpd="sng" algn="ctr">
+                      <a:solidFill>
+                        <a:schemeClr val="tx1"/>
+                      </a:solidFill>
+                      <a:prstDash val="solid"/>
+                      <a:round/>
+                      <a:headEnd type="none" w="med" len="med"/>
+                      <a:tailEnd type="none" w="med" len="med"/>
+                    </a:lnT>
+                    <a:lnB w="12700" cap="flat" cmpd="sng" algn="ctr">
+                      <a:solidFill>
+                        <a:schemeClr val="tx1"/>
+                      </a:solidFill>
+                      <a:prstDash val="solid"/>
+                      <a:round/>
+                      <a:headEnd type="none" w="med" len="med"/>
+                      <a:tailEnd type="none" w="med" len="med"/>
+                    </a:lnB>
+                  </a:tcPr>
+                </a:tc>
+                <a:tc>
+                  <a:txBody>
+                    <a:bodyPr/>
+                    <a:lstStyle/>
+                    <a:p>
+                      <a:pPr algn="ctr"/>
+                      <a:endParaRPr lang="en-US" sz="1000"/>
+                    </a:p>
+                  </a:txBody>
+                  <a:tcPr>
+                    <a:lnL w="12700" cap="flat" cmpd="sng" algn="ctr">
+                      <a:solidFill>
+                        <a:schemeClr val="tx1"/>
+                      </a:solidFill>
+                      <a:prstDash val="solid"/>
+                      <a:round/>
+                      <a:headEnd type="none" w="med" len="med"/>
+                      <a:tailEnd type="none" w="med" len="med"/>
+                    </a:lnL>
+                    <a:lnR w="12700" cap="flat" cmpd="sng" algn="ctr">
+                      <a:solidFill>
+                        <a:schemeClr val="tx1"/>
+                      </a:solidFill>
+                      <a:prstDash val="solid"/>
+                      <a:round/>
+                      <a:headEnd type="none" w="med" len="med"/>
+                      <a:tailEnd type="none" w="med" len="med"/>
+                    </a:lnR>
+                    <a:lnT w="12700" cap="flat" cmpd="sng" algn="ctr">
+                      <a:solidFill>
+                        <a:schemeClr val="tx1"/>
+                      </a:solidFill>
+                      <a:prstDash val="solid"/>
+                      <a:round/>
+                      <a:headEnd type="none" w="med" len="med"/>
+                      <a:tailEnd type="none" w="med" len="med"/>
+                    </a:lnT>
+                    <a:lnB w="12700" cap="flat" cmpd="sng" algn="ctr">
+                      <a:solidFill>
+                        <a:schemeClr val="tx1"/>
+                      </a:solidFill>
+                      <a:prstDash val="solid"/>
+                      <a:round/>
+                      <a:headEnd type="none" w="med" len="med"/>
+                      <a:tailEnd type="none" w="med" len="med"/>
+                    </a:lnB>
+                  </a:tcPr>
+                </a:tc>
+                <a:tc>
+                  <a:txBody>
+                    <a:bodyPr/>
+                    <a:lstStyle/>
+                    <a:p>
+                      <a:pPr algn="ctr"/>
+                      <a:endParaRPr lang="en-US" sz="1000"/>
+                    </a:p>
+                  </a:txBody>
+                  <a:tcPr>
+                    <a:lnL w="12700" cap="flat" cmpd="sng" algn="ctr">
+                      <a:solidFill>
+                        <a:schemeClr val="tx1"/>
+                      </a:solidFill>
+                      <a:prstDash val="solid"/>
+                      <a:round/>
+                      <a:headEnd type="none" w="med" len="med"/>
+                      <a:tailEnd type="none" w="med" len="med"/>
+                    </a:lnL>
+                    <a:lnR w="12700" cap="flat" cmpd="sng" algn="ctr">
+                      <a:solidFill>
+                        <a:schemeClr val="tx1"/>
+                      </a:solidFill>
+                      <a:prstDash val="solid"/>
+                      <a:round/>
+                      <a:headEnd type="none" w="med" len="med"/>
+                      <a:tailEnd type="none" w="med" len="med"/>
+                    </a:lnR>
+                    <a:lnT w="12700" cap="flat" cmpd="sng" algn="ctr">
+                      <a:solidFill>
+                        <a:schemeClr val="tx1"/>
+                      </a:solidFill>
+                      <a:prstDash val="solid"/>
+                      <a:round/>
+                      <a:headEnd type="none" w="med" len="med"/>
+                      <a:tailEnd type="none" w="med" len="med"/>
+                    </a:lnT>
+                    <a:lnB w="12700" cap="flat" cmpd="sng" algn="ctr">
+                      <a:solidFill>
+                        <a:schemeClr val="tx1"/>
+                      </a:solidFill>
+                      <a:prstDash val="solid"/>
+                      <a:round/>
+                      <a:headEnd type="none" w="med" len="med"/>
+                      <a:tailEnd type="none" w="med" len="med"/>
+                    </a:lnB>
+                  </a:tcPr>
+                </a:tc>
+                <a:tc>
+                  <a:txBody>
+                    <a:bodyPr/>
+                    <a:lstStyle/>
+                    <a:p>
+                      <a:pPr algn="ctr"/>
+                      <a:endParaRPr lang="en-US" sz="1000"/>
+                    </a:p>
+                  </a:txBody>
+                  <a:tcPr>
+                    <a:lnL w="12700" cap="flat" cmpd="sng" algn="ctr">
+                      <a:solidFill>
+                        <a:schemeClr val="tx1"/>
+                      </a:solidFill>
+                      <a:prstDash val="solid"/>
+                      <a:round/>
+                      <a:headEnd type="none" w="med" len="med"/>
+                      <a:tailEnd type="none" w="med" len="med"/>
+                    </a:lnL>
+                    <a:lnR w="12700" cap="flat" cmpd="sng" algn="ctr">
+                      <a:solidFill>
+                        <a:schemeClr val="tx1"/>
+                      </a:solidFill>
+                      <a:prstDash val="solid"/>
+                      <a:round/>
+                      <a:headEnd type="none" w="med" len="med"/>
+                      <a:tailEnd type="none" w="med" len="med"/>
+                    </a:lnR>
+                    <a:lnT w="12700" cap="flat" cmpd="sng" algn="ctr">
+                      <a:solidFill>
+                        <a:schemeClr val="tx1"/>
+                      </a:solidFill>
+                      <a:prstDash val="solid"/>
+                      <a:round/>
+                      <a:headEnd type="none" w="med" len="med"/>
+                      <a:tailEnd type="none" w="med" len="med"/>
+                    </a:lnT>
+                    <a:lnB w="12700" cap="flat" cmpd="sng" algn="ctr">
+                      <a:solidFill>
+                        <a:schemeClr val="tx1"/>
+                      </a:solidFill>
+                      <a:prstDash val="solid"/>
+                      <a:round/>
+                      <a:headEnd type="none" w="med" len="med"/>
+                      <a:tailEnd type="none" w="med" len="med"/>
+                    </a:lnB>
+                  </a:tcPr>
+                </a:tc>
+                <a:tc>
+                  <a:txBody>
+                    <a:bodyPr/>
+                    <a:lstStyle/>
+                    <a:p>
+                      <a:pPr algn="ctr"/>
+                      <a:endParaRPr lang="en-US" sz="1000"/>
+                    </a:p>
+                  </a:txBody>
+                  <a:tcPr>
+                    <a:lnL w="12700" cap="flat" cmpd="sng" algn="ctr">
+                      <a:solidFill>
+                        <a:schemeClr val="tx1"/>
+                      </a:solidFill>
+                      <a:prstDash val="solid"/>
+                      <a:round/>
+                      <a:headEnd type="none" w="med" len="med"/>
+                      <a:tailEnd type="none" w="med" len="med"/>
+                    </a:lnL>
+                    <a:lnR w="12700" cap="flat" cmpd="sng" algn="ctr">
+                      <a:solidFill>
+                        <a:schemeClr val="tx1"/>
+                      </a:solidFill>
+                      <a:prstDash val="solid"/>
+                      <a:round/>
+                      <a:headEnd type="none" w="med" len="med"/>
+                      <a:tailEnd type="none" w="med" len="med"/>
+                    </a:lnR>
+                    <a:lnT w="12700" cap="flat" cmpd="sng" algn="ctr">
+                      <a:solidFill>
+                        <a:schemeClr val="tx1"/>
+                      </a:solidFill>
+                      <a:prstDash val="solid"/>
+                      <a:round/>
+                      <a:headEnd type="none" w="med" len="med"/>
+                      <a:tailEnd type="none" w="med" len="med"/>
+                    </a:lnT>
+                    <a:lnB w="12700" cap="flat" cmpd="sng" algn="ctr">
+                      <a:solidFill>
+                        <a:schemeClr val="tx1"/>
+                      </a:solidFill>
+                      <a:prstDash val="solid"/>
+                      <a:round/>
+                      <a:headEnd type="none" w="med" len="med"/>
+                      <a:tailEnd type="none" w="med" len="med"/>
+                    </a:lnB>
+                  </a:tcPr>
+                </a:tc>
+                <a:extLst>
+                  <a:ext uri="{0D108BD9-81ED-4DB2-BD59-A6C34878D82A}">
+                    <a16:rowId xmlns:a16="http://schemas.microsoft.com/office/drawing/2014/main" val="1179810538"/>
+                  </a:ext>
+                </a:extLst>
+              </a:tr>
+              <a:tr h="345294">
+                <a:tc>
+                  <a:txBody>
+                    <a:bodyPr/>
+                    <a:lstStyle/>
+                    <a:p>
+                      <a:pPr algn="ctr"/>
+                      <a:endParaRPr lang="en-US" sz="1000"/>
+                    </a:p>
+                  </a:txBody>
+                  <a:tcPr>
+                    <a:lnL w="12700" cap="flat" cmpd="sng" algn="ctr">
+                      <a:solidFill>
+                        <a:schemeClr val="tx1"/>
+                      </a:solidFill>
+                      <a:prstDash val="solid"/>
+                      <a:round/>
+                      <a:headEnd type="none" w="med" len="med"/>
+                      <a:tailEnd type="none" w="med" len="med"/>
+                    </a:lnL>
+                    <a:lnR w="12700" cap="flat" cmpd="sng" algn="ctr">
+                      <a:solidFill>
+                        <a:schemeClr val="tx1"/>
+                      </a:solidFill>
+                      <a:prstDash val="solid"/>
+                      <a:round/>
+                      <a:headEnd type="none" w="med" len="med"/>
+                      <a:tailEnd type="none" w="med" len="med"/>
+                    </a:lnR>
+                    <a:lnT w="12700" cap="flat" cmpd="sng" algn="ctr">
+                      <a:solidFill>
+                        <a:schemeClr val="tx1"/>
+                      </a:solidFill>
+                      <a:prstDash val="solid"/>
+                      <a:round/>
+                      <a:headEnd type="none" w="med" len="med"/>
+                      <a:tailEnd type="none" w="med" len="med"/>
+                    </a:lnT>
+                    <a:lnB w="12700" cap="flat" cmpd="sng" algn="ctr">
+                      <a:solidFill>
+                        <a:schemeClr val="tx1"/>
+                      </a:solidFill>
+                      <a:prstDash val="solid"/>
+                      <a:round/>
+                      <a:headEnd type="none" w="med" len="med"/>
+                      <a:tailEnd type="none" w="med" len="med"/>
+                    </a:lnB>
+                  </a:tcPr>
+                </a:tc>
+                <a:tc>
+                  <a:txBody>
+                    <a:bodyPr/>
+                    <a:lstStyle/>
+                    <a:p>
+                      <a:pPr algn="ctr"/>
+                      <a:endParaRPr lang="en-US" sz="1000"/>
+                    </a:p>
+                  </a:txBody>
+                  <a:tcPr>
+                    <a:lnL w="12700" cap="flat" cmpd="sng" algn="ctr">
+                      <a:solidFill>
+                        <a:schemeClr val="tx1"/>
+                      </a:solidFill>
+                      <a:prstDash val="solid"/>
+                      <a:round/>
+                      <a:headEnd type="none" w="med" len="med"/>
+                      <a:tailEnd type="none" w="med" len="med"/>
+                    </a:lnL>
+                    <a:lnR w="12700" cap="flat" cmpd="sng" algn="ctr">
+                      <a:solidFill>
+                        <a:schemeClr val="tx1"/>
+                      </a:solidFill>
+                      <a:prstDash val="solid"/>
+                      <a:round/>
+                      <a:headEnd type="none" w="med" len="med"/>
+                      <a:tailEnd type="none" w="med" len="med"/>
+                    </a:lnR>
+                    <a:lnT w="12700" cap="flat" cmpd="sng" algn="ctr">
+                      <a:solidFill>
+                        <a:schemeClr val="tx1"/>
+                      </a:solidFill>
+                      <a:prstDash val="solid"/>
+                      <a:round/>
+                      <a:headEnd type="none" w="med" len="med"/>
+                      <a:tailEnd type="none" w="med" len="med"/>
+                    </a:lnT>
+                    <a:lnB w="12700" cap="flat" cmpd="sng" algn="ctr">
+                      <a:solidFill>
+                        <a:schemeClr val="tx1"/>
+                      </a:solidFill>
+                      <a:prstDash val="solid"/>
+                      <a:round/>
+                      <a:headEnd type="none" w="med" len="med"/>
+                      <a:tailEnd type="none" w="med" len="med"/>
+                    </a:lnB>
+                  </a:tcPr>
+                </a:tc>
+                <a:tc>
+                  <a:txBody>
+                    <a:bodyPr/>
+                    <a:lstStyle/>
+                    <a:p>
+                      <a:pPr algn="ctr"/>
+                      <a:r>
+                        <a:rPr lang="en-US" sz="1000"/>
+                        <a:t>B-&gt;A</a:t>
+                      </a:r>
+                    </a:p>
+                  </a:txBody>
+                  <a:tcPr>
+                    <a:lnL w="12700" cap="flat" cmpd="sng" algn="ctr">
+                      <a:solidFill>
+                        <a:schemeClr val="tx1"/>
+                      </a:solidFill>
+                      <a:prstDash val="solid"/>
+                      <a:round/>
+                      <a:headEnd type="none" w="med" len="med"/>
+                      <a:tailEnd type="none" w="med" len="med"/>
+                    </a:lnL>
+                    <a:lnR w="12700" cap="flat" cmpd="sng" algn="ctr">
+                      <a:solidFill>
+                        <a:schemeClr val="tx1"/>
+                      </a:solidFill>
+                      <a:prstDash val="solid"/>
+                      <a:round/>
+                      <a:headEnd type="none" w="med" len="med"/>
+                      <a:tailEnd type="none" w="med" len="med"/>
+                    </a:lnR>
+                    <a:lnT w="12700" cap="flat" cmpd="sng" algn="ctr">
+                      <a:solidFill>
+                        <a:schemeClr val="tx1"/>
+                      </a:solidFill>
+                      <a:prstDash val="solid"/>
+                      <a:round/>
+                      <a:headEnd type="none" w="med" len="med"/>
+                      <a:tailEnd type="none" w="med" len="med"/>
+                    </a:lnT>
+                    <a:lnB w="12700" cap="flat" cmpd="sng" algn="ctr">
+                      <a:solidFill>
+                        <a:schemeClr val="tx1"/>
+                      </a:solidFill>
+                      <a:prstDash val="solid"/>
+                      <a:round/>
+                      <a:headEnd type="none" w="med" len="med"/>
+                      <a:tailEnd type="none" w="med" len="med"/>
+                    </a:lnB>
+                  </a:tcPr>
+                </a:tc>
+                <a:tc>
+                  <a:txBody>
+                    <a:bodyPr/>
+                    <a:lstStyle/>
+                    <a:p>
+                      <a:pPr algn="ctr"/>
+                      <a:endParaRPr lang="en-US" sz="1000"/>
+                    </a:p>
+                  </a:txBody>
+                  <a:tcPr>
+                    <a:lnL w="12700" cap="flat" cmpd="sng" algn="ctr">
+                      <a:solidFill>
+                        <a:schemeClr val="tx1"/>
+                      </a:solidFill>
+                      <a:prstDash val="solid"/>
+                      <a:round/>
+                      <a:headEnd type="none" w="med" len="med"/>
+                      <a:tailEnd type="none" w="med" len="med"/>
+                    </a:lnL>
+                    <a:lnR w="12700" cap="flat" cmpd="sng" algn="ctr">
+                      <a:solidFill>
+                        <a:schemeClr val="tx1"/>
+                      </a:solidFill>
+                      <a:prstDash val="solid"/>
+                      <a:round/>
+                      <a:headEnd type="none" w="med" len="med"/>
+                      <a:tailEnd type="none" w="med" len="med"/>
+                    </a:lnR>
+                    <a:lnT w="12700" cap="flat" cmpd="sng" algn="ctr">
+                      <a:solidFill>
+                        <a:schemeClr val="tx1"/>
+                      </a:solidFill>
+                      <a:prstDash val="solid"/>
+                      <a:round/>
+                      <a:headEnd type="none" w="med" len="med"/>
+                      <a:tailEnd type="none" w="med" len="med"/>
+                    </a:lnT>
+                    <a:lnB w="12700" cap="flat" cmpd="sng" algn="ctr">
+                      <a:solidFill>
+                        <a:schemeClr val="tx1"/>
+                      </a:solidFill>
+                      <a:prstDash val="solid"/>
+                      <a:round/>
+                      <a:headEnd type="none" w="med" len="med"/>
+                      <a:tailEnd type="none" w="med" len="med"/>
+                    </a:lnB>
+                  </a:tcPr>
+                </a:tc>
+                <a:tc>
+                  <a:txBody>
+                    <a:bodyPr/>
+                    <a:lstStyle/>
+                    <a:p>
+                      <a:pPr algn="ctr"/>
+                      <a:endParaRPr lang="en-US" sz="1000"/>
+                    </a:p>
+                  </a:txBody>
+                  <a:tcPr>
+                    <a:lnL w="12700" cap="flat" cmpd="sng" algn="ctr">
+                      <a:solidFill>
+                        <a:schemeClr val="tx1"/>
+                      </a:solidFill>
+                      <a:prstDash val="solid"/>
+                      <a:round/>
+                      <a:headEnd type="none" w="med" len="med"/>
+                      <a:tailEnd type="none" w="med" len="med"/>
+                    </a:lnL>
+                    <a:lnR w="12700" cap="flat" cmpd="sng" algn="ctr">
+                      <a:solidFill>
+                        <a:schemeClr val="tx1"/>
+                      </a:solidFill>
+                      <a:prstDash val="solid"/>
+                      <a:round/>
+                      <a:headEnd type="none" w="med" len="med"/>
+                      <a:tailEnd type="none" w="med" len="med"/>
+                    </a:lnR>
+                    <a:lnT w="12700" cap="flat" cmpd="sng" algn="ctr">
+                      <a:solidFill>
+                        <a:schemeClr val="tx1"/>
+                      </a:solidFill>
+                      <a:prstDash val="solid"/>
+                      <a:round/>
+                      <a:headEnd type="none" w="med" len="med"/>
+                      <a:tailEnd type="none" w="med" len="med"/>
+                    </a:lnT>
+                    <a:lnB w="12700" cap="flat" cmpd="sng" algn="ctr">
+                      <a:solidFill>
+                        <a:schemeClr val="tx1"/>
+                      </a:solidFill>
+                      <a:prstDash val="solid"/>
+                      <a:round/>
+                      <a:headEnd type="none" w="med" len="med"/>
+                      <a:tailEnd type="none" w="med" len="med"/>
+                    </a:lnB>
+                  </a:tcPr>
+                </a:tc>
+                <a:tc>
+                  <a:txBody>
+                    <a:bodyPr/>
+                    <a:lstStyle/>
+                    <a:p>
+                      <a:pPr algn="ctr"/>
+                      <a:endParaRPr lang="en-US" sz="1000"/>
+                    </a:p>
+                  </a:txBody>
+                  <a:tcPr>
+                    <a:lnL w="12700" cap="flat" cmpd="sng" algn="ctr">
+                      <a:solidFill>
+                        <a:schemeClr val="tx1"/>
+                      </a:solidFill>
+                      <a:prstDash val="solid"/>
+                      <a:round/>
+                      <a:headEnd type="none" w="med" len="med"/>
+                      <a:tailEnd type="none" w="med" len="med"/>
+                    </a:lnL>
+                    <a:lnR w="12700" cap="flat" cmpd="sng" algn="ctr">
+                      <a:solidFill>
+                        <a:schemeClr val="tx1"/>
+                      </a:solidFill>
+                      <a:prstDash val="solid"/>
+                      <a:round/>
+                      <a:headEnd type="none" w="med" len="med"/>
+                      <a:tailEnd type="none" w="med" len="med"/>
+                    </a:lnR>
+                    <a:lnT w="12700" cap="flat" cmpd="sng" algn="ctr">
+                      <a:solidFill>
+                        <a:schemeClr val="tx1"/>
+                      </a:solidFill>
+                      <a:prstDash val="solid"/>
+                      <a:round/>
+                      <a:headEnd type="none" w="med" len="med"/>
+                      <a:tailEnd type="none" w="med" len="med"/>
+                    </a:lnT>
+                    <a:lnB w="12700" cap="flat" cmpd="sng" algn="ctr">
+                      <a:solidFill>
+                        <a:schemeClr val="tx1"/>
+                      </a:solidFill>
+                      <a:prstDash val="solid"/>
+                      <a:round/>
+                      <a:headEnd type="none" w="med" len="med"/>
+                      <a:tailEnd type="none" w="med" len="med"/>
+                    </a:lnB>
+                  </a:tcPr>
+                </a:tc>
+                <a:extLst>
+                  <a:ext uri="{0D108BD9-81ED-4DB2-BD59-A6C34878D82A}">
+                    <a16:rowId xmlns:a16="http://schemas.microsoft.com/office/drawing/2014/main" val="3723934831"/>
+                  </a:ext>
+                </a:extLst>
+              </a:tr>
+              <a:tr h="345294">
+                <a:tc>
+                  <a:txBody>
+                    <a:bodyPr/>
+                    <a:lstStyle/>
+                    <a:p>
+                      <a:pPr algn="ctr"/>
+                      <a:r>
+                        <a:rPr lang="en-US" sz="1000"/>
+                        <a:t>C-&gt;A</a:t>
+                      </a:r>
+                    </a:p>
+                  </a:txBody>
+                  <a:tcPr>
+                    <a:lnL w="12700" cap="flat" cmpd="sng" algn="ctr">
+                      <a:solidFill>
+                        <a:schemeClr val="tx1"/>
+                      </a:solidFill>
+                      <a:prstDash val="solid"/>
+                      <a:round/>
+                      <a:headEnd type="none" w="med" len="med"/>
+                      <a:tailEnd type="none" w="med" len="med"/>
+                    </a:lnL>
+                    <a:lnR w="12700" cap="flat" cmpd="sng" algn="ctr">
+                      <a:solidFill>
+                        <a:schemeClr val="tx1"/>
+                      </a:solidFill>
+                      <a:prstDash val="solid"/>
+                      <a:round/>
+                      <a:headEnd type="none" w="med" len="med"/>
+                      <a:tailEnd type="none" w="med" len="med"/>
+                    </a:lnR>
+                    <a:lnT w="12700" cap="flat" cmpd="sng" algn="ctr">
+                      <a:solidFill>
+                        <a:schemeClr val="tx1"/>
+                      </a:solidFill>
+                      <a:prstDash val="solid"/>
+                      <a:round/>
+                      <a:headEnd type="none" w="med" len="med"/>
+                      <a:tailEnd type="none" w="med" len="med"/>
+                    </a:lnT>
+                    <a:lnB w="12700" cap="flat" cmpd="sng" algn="ctr">
+                      <a:solidFill>
+                        <a:schemeClr val="tx1"/>
+                      </a:solidFill>
+                      <a:prstDash val="solid"/>
+                      <a:round/>
+                      <a:headEnd type="none" w="med" len="med"/>
+                      <a:tailEnd type="none" w="med" len="med"/>
+                    </a:lnB>
+                  </a:tcPr>
+                </a:tc>
+                <a:tc>
+                  <a:txBody>
+                    <a:bodyPr/>
+                    <a:lstStyle/>
+                    <a:p>
+                      <a:pPr algn="ctr"/>
+                      <a:endParaRPr lang="en-US" sz="1000"/>
+                    </a:p>
+                  </a:txBody>
+                  <a:tcPr>
+                    <a:lnL w="12700" cap="flat" cmpd="sng" algn="ctr">
+                      <a:solidFill>
+                        <a:schemeClr val="tx1"/>
+                      </a:solidFill>
+                      <a:prstDash val="solid"/>
+                      <a:round/>
+                      <a:headEnd type="none" w="med" len="med"/>
+                      <a:tailEnd type="none" w="med" len="med"/>
+                    </a:lnL>
+                    <a:lnR w="12700" cap="flat" cmpd="sng" algn="ctr">
+                      <a:solidFill>
+                        <a:schemeClr val="tx1"/>
+                      </a:solidFill>
+                      <a:prstDash val="solid"/>
+                      <a:round/>
+                      <a:headEnd type="none" w="med" len="med"/>
+                      <a:tailEnd type="none" w="med" len="med"/>
+                    </a:lnR>
+                    <a:lnT w="12700" cap="flat" cmpd="sng" algn="ctr">
+                      <a:solidFill>
+                        <a:schemeClr val="tx1"/>
+                      </a:solidFill>
+                      <a:prstDash val="solid"/>
+                      <a:round/>
+                      <a:headEnd type="none" w="med" len="med"/>
+                      <a:tailEnd type="none" w="med" len="med"/>
+                    </a:lnT>
+                    <a:lnB w="12700" cap="flat" cmpd="sng" algn="ctr">
+                      <a:solidFill>
+                        <a:schemeClr val="tx1"/>
+                      </a:solidFill>
+                      <a:prstDash val="solid"/>
+                      <a:round/>
+                      <a:headEnd type="none" w="med" len="med"/>
+                      <a:tailEnd type="none" w="med" len="med"/>
+                    </a:lnB>
+                  </a:tcPr>
+                </a:tc>
+                <a:tc>
+                  <a:txBody>
+                    <a:bodyPr/>
+                    <a:lstStyle/>
+                    <a:p>
+                      <a:pPr algn="ctr"/>
+                      <a:endParaRPr lang="en-US" sz="1000"/>
+                    </a:p>
+                  </a:txBody>
+                  <a:tcPr>
+                    <a:lnL w="12700" cap="flat" cmpd="sng" algn="ctr">
+                      <a:solidFill>
+                        <a:schemeClr val="tx1"/>
+                      </a:solidFill>
+                      <a:prstDash val="solid"/>
+                      <a:round/>
+                      <a:headEnd type="none" w="med" len="med"/>
+                      <a:tailEnd type="none" w="med" len="med"/>
+                    </a:lnL>
+                    <a:lnR w="12700" cap="flat" cmpd="sng" algn="ctr">
+                      <a:solidFill>
+                        <a:schemeClr val="tx1"/>
+                      </a:solidFill>
+                      <a:prstDash val="solid"/>
+                      <a:round/>
+                      <a:headEnd type="none" w="med" len="med"/>
+                      <a:tailEnd type="none" w="med" len="med"/>
+                    </a:lnR>
+                    <a:lnT w="12700" cap="flat" cmpd="sng" algn="ctr">
+                      <a:solidFill>
+                        <a:schemeClr val="tx1"/>
+                      </a:solidFill>
+                      <a:prstDash val="solid"/>
+                      <a:round/>
+                      <a:headEnd type="none" w="med" len="med"/>
+                      <a:tailEnd type="none" w="med" len="med"/>
+                    </a:lnT>
+                    <a:lnB w="12700" cap="flat" cmpd="sng" algn="ctr">
+                      <a:solidFill>
+                        <a:schemeClr val="tx1"/>
+                      </a:solidFill>
+                      <a:prstDash val="solid"/>
+                      <a:round/>
+                      <a:headEnd type="none" w="med" len="med"/>
+                      <a:tailEnd type="none" w="med" len="med"/>
+                    </a:lnB>
+                  </a:tcPr>
+                </a:tc>
+                <a:tc>
+                  <a:txBody>
+                    <a:bodyPr/>
+                    <a:lstStyle/>
+                    <a:p>
+                      <a:pPr algn="ctr"/>
+                      <a:endParaRPr lang="en-US" sz="1000"/>
+                    </a:p>
+                  </a:txBody>
+                  <a:tcPr>
+                    <a:lnL w="12700" cap="flat" cmpd="sng" algn="ctr">
+                      <a:solidFill>
+                        <a:schemeClr val="tx1"/>
+                      </a:solidFill>
+                      <a:prstDash val="solid"/>
+                      <a:round/>
+                      <a:headEnd type="none" w="med" len="med"/>
+                      <a:tailEnd type="none" w="med" len="med"/>
+                    </a:lnL>
+                    <a:lnR w="12700" cap="flat" cmpd="sng" algn="ctr">
+                      <a:solidFill>
+                        <a:schemeClr val="tx1"/>
+                      </a:solidFill>
+                      <a:prstDash val="solid"/>
+                      <a:round/>
+                      <a:headEnd type="none" w="med" len="med"/>
+                      <a:tailEnd type="none" w="med" len="med"/>
+                    </a:lnR>
+                    <a:lnT w="12700" cap="flat" cmpd="sng" algn="ctr">
+                      <a:solidFill>
+                        <a:schemeClr val="tx1"/>
+                      </a:solidFill>
+                      <a:prstDash val="solid"/>
+                      <a:round/>
+                      <a:headEnd type="none" w="med" len="med"/>
+                      <a:tailEnd type="none" w="med" len="med"/>
+                    </a:lnT>
+                    <a:lnB w="12700" cap="flat" cmpd="sng" algn="ctr">
+                      <a:solidFill>
+                        <a:schemeClr val="tx1"/>
+                      </a:solidFill>
+                      <a:prstDash val="solid"/>
+                      <a:round/>
+                      <a:headEnd type="none" w="med" len="med"/>
+                      <a:tailEnd type="none" w="med" len="med"/>
+                    </a:lnB>
+                  </a:tcPr>
+                </a:tc>
+                <a:tc>
+                  <a:txBody>
+                    <a:bodyPr/>
+                    <a:lstStyle/>
+                    <a:p>
+                      <a:pPr algn="ctr"/>
+                      <a:r>
+                        <a:rPr lang="en-US" sz="1000"/>
+                        <a:t>C-&gt;A</a:t>
+                      </a:r>
+                    </a:p>
+                  </a:txBody>
+                  <a:tcPr>
+                    <a:lnL w="12700" cap="flat" cmpd="sng" algn="ctr">
+                      <a:solidFill>
+                        <a:schemeClr val="tx1"/>
+                      </a:solidFill>
+                      <a:prstDash val="solid"/>
+                      <a:round/>
+                      <a:headEnd type="none" w="med" len="med"/>
+                      <a:tailEnd type="none" w="med" len="med"/>
+                    </a:lnL>
+                    <a:lnR w="12700" cap="flat" cmpd="sng" algn="ctr">
+                      <a:solidFill>
+                        <a:schemeClr val="tx1"/>
+                      </a:solidFill>
+                      <a:prstDash val="solid"/>
+                      <a:round/>
+                      <a:headEnd type="none" w="med" len="med"/>
+                      <a:tailEnd type="none" w="med" len="med"/>
+                    </a:lnR>
+                    <a:lnT w="12700" cap="flat" cmpd="sng" algn="ctr">
+                      <a:solidFill>
+                        <a:schemeClr val="tx1"/>
+                      </a:solidFill>
+                      <a:prstDash val="solid"/>
+                      <a:round/>
+                      <a:headEnd type="none" w="med" len="med"/>
+                      <a:tailEnd type="none" w="med" len="med"/>
+                    </a:lnT>
+                    <a:lnB w="12700" cap="flat" cmpd="sng" algn="ctr">
+                      <a:solidFill>
+                        <a:schemeClr val="tx1"/>
+                      </a:solidFill>
+                      <a:prstDash val="solid"/>
+                      <a:round/>
+                      <a:headEnd type="none" w="med" len="med"/>
+                      <a:tailEnd type="none" w="med" len="med"/>
+                    </a:lnB>
+                  </a:tcPr>
+                </a:tc>
+                <a:tc>
+                  <a:txBody>
+                    <a:bodyPr/>
+                    <a:lstStyle/>
+                    <a:p>
+                      <a:pPr algn="ctr"/>
+                      <a:endParaRPr lang="en-US" sz="1000"/>
+                    </a:p>
+                  </a:txBody>
+                  <a:tcPr>
+                    <a:lnL w="12700" cap="flat" cmpd="sng" algn="ctr">
+                      <a:solidFill>
+                        <a:schemeClr val="tx1"/>
+                      </a:solidFill>
+                      <a:prstDash val="solid"/>
+                      <a:round/>
+                      <a:headEnd type="none" w="med" len="med"/>
+                      <a:tailEnd type="none" w="med" len="med"/>
+                    </a:lnL>
+                    <a:lnR w="12700" cap="flat" cmpd="sng" algn="ctr">
+                      <a:solidFill>
+                        <a:schemeClr val="tx1"/>
+                      </a:solidFill>
+                      <a:prstDash val="solid"/>
+                      <a:round/>
+                      <a:headEnd type="none" w="med" len="med"/>
+                      <a:tailEnd type="none" w="med" len="med"/>
+                    </a:lnR>
+                    <a:lnT w="12700" cap="flat" cmpd="sng" algn="ctr">
+                      <a:solidFill>
+                        <a:schemeClr val="tx1"/>
+                      </a:solidFill>
+                      <a:prstDash val="solid"/>
+                      <a:round/>
+                      <a:headEnd type="none" w="med" len="med"/>
+                      <a:tailEnd type="none" w="med" len="med"/>
+                    </a:lnT>
+                    <a:lnB w="12700" cap="flat" cmpd="sng" algn="ctr">
+                      <a:solidFill>
+                        <a:schemeClr val="tx1"/>
+                      </a:solidFill>
+                      <a:prstDash val="solid"/>
+                      <a:round/>
+                      <a:headEnd type="none" w="med" len="med"/>
+                      <a:tailEnd type="none" w="med" len="med"/>
+                    </a:lnB>
+                  </a:tcPr>
+                </a:tc>
+                <a:extLst>
+                  <a:ext uri="{0D108BD9-81ED-4DB2-BD59-A6C34878D82A}">
+                    <a16:rowId xmlns:a16="http://schemas.microsoft.com/office/drawing/2014/main" val="3283373788"/>
+                  </a:ext>
+                </a:extLst>
+              </a:tr>
+              <a:tr h="345294">
+                <a:tc>
+                  <a:txBody>
+                    <a:bodyPr/>
+                    <a:lstStyle/>
+                    <a:p>
+                      <a:pPr algn="ctr"/>
+                      <a:r>
+                        <a:rPr lang="en-US" sz="1000"/>
+                        <a:t>D-&gt;B</a:t>
+                      </a:r>
+                      <a:endParaRPr lang="en-US" sz="1000">
+                        <a:latin typeface="+mn-lt"/>
+                      </a:endParaRPr>
+                    </a:p>
+                  </a:txBody>
+                  <a:tcPr>
+                    <a:lnL w="12700" cap="flat" cmpd="sng" algn="ctr">
+                      <a:solidFill>
+                        <a:schemeClr val="tx1"/>
+                      </a:solidFill>
+                      <a:prstDash val="solid"/>
+                      <a:round/>
+                      <a:headEnd type="none" w="med" len="med"/>
+                      <a:tailEnd type="none" w="med" len="med"/>
+                    </a:lnL>
+                    <a:lnR w="12700" cap="flat" cmpd="sng" algn="ctr">
+                      <a:solidFill>
+                        <a:schemeClr val="tx1"/>
+                      </a:solidFill>
+                      <a:prstDash val="solid"/>
+                      <a:round/>
+                      <a:headEnd type="none" w="med" len="med"/>
+                      <a:tailEnd type="none" w="med" len="med"/>
+                    </a:lnR>
+                    <a:lnT w="12700" cap="flat" cmpd="sng" algn="ctr">
+                      <a:solidFill>
+                        <a:schemeClr val="tx1"/>
+                      </a:solidFill>
+                      <a:prstDash val="solid"/>
+                      <a:round/>
+                      <a:headEnd type="none" w="med" len="med"/>
+                      <a:tailEnd type="none" w="med" len="med"/>
+                    </a:lnT>
+                    <a:lnB w="12700" cap="flat" cmpd="sng" algn="ctr">
+                      <a:solidFill>
+                        <a:schemeClr val="tx1"/>
+                      </a:solidFill>
+                      <a:prstDash val="solid"/>
+                      <a:round/>
+                      <a:headEnd type="none" w="med" len="med"/>
+                      <a:tailEnd type="none" w="med" len="med"/>
+                    </a:lnB>
+                  </a:tcPr>
+                </a:tc>
+                <a:tc>
+                  <a:txBody>
+                    <a:bodyPr/>
+                    <a:lstStyle/>
+                    <a:p>
+                      <a:pPr algn="ctr"/>
+                      <a:endParaRPr lang="en-US" sz="1000"/>
+                    </a:p>
+                  </a:txBody>
+                  <a:tcPr>
+                    <a:lnL w="12700" cap="flat" cmpd="sng" algn="ctr">
+                      <a:solidFill>
+                        <a:schemeClr val="tx1"/>
+                      </a:solidFill>
+                      <a:prstDash val="solid"/>
+                      <a:round/>
+                      <a:headEnd type="none" w="med" len="med"/>
+                      <a:tailEnd type="none" w="med" len="med"/>
+                    </a:lnL>
+                    <a:lnR w="12700" cap="flat" cmpd="sng" algn="ctr">
+                      <a:solidFill>
+                        <a:schemeClr val="tx1"/>
+                      </a:solidFill>
+                      <a:prstDash val="solid"/>
+                      <a:round/>
+                      <a:headEnd type="none" w="med" len="med"/>
+                      <a:tailEnd type="none" w="med" len="med"/>
+                    </a:lnR>
+                    <a:lnT w="12700" cap="flat" cmpd="sng" algn="ctr">
+                      <a:solidFill>
+                        <a:schemeClr val="tx1"/>
+                      </a:solidFill>
+                      <a:prstDash val="solid"/>
+                      <a:round/>
+                      <a:headEnd type="none" w="med" len="med"/>
+                      <a:tailEnd type="none" w="med" len="med"/>
+                    </a:lnT>
+                    <a:lnB w="12700" cap="flat" cmpd="sng" algn="ctr">
+                      <a:solidFill>
+                        <a:schemeClr val="tx1"/>
+                      </a:solidFill>
+                      <a:prstDash val="solid"/>
+                      <a:round/>
+                      <a:headEnd type="none" w="med" len="med"/>
+                      <a:tailEnd type="none" w="med" len="med"/>
+                    </a:lnB>
+                  </a:tcPr>
+                </a:tc>
+                <a:tc>
+                  <a:txBody>
+                    <a:bodyPr/>
+                    <a:lstStyle/>
+                    <a:p>
+                      <a:pPr algn="ctr"/>
+                      <a:endParaRPr lang="en-US" sz="1000"/>
+                    </a:p>
+                  </a:txBody>
+                  <a:tcPr>
+                    <a:lnL w="12700" cap="flat" cmpd="sng" algn="ctr">
+                      <a:solidFill>
+                        <a:schemeClr val="tx1"/>
+                      </a:solidFill>
+                      <a:prstDash val="solid"/>
+                      <a:round/>
+                      <a:headEnd type="none" w="med" len="med"/>
+                      <a:tailEnd type="none" w="med" len="med"/>
+                    </a:lnL>
+                    <a:lnR w="12700" cap="flat" cmpd="sng" algn="ctr">
+                      <a:solidFill>
+                        <a:schemeClr val="tx1"/>
+                      </a:solidFill>
+                      <a:prstDash val="solid"/>
+                      <a:round/>
+                      <a:headEnd type="none" w="med" len="med"/>
+                      <a:tailEnd type="none" w="med" len="med"/>
+                    </a:lnR>
+                    <a:lnT w="12700" cap="flat" cmpd="sng" algn="ctr">
+                      <a:solidFill>
+                        <a:schemeClr val="tx1"/>
+                      </a:solidFill>
+                      <a:prstDash val="solid"/>
+                      <a:round/>
+                      <a:headEnd type="none" w="med" len="med"/>
+                      <a:tailEnd type="none" w="med" len="med"/>
+                    </a:lnT>
+                    <a:lnB w="12700" cap="flat" cmpd="sng" algn="ctr">
+                      <a:solidFill>
+                        <a:schemeClr val="tx1"/>
+                      </a:solidFill>
+                      <a:prstDash val="solid"/>
+                      <a:round/>
+                      <a:headEnd type="none" w="med" len="med"/>
+                      <a:tailEnd type="none" w="med" len="med"/>
+                    </a:lnB>
+                  </a:tcPr>
+                </a:tc>
+                <a:tc>
+                  <a:txBody>
+                    <a:bodyPr/>
+                    <a:lstStyle/>
+                    <a:p>
+                      <a:pPr algn="ctr"/>
+                      <a:endParaRPr lang="en-US" sz="1000"/>
+                    </a:p>
+                  </a:txBody>
+                  <a:tcPr>
+                    <a:lnL w="12700" cap="flat" cmpd="sng" algn="ctr">
+                      <a:solidFill>
+                        <a:schemeClr val="tx1"/>
+                      </a:solidFill>
+                      <a:prstDash val="solid"/>
+                      <a:round/>
+                      <a:headEnd type="none" w="med" len="med"/>
+                      <a:tailEnd type="none" w="med" len="med"/>
+                    </a:lnL>
+                    <a:lnR w="12700" cap="flat" cmpd="sng" algn="ctr">
+                      <a:solidFill>
+                        <a:schemeClr val="tx1"/>
+                      </a:solidFill>
+                      <a:prstDash val="solid"/>
+                      <a:round/>
+                      <a:headEnd type="none" w="med" len="med"/>
+                      <a:tailEnd type="none" w="med" len="med"/>
+                    </a:lnR>
+                    <a:lnT w="12700" cap="flat" cmpd="sng" algn="ctr">
+                      <a:solidFill>
+                        <a:schemeClr val="tx1"/>
+                      </a:solidFill>
+                      <a:prstDash val="solid"/>
+                      <a:round/>
+                      <a:headEnd type="none" w="med" len="med"/>
+                      <a:tailEnd type="none" w="med" len="med"/>
+                    </a:lnT>
+                    <a:lnB w="12700" cap="flat" cmpd="sng" algn="ctr">
+                      <a:solidFill>
+                        <a:schemeClr val="tx1"/>
+                      </a:solidFill>
+                      <a:prstDash val="solid"/>
+                      <a:round/>
+                      <a:headEnd type="none" w="med" len="med"/>
+                      <a:tailEnd type="none" w="med" len="med"/>
+                    </a:lnB>
+                  </a:tcPr>
+                </a:tc>
+                <a:tc>
+                  <a:txBody>
+                    <a:bodyPr/>
+                    <a:lstStyle/>
+                    <a:p>
+                      <a:pPr algn="ctr"/>
+                      <a:r>
+                        <a:rPr lang="en-US" sz="1000"/>
+                        <a:t>D-&gt;B</a:t>
+                      </a:r>
+                    </a:p>
+                  </a:txBody>
+                  <a:tcPr>
+                    <a:lnL w="12700" cap="flat" cmpd="sng" algn="ctr">
+                      <a:solidFill>
+                        <a:schemeClr val="tx1"/>
+                      </a:solidFill>
+                      <a:prstDash val="solid"/>
+                      <a:round/>
+                      <a:headEnd type="none" w="med" len="med"/>
+                      <a:tailEnd type="none" w="med" len="med"/>
+                    </a:lnL>
+                    <a:lnR w="12700" cap="flat" cmpd="sng" algn="ctr">
+                      <a:solidFill>
+                        <a:schemeClr val="tx1"/>
+                      </a:solidFill>
+                      <a:prstDash val="solid"/>
+                      <a:round/>
+                      <a:headEnd type="none" w="med" len="med"/>
+                      <a:tailEnd type="none" w="med" len="med"/>
+                    </a:lnR>
+                    <a:lnT w="12700" cap="flat" cmpd="sng" algn="ctr">
+                      <a:solidFill>
+                        <a:schemeClr val="tx1"/>
+                      </a:solidFill>
+                      <a:prstDash val="solid"/>
+                      <a:round/>
+                      <a:headEnd type="none" w="med" len="med"/>
+                      <a:tailEnd type="none" w="med" len="med"/>
+                    </a:lnT>
+                    <a:lnB w="12700" cap="flat" cmpd="sng" algn="ctr">
+                      <a:solidFill>
+                        <a:schemeClr val="tx1"/>
+                      </a:solidFill>
+                      <a:prstDash val="solid"/>
+                      <a:round/>
+                      <a:headEnd type="none" w="med" len="med"/>
+                      <a:tailEnd type="none" w="med" len="med"/>
+                    </a:lnB>
+                  </a:tcPr>
+                </a:tc>
+                <a:tc>
+                  <a:txBody>
+                    <a:bodyPr/>
+                    <a:lstStyle/>
+                    <a:p>
+                      <a:pPr algn="ctr"/>
+                      <a:endParaRPr lang="en-US" sz="1000"/>
+                    </a:p>
+                  </a:txBody>
+                  <a:tcPr>
+                    <a:lnL w="12700" cap="flat" cmpd="sng" algn="ctr">
+                      <a:solidFill>
+                        <a:schemeClr val="tx1"/>
+                      </a:solidFill>
+                      <a:prstDash val="solid"/>
+                      <a:round/>
+                      <a:headEnd type="none" w="med" len="med"/>
+                      <a:tailEnd type="none" w="med" len="med"/>
+                    </a:lnL>
+                    <a:lnR w="12700" cap="flat" cmpd="sng" algn="ctr">
+                      <a:solidFill>
+                        <a:schemeClr val="tx1"/>
+                      </a:solidFill>
+                      <a:prstDash val="solid"/>
+                      <a:round/>
+                      <a:headEnd type="none" w="med" len="med"/>
+                      <a:tailEnd type="none" w="med" len="med"/>
+                    </a:lnR>
+                    <a:lnT w="12700" cap="flat" cmpd="sng" algn="ctr">
+                      <a:solidFill>
+                        <a:schemeClr val="tx1"/>
+                      </a:solidFill>
+                      <a:prstDash val="solid"/>
+                      <a:round/>
+                      <a:headEnd type="none" w="med" len="med"/>
+                      <a:tailEnd type="none" w="med" len="med"/>
+                    </a:lnT>
+                    <a:lnB w="12700" cap="flat" cmpd="sng" algn="ctr">
+                      <a:solidFill>
+                        <a:schemeClr val="tx1"/>
+                      </a:solidFill>
+                      <a:prstDash val="solid"/>
+                      <a:round/>
+                      <a:headEnd type="none" w="med" len="med"/>
+                      <a:tailEnd type="none" w="med" len="med"/>
+                    </a:lnB>
+                  </a:tcPr>
+                </a:tc>
+                <a:extLst>
+                  <a:ext uri="{0D108BD9-81ED-4DB2-BD59-A6C34878D82A}">
+                    <a16:rowId xmlns:a16="http://schemas.microsoft.com/office/drawing/2014/main" val="2907393505"/>
+                  </a:ext>
+                </a:extLst>
+              </a:tr>
+            </a:tbl>
+          </a:graphicData>
+        </a:graphic>
+      </p:graphicFrame>
+      <p:sp>
+        <p:nvSpPr>
+          <p:cNvPr id="4" name="타원 4">
+            <a:extLst>
+              <a:ext uri="{FF2B5EF4-FFF2-40B4-BE49-F238E27FC236}">
+                <a16:creationId xmlns:a16="http://schemas.microsoft.com/office/drawing/2014/main" id="{31CE1A6D-7249-496A-B501-B49299FD1F1B}"/>
+              </a:ext>
+            </a:extLst>
+          </p:cNvPr>
+          <p:cNvSpPr/>
+          <p:nvPr/>
+        </p:nvSpPr>
+        <p:spPr>
+          <a:xfrm>
+            <a:off x="3731535" y="2935583"/>
+            <a:ext cx="309868" cy="297863"/>
+          </a:xfrm>
+          <a:prstGeom prst="ellipse">
+            <a:avLst/>
+          </a:prstGeom>
+          <a:solidFill>
+            <a:schemeClr val="bg1"/>
+          </a:solidFill>
+          <a:ln w="57150">
+            <a:solidFill>
+              <a:schemeClr val="tx1"/>
+            </a:solidFill>
+          </a:ln>
+        </p:spPr>
+        <p:style>
+          <a:lnRef idx="2">
+            <a:schemeClr val="accent1">
+              <a:shade val="50000"/>
+            </a:schemeClr>
+          </a:lnRef>
+          <a:fillRef idx="1">
+            <a:schemeClr val="accent1"/>
+          </a:fillRef>
+          <a:effectRef idx="0">
+            <a:schemeClr val="accent1"/>
+          </a:effectRef>
+          <a:fontRef idx="minor">
+            <a:schemeClr val="lt1"/>
+          </a:fontRef>
+        </p:style>
+        <p:txBody>
+          <a:bodyPr lIns="0" tIns="0" rIns="0" bIns="0" rtlCol="0" anchor="ctr"/>
+          <a:lstStyle>
+            <a:defPPr>
+              <a:defRPr lang="en-US"/>
+            </a:defPPr>
+            <a:lvl1pPr marL="0" algn="l" defTabSz="914400" rtl="0" eaLnBrk="1" latinLnBrk="0" hangingPunct="1">
+              <a:defRPr sz="1800" kern="1200">
+                <a:solidFill>
+                  <a:schemeClr val="lt1"/>
+                </a:solidFill>
+                <a:latin typeface="+mn-lt"/>
+                <a:ea typeface="+mn-ea"/>
+                <a:cs typeface="+mn-cs"/>
+              </a:defRPr>
+            </a:lvl1pPr>
+            <a:lvl2pPr marL="457200" algn="l" defTabSz="914400" rtl="0" eaLnBrk="1" latinLnBrk="0" hangingPunct="1">
+              <a:defRPr sz="1800" kern="1200">
+                <a:solidFill>
+                  <a:schemeClr val="lt1"/>
+                </a:solidFill>
+                <a:latin typeface="+mn-lt"/>
+                <a:ea typeface="+mn-ea"/>
+                <a:cs typeface="+mn-cs"/>
+              </a:defRPr>
+            </a:lvl2pPr>
+            <a:lvl3pPr marL="914400" algn="l" defTabSz="914400" rtl="0" eaLnBrk="1" latinLnBrk="0" hangingPunct="1">
+              <a:defRPr sz="1800" kern="1200">
+                <a:solidFill>
+                  <a:schemeClr val="lt1"/>
+                </a:solidFill>
+                <a:latin typeface="+mn-lt"/>
+                <a:ea typeface="+mn-ea"/>
+                <a:cs typeface="+mn-cs"/>
+              </a:defRPr>
+            </a:lvl3pPr>
+            <a:lvl4pPr marL="1371600" algn="l" defTabSz="914400" rtl="0" eaLnBrk="1" latinLnBrk="0" hangingPunct="1">
+              <a:defRPr sz="1800" kern="1200">
+                <a:solidFill>
+                  <a:schemeClr val="lt1"/>
+                </a:solidFill>
+                <a:latin typeface="+mn-lt"/>
+                <a:ea typeface="+mn-ea"/>
+                <a:cs typeface="+mn-cs"/>
+              </a:defRPr>
+            </a:lvl4pPr>
+            <a:lvl5pPr marL="1828800" algn="l" defTabSz="914400" rtl="0" eaLnBrk="1" latinLnBrk="0" hangingPunct="1">
+              <a:defRPr sz="1800" kern="1200">
+                <a:solidFill>
+                  <a:schemeClr val="lt1"/>
+                </a:solidFill>
+                <a:latin typeface="+mn-lt"/>
+                <a:ea typeface="+mn-ea"/>
+                <a:cs typeface="+mn-cs"/>
+              </a:defRPr>
+            </a:lvl5pPr>
+            <a:lvl6pPr marL="2286000" algn="l" defTabSz="914400" rtl="0" eaLnBrk="1" latinLnBrk="0" hangingPunct="1">
+              <a:defRPr sz="1800" kern="1200">
+                <a:solidFill>
+                  <a:schemeClr val="lt1"/>
+                </a:solidFill>
+                <a:latin typeface="+mn-lt"/>
+                <a:ea typeface="+mn-ea"/>
+                <a:cs typeface="+mn-cs"/>
+              </a:defRPr>
+            </a:lvl6pPr>
+            <a:lvl7pPr marL="2743200" algn="l" defTabSz="914400" rtl="0" eaLnBrk="1" latinLnBrk="0" hangingPunct="1">
+              <a:defRPr sz="1800" kern="1200">
+                <a:solidFill>
+                  <a:schemeClr val="lt1"/>
+                </a:solidFill>
+                <a:latin typeface="+mn-lt"/>
+                <a:ea typeface="+mn-ea"/>
+                <a:cs typeface="+mn-cs"/>
+              </a:defRPr>
+            </a:lvl7pPr>
+            <a:lvl8pPr marL="3200400" algn="l" defTabSz="914400" rtl="0" eaLnBrk="1" latinLnBrk="0" hangingPunct="1">
+              <a:defRPr sz="1800" kern="1200">
+                <a:solidFill>
+                  <a:schemeClr val="lt1"/>
+                </a:solidFill>
+                <a:latin typeface="+mn-lt"/>
+                <a:ea typeface="+mn-ea"/>
+                <a:cs typeface="+mn-cs"/>
+              </a:defRPr>
+            </a:lvl8pPr>
+            <a:lvl9pPr marL="3657600" algn="l" defTabSz="914400" rtl="0" eaLnBrk="1" latinLnBrk="0" hangingPunct="1">
+              <a:defRPr sz="1800" kern="1200">
+                <a:solidFill>
+                  <a:schemeClr val="lt1"/>
+                </a:solidFill>
+                <a:latin typeface="+mn-lt"/>
+                <a:ea typeface="+mn-ea"/>
+                <a:cs typeface="+mn-cs"/>
+              </a:defRPr>
+            </a:lvl9pPr>
+          </a:lstStyle>
+          <a:p>
+            <a:pPr algn="ctr"/>
+            <a:r>
+              <a:rPr lang="en-US" altLang="ko-KR" sz="1200">
+                <a:solidFill>
+                  <a:schemeClr val="tx1"/>
+                </a:solidFill>
+              </a:rPr>
+              <a:t>A</a:t>
+            </a:r>
+            <a:endParaRPr lang="ko-KR" altLang="en-US" sz="1200">
+              <a:solidFill>
+                <a:schemeClr val="tx1"/>
+              </a:solidFill>
+            </a:endParaRPr>
+          </a:p>
+        </p:txBody>
+      </p:sp>
+      <p:sp>
+        <p:nvSpPr>
+          <p:cNvPr id="5" name="타원 27">
+            <a:extLst>
+              <a:ext uri="{FF2B5EF4-FFF2-40B4-BE49-F238E27FC236}">
+                <a16:creationId xmlns:a16="http://schemas.microsoft.com/office/drawing/2014/main" id="{DAE9F349-54C7-4517-8B4F-3742FDF77374}"/>
+              </a:ext>
+            </a:extLst>
+          </p:cNvPr>
+          <p:cNvSpPr/>
+          <p:nvPr/>
+        </p:nvSpPr>
+        <p:spPr>
+          <a:xfrm>
+            <a:off x="4214070" y="3525729"/>
+            <a:ext cx="283135" cy="293104"/>
+          </a:xfrm>
+          <a:prstGeom prst="ellipse">
+            <a:avLst/>
+          </a:prstGeom>
+          <a:solidFill>
+            <a:schemeClr val="bg1"/>
+          </a:solidFill>
+          <a:ln>
+            <a:solidFill>
+              <a:schemeClr val="tx1"/>
+            </a:solidFill>
+          </a:ln>
+        </p:spPr>
+        <p:style>
+          <a:lnRef idx="2">
+            <a:schemeClr val="accent1">
+              <a:shade val="50000"/>
+            </a:schemeClr>
+          </a:lnRef>
+          <a:fillRef idx="1">
+            <a:schemeClr val="accent1"/>
+          </a:fillRef>
+          <a:effectRef idx="0">
+            <a:schemeClr val="accent1"/>
+          </a:effectRef>
+          <a:fontRef idx="minor">
+            <a:schemeClr val="lt1"/>
+          </a:fontRef>
+        </p:style>
+        <p:txBody>
+          <a:bodyPr lIns="0" tIns="0" rIns="0" bIns="0" rtlCol="0" anchor="ctr"/>
+          <a:lstStyle>
+            <a:defPPr>
+              <a:defRPr lang="en-US"/>
+            </a:defPPr>
+            <a:lvl1pPr marL="0" algn="l" defTabSz="914400" rtl="0" eaLnBrk="1" latinLnBrk="0" hangingPunct="1">
+              <a:defRPr sz="1800" kern="1200">
+                <a:solidFill>
+                  <a:schemeClr val="lt1"/>
+                </a:solidFill>
+                <a:latin typeface="+mn-lt"/>
+                <a:ea typeface="+mn-ea"/>
+                <a:cs typeface="+mn-cs"/>
+              </a:defRPr>
+            </a:lvl1pPr>
+            <a:lvl2pPr marL="457200" algn="l" defTabSz="914400" rtl="0" eaLnBrk="1" latinLnBrk="0" hangingPunct="1">
+              <a:defRPr sz="1800" kern="1200">
+                <a:solidFill>
+                  <a:schemeClr val="lt1"/>
+                </a:solidFill>
+                <a:latin typeface="+mn-lt"/>
+                <a:ea typeface="+mn-ea"/>
+                <a:cs typeface="+mn-cs"/>
+              </a:defRPr>
+            </a:lvl2pPr>
+            <a:lvl3pPr marL="914400" algn="l" defTabSz="914400" rtl="0" eaLnBrk="1" latinLnBrk="0" hangingPunct="1">
+              <a:defRPr sz="1800" kern="1200">
+                <a:solidFill>
+                  <a:schemeClr val="lt1"/>
+                </a:solidFill>
+                <a:latin typeface="+mn-lt"/>
+                <a:ea typeface="+mn-ea"/>
+                <a:cs typeface="+mn-cs"/>
+              </a:defRPr>
+            </a:lvl3pPr>
+            <a:lvl4pPr marL="1371600" algn="l" defTabSz="914400" rtl="0" eaLnBrk="1" latinLnBrk="0" hangingPunct="1">
+              <a:defRPr sz="1800" kern="1200">
+                <a:solidFill>
+                  <a:schemeClr val="lt1"/>
+                </a:solidFill>
+                <a:latin typeface="+mn-lt"/>
+                <a:ea typeface="+mn-ea"/>
+                <a:cs typeface="+mn-cs"/>
+              </a:defRPr>
+            </a:lvl4pPr>
+            <a:lvl5pPr marL="1828800" algn="l" defTabSz="914400" rtl="0" eaLnBrk="1" latinLnBrk="0" hangingPunct="1">
+              <a:defRPr sz="1800" kern="1200">
+                <a:solidFill>
+                  <a:schemeClr val="lt1"/>
+                </a:solidFill>
+                <a:latin typeface="+mn-lt"/>
+                <a:ea typeface="+mn-ea"/>
+                <a:cs typeface="+mn-cs"/>
+              </a:defRPr>
+            </a:lvl5pPr>
+            <a:lvl6pPr marL="2286000" algn="l" defTabSz="914400" rtl="0" eaLnBrk="1" latinLnBrk="0" hangingPunct="1">
+              <a:defRPr sz="1800" kern="1200">
+                <a:solidFill>
+                  <a:schemeClr val="lt1"/>
+                </a:solidFill>
+                <a:latin typeface="+mn-lt"/>
+                <a:ea typeface="+mn-ea"/>
+                <a:cs typeface="+mn-cs"/>
+              </a:defRPr>
+            </a:lvl6pPr>
+            <a:lvl7pPr marL="2743200" algn="l" defTabSz="914400" rtl="0" eaLnBrk="1" latinLnBrk="0" hangingPunct="1">
+              <a:defRPr sz="1800" kern="1200">
+                <a:solidFill>
+                  <a:schemeClr val="lt1"/>
+                </a:solidFill>
+                <a:latin typeface="+mn-lt"/>
+                <a:ea typeface="+mn-ea"/>
+                <a:cs typeface="+mn-cs"/>
+              </a:defRPr>
+            </a:lvl7pPr>
+            <a:lvl8pPr marL="3200400" algn="l" defTabSz="914400" rtl="0" eaLnBrk="1" latinLnBrk="0" hangingPunct="1">
+              <a:defRPr sz="1800" kern="1200">
+                <a:solidFill>
+                  <a:schemeClr val="lt1"/>
+                </a:solidFill>
+                <a:latin typeface="+mn-lt"/>
+                <a:ea typeface="+mn-ea"/>
+                <a:cs typeface="+mn-cs"/>
+              </a:defRPr>
+            </a:lvl8pPr>
+            <a:lvl9pPr marL="3657600" algn="l" defTabSz="914400" rtl="0" eaLnBrk="1" latinLnBrk="0" hangingPunct="1">
+              <a:defRPr sz="1800" kern="1200">
+                <a:solidFill>
+                  <a:schemeClr val="lt1"/>
+                </a:solidFill>
+                <a:latin typeface="+mn-lt"/>
+                <a:ea typeface="+mn-ea"/>
+                <a:cs typeface="+mn-cs"/>
+              </a:defRPr>
+            </a:lvl9pPr>
+          </a:lstStyle>
+          <a:p>
+            <a:pPr algn="ctr"/>
+            <a:r>
+              <a:rPr lang="en-US" altLang="ko-KR" sz="1200">
+                <a:solidFill>
+                  <a:schemeClr val="tx1"/>
+                </a:solidFill>
+              </a:rPr>
+              <a:t>B</a:t>
+            </a:r>
+            <a:endParaRPr lang="ko-KR" altLang="en-US" sz="1200">
+              <a:solidFill>
+                <a:schemeClr val="tx1"/>
+              </a:solidFill>
+            </a:endParaRPr>
+          </a:p>
+        </p:txBody>
+      </p:sp>
+      <p:sp>
+        <p:nvSpPr>
+          <p:cNvPr id="6" name="타원 27">
+            <a:extLst>
+              <a:ext uri="{FF2B5EF4-FFF2-40B4-BE49-F238E27FC236}">
+                <a16:creationId xmlns:a16="http://schemas.microsoft.com/office/drawing/2014/main" id="{854A867C-D3B1-45E6-A708-9A4C054D7B0E}"/>
+              </a:ext>
+            </a:extLst>
+          </p:cNvPr>
+          <p:cNvSpPr/>
+          <p:nvPr/>
+        </p:nvSpPr>
+        <p:spPr>
+          <a:xfrm>
+            <a:off x="3373773" y="3525729"/>
+            <a:ext cx="283135" cy="293104"/>
+          </a:xfrm>
+          <a:prstGeom prst="ellipse">
+            <a:avLst/>
+          </a:prstGeom>
+          <a:solidFill>
+            <a:schemeClr val="bg1"/>
+          </a:solidFill>
+          <a:ln>
+            <a:solidFill>
+              <a:schemeClr val="tx1"/>
+            </a:solidFill>
+          </a:ln>
+        </p:spPr>
+        <p:style>
+          <a:lnRef idx="2">
+            <a:schemeClr val="accent1">
+              <a:shade val="50000"/>
+            </a:schemeClr>
+          </a:lnRef>
+          <a:fillRef idx="1">
+            <a:schemeClr val="accent1"/>
+          </a:fillRef>
+          <a:effectRef idx="0">
+            <a:schemeClr val="accent1"/>
+          </a:effectRef>
+          <a:fontRef idx="minor">
+            <a:schemeClr val="lt1"/>
+          </a:fontRef>
+        </p:style>
+        <p:txBody>
+          <a:bodyPr lIns="0" tIns="0" rIns="0" bIns="0" rtlCol="0" anchor="ctr"/>
+          <a:lstStyle>
+            <a:defPPr>
+              <a:defRPr lang="en-US"/>
+            </a:defPPr>
+            <a:lvl1pPr marL="0" algn="l" defTabSz="914400" rtl="0" eaLnBrk="1" latinLnBrk="0" hangingPunct="1">
+              <a:defRPr sz="1800" kern="1200">
+                <a:solidFill>
+                  <a:schemeClr val="lt1"/>
+                </a:solidFill>
+                <a:latin typeface="+mn-lt"/>
+                <a:ea typeface="+mn-ea"/>
+                <a:cs typeface="+mn-cs"/>
+              </a:defRPr>
+            </a:lvl1pPr>
+            <a:lvl2pPr marL="457200" algn="l" defTabSz="914400" rtl="0" eaLnBrk="1" latinLnBrk="0" hangingPunct="1">
+              <a:defRPr sz="1800" kern="1200">
+                <a:solidFill>
+                  <a:schemeClr val="lt1"/>
+                </a:solidFill>
+                <a:latin typeface="+mn-lt"/>
+                <a:ea typeface="+mn-ea"/>
+                <a:cs typeface="+mn-cs"/>
+              </a:defRPr>
+            </a:lvl2pPr>
+            <a:lvl3pPr marL="914400" algn="l" defTabSz="914400" rtl="0" eaLnBrk="1" latinLnBrk="0" hangingPunct="1">
+              <a:defRPr sz="1800" kern="1200">
+                <a:solidFill>
+                  <a:schemeClr val="lt1"/>
+                </a:solidFill>
+                <a:latin typeface="+mn-lt"/>
+                <a:ea typeface="+mn-ea"/>
+                <a:cs typeface="+mn-cs"/>
+              </a:defRPr>
+            </a:lvl3pPr>
+            <a:lvl4pPr marL="1371600" algn="l" defTabSz="914400" rtl="0" eaLnBrk="1" latinLnBrk="0" hangingPunct="1">
+              <a:defRPr sz="1800" kern="1200">
+                <a:solidFill>
+                  <a:schemeClr val="lt1"/>
+                </a:solidFill>
+                <a:latin typeface="+mn-lt"/>
+                <a:ea typeface="+mn-ea"/>
+                <a:cs typeface="+mn-cs"/>
+              </a:defRPr>
+            </a:lvl4pPr>
+            <a:lvl5pPr marL="1828800" algn="l" defTabSz="914400" rtl="0" eaLnBrk="1" latinLnBrk="0" hangingPunct="1">
+              <a:defRPr sz="1800" kern="1200">
+                <a:solidFill>
+                  <a:schemeClr val="lt1"/>
+                </a:solidFill>
+                <a:latin typeface="+mn-lt"/>
+                <a:ea typeface="+mn-ea"/>
+                <a:cs typeface="+mn-cs"/>
+              </a:defRPr>
+            </a:lvl5pPr>
+            <a:lvl6pPr marL="2286000" algn="l" defTabSz="914400" rtl="0" eaLnBrk="1" latinLnBrk="0" hangingPunct="1">
+              <a:defRPr sz="1800" kern="1200">
+                <a:solidFill>
+                  <a:schemeClr val="lt1"/>
+                </a:solidFill>
+                <a:latin typeface="+mn-lt"/>
+                <a:ea typeface="+mn-ea"/>
+                <a:cs typeface="+mn-cs"/>
+              </a:defRPr>
+            </a:lvl6pPr>
+            <a:lvl7pPr marL="2743200" algn="l" defTabSz="914400" rtl="0" eaLnBrk="1" latinLnBrk="0" hangingPunct="1">
+              <a:defRPr sz="1800" kern="1200">
+                <a:solidFill>
+                  <a:schemeClr val="lt1"/>
+                </a:solidFill>
+                <a:latin typeface="+mn-lt"/>
+                <a:ea typeface="+mn-ea"/>
+                <a:cs typeface="+mn-cs"/>
+              </a:defRPr>
+            </a:lvl7pPr>
+            <a:lvl8pPr marL="3200400" algn="l" defTabSz="914400" rtl="0" eaLnBrk="1" latinLnBrk="0" hangingPunct="1">
+              <a:defRPr sz="1800" kern="1200">
+                <a:solidFill>
+                  <a:schemeClr val="lt1"/>
+                </a:solidFill>
+                <a:latin typeface="+mn-lt"/>
+                <a:ea typeface="+mn-ea"/>
+                <a:cs typeface="+mn-cs"/>
+              </a:defRPr>
+            </a:lvl8pPr>
+            <a:lvl9pPr marL="3657600" algn="l" defTabSz="914400" rtl="0" eaLnBrk="1" latinLnBrk="0" hangingPunct="1">
+              <a:defRPr sz="1800" kern="1200">
+                <a:solidFill>
+                  <a:schemeClr val="lt1"/>
+                </a:solidFill>
+                <a:latin typeface="+mn-lt"/>
+                <a:ea typeface="+mn-ea"/>
+                <a:cs typeface="+mn-cs"/>
+              </a:defRPr>
+            </a:lvl9pPr>
+          </a:lstStyle>
+          <a:p>
+            <a:pPr algn="ctr"/>
+            <a:r>
+              <a:rPr lang="en-US" altLang="ko-KR" sz="1200">
+                <a:solidFill>
+                  <a:schemeClr val="tx1"/>
+                </a:solidFill>
+              </a:rPr>
+              <a:t>C</a:t>
+            </a:r>
+            <a:endParaRPr lang="ko-KR" altLang="en-US" sz="1200">
+              <a:solidFill>
+                <a:schemeClr val="tx1"/>
+              </a:solidFill>
+            </a:endParaRPr>
+          </a:p>
+        </p:txBody>
+      </p:sp>
+      <p:sp>
+        <p:nvSpPr>
+          <p:cNvPr id="7" name="타원 27">
+            <a:extLst>
+              <a:ext uri="{FF2B5EF4-FFF2-40B4-BE49-F238E27FC236}">
+                <a16:creationId xmlns:a16="http://schemas.microsoft.com/office/drawing/2014/main" id="{1EE4ACE2-6589-438A-B97F-3EE1EFC4CCC3}"/>
+              </a:ext>
+            </a:extLst>
+          </p:cNvPr>
+          <p:cNvSpPr/>
+          <p:nvPr/>
+        </p:nvSpPr>
+        <p:spPr>
+          <a:xfrm>
+            <a:off x="4214071" y="4183203"/>
+            <a:ext cx="283135" cy="293104"/>
+          </a:xfrm>
+          <a:prstGeom prst="ellipse">
+            <a:avLst/>
+          </a:prstGeom>
+          <a:solidFill>
+            <a:schemeClr val="bg1"/>
+          </a:solidFill>
+          <a:ln>
+            <a:solidFill>
+              <a:schemeClr val="tx1"/>
+            </a:solidFill>
+          </a:ln>
+        </p:spPr>
+        <p:style>
+          <a:lnRef idx="2">
+            <a:schemeClr val="accent1">
+              <a:shade val="50000"/>
+            </a:schemeClr>
+          </a:lnRef>
+          <a:fillRef idx="1">
+            <a:schemeClr val="accent1"/>
+          </a:fillRef>
+          <a:effectRef idx="0">
+            <a:schemeClr val="accent1"/>
+          </a:effectRef>
+          <a:fontRef idx="minor">
+            <a:schemeClr val="lt1"/>
+          </a:fontRef>
+        </p:style>
+        <p:txBody>
+          <a:bodyPr lIns="0" tIns="0" rIns="0" bIns="0" rtlCol="0" anchor="ctr"/>
+          <a:lstStyle>
+            <a:defPPr>
+              <a:defRPr lang="en-US"/>
+            </a:defPPr>
+            <a:lvl1pPr marL="0" algn="l" defTabSz="914400" rtl="0" eaLnBrk="1" latinLnBrk="0" hangingPunct="1">
+              <a:defRPr sz="1800" kern="1200">
+                <a:solidFill>
+                  <a:schemeClr val="lt1"/>
+                </a:solidFill>
+                <a:latin typeface="+mn-lt"/>
+                <a:ea typeface="+mn-ea"/>
+                <a:cs typeface="+mn-cs"/>
+              </a:defRPr>
+            </a:lvl1pPr>
+            <a:lvl2pPr marL="457200" algn="l" defTabSz="914400" rtl="0" eaLnBrk="1" latinLnBrk="0" hangingPunct="1">
+              <a:defRPr sz="1800" kern="1200">
+                <a:solidFill>
+                  <a:schemeClr val="lt1"/>
+                </a:solidFill>
+                <a:latin typeface="+mn-lt"/>
+                <a:ea typeface="+mn-ea"/>
+                <a:cs typeface="+mn-cs"/>
+              </a:defRPr>
+            </a:lvl2pPr>
+            <a:lvl3pPr marL="914400" algn="l" defTabSz="914400" rtl="0" eaLnBrk="1" latinLnBrk="0" hangingPunct="1">
+              <a:defRPr sz="1800" kern="1200">
+                <a:solidFill>
+                  <a:schemeClr val="lt1"/>
+                </a:solidFill>
+                <a:latin typeface="+mn-lt"/>
+                <a:ea typeface="+mn-ea"/>
+                <a:cs typeface="+mn-cs"/>
+              </a:defRPr>
+            </a:lvl3pPr>
+            <a:lvl4pPr marL="1371600" algn="l" defTabSz="914400" rtl="0" eaLnBrk="1" latinLnBrk="0" hangingPunct="1">
+              <a:defRPr sz="1800" kern="1200">
+                <a:solidFill>
+                  <a:schemeClr val="lt1"/>
+                </a:solidFill>
+                <a:latin typeface="+mn-lt"/>
+                <a:ea typeface="+mn-ea"/>
+                <a:cs typeface="+mn-cs"/>
+              </a:defRPr>
+            </a:lvl4pPr>
+            <a:lvl5pPr marL="1828800" algn="l" defTabSz="914400" rtl="0" eaLnBrk="1" latinLnBrk="0" hangingPunct="1">
+              <a:defRPr sz="1800" kern="1200">
+                <a:solidFill>
+                  <a:schemeClr val="lt1"/>
+                </a:solidFill>
+                <a:latin typeface="+mn-lt"/>
+                <a:ea typeface="+mn-ea"/>
+                <a:cs typeface="+mn-cs"/>
+              </a:defRPr>
+            </a:lvl5pPr>
+            <a:lvl6pPr marL="2286000" algn="l" defTabSz="914400" rtl="0" eaLnBrk="1" latinLnBrk="0" hangingPunct="1">
+              <a:defRPr sz="1800" kern="1200">
+                <a:solidFill>
+                  <a:schemeClr val="lt1"/>
+                </a:solidFill>
+                <a:latin typeface="+mn-lt"/>
+                <a:ea typeface="+mn-ea"/>
+                <a:cs typeface="+mn-cs"/>
+              </a:defRPr>
+            </a:lvl6pPr>
+            <a:lvl7pPr marL="2743200" algn="l" defTabSz="914400" rtl="0" eaLnBrk="1" latinLnBrk="0" hangingPunct="1">
+              <a:defRPr sz="1800" kern="1200">
+                <a:solidFill>
+                  <a:schemeClr val="lt1"/>
+                </a:solidFill>
+                <a:latin typeface="+mn-lt"/>
+                <a:ea typeface="+mn-ea"/>
+                <a:cs typeface="+mn-cs"/>
+              </a:defRPr>
+            </a:lvl7pPr>
+            <a:lvl8pPr marL="3200400" algn="l" defTabSz="914400" rtl="0" eaLnBrk="1" latinLnBrk="0" hangingPunct="1">
+              <a:defRPr sz="1800" kern="1200">
+                <a:solidFill>
+                  <a:schemeClr val="lt1"/>
+                </a:solidFill>
+                <a:latin typeface="+mn-lt"/>
+                <a:ea typeface="+mn-ea"/>
+                <a:cs typeface="+mn-cs"/>
+              </a:defRPr>
+            </a:lvl8pPr>
+            <a:lvl9pPr marL="3657600" algn="l" defTabSz="914400" rtl="0" eaLnBrk="1" latinLnBrk="0" hangingPunct="1">
+              <a:defRPr sz="1800" kern="1200">
+                <a:solidFill>
+                  <a:schemeClr val="lt1"/>
+                </a:solidFill>
+                <a:latin typeface="+mn-lt"/>
+                <a:ea typeface="+mn-ea"/>
+                <a:cs typeface="+mn-cs"/>
+              </a:defRPr>
+            </a:lvl9pPr>
+          </a:lstStyle>
+          <a:p>
+            <a:pPr algn="ctr"/>
+            <a:r>
+              <a:rPr lang="en-US" altLang="ko-KR" sz="1200">
+                <a:solidFill>
+                  <a:schemeClr val="tx1"/>
+                </a:solidFill>
+              </a:rPr>
+              <a:t>D</a:t>
+            </a:r>
+            <a:endParaRPr lang="ko-KR" altLang="en-US" sz="1200">
+              <a:solidFill>
+                <a:schemeClr val="tx1"/>
+              </a:solidFill>
+            </a:endParaRPr>
+          </a:p>
+        </p:txBody>
+      </p:sp>
+      <p:cxnSp>
+        <p:nvCxnSpPr>
+          <p:cNvPr id="9" name="Straight Arrow Connector 8">
+            <a:extLst>
+              <a:ext uri="{FF2B5EF4-FFF2-40B4-BE49-F238E27FC236}">
+                <a16:creationId xmlns:a16="http://schemas.microsoft.com/office/drawing/2014/main" id="{DA78AC3B-8D4F-41F9-94C7-1D2374BA4FA5}"/>
+              </a:ext>
+            </a:extLst>
+          </p:cNvPr>
+          <p:cNvCxnSpPr>
+            <a:cxnSpLocks/>
+            <a:stCxn id="6" idx="7"/>
+            <a:endCxn id="4" idx="3"/>
+          </p:cNvCxnSpPr>
+          <p:nvPr/>
+        </p:nvCxnSpPr>
+        <p:spPr>
+          <a:xfrm flipV="1">
+            <a:off x="3615444" y="3189825"/>
+            <a:ext cx="161470" cy="378828"/>
+          </a:xfrm>
+          <a:prstGeom prst="straightConnector1">
+            <a:avLst/>
+          </a:prstGeom>
+          <a:ln w="12700">
+            <a:solidFill>
+              <a:schemeClr val="tx1"/>
+            </a:solidFill>
+            <a:tailEnd type="triangle"/>
+          </a:ln>
+        </p:spPr>
+        <p:style>
+          <a:lnRef idx="1">
+            <a:schemeClr val="accent1"/>
+          </a:lnRef>
+          <a:fillRef idx="0">
+            <a:schemeClr val="accent1"/>
+          </a:fillRef>
+          <a:effectRef idx="0">
+            <a:schemeClr val="accent1"/>
+          </a:effectRef>
+          <a:fontRef idx="minor">
+            <a:schemeClr val="tx1"/>
+          </a:fontRef>
+        </p:style>
+      </p:cxnSp>
+      <p:cxnSp>
+        <p:nvCxnSpPr>
+          <p:cNvPr id="10" name="Straight Arrow Connector 9">
+            <a:extLst>
+              <a:ext uri="{FF2B5EF4-FFF2-40B4-BE49-F238E27FC236}">
+                <a16:creationId xmlns:a16="http://schemas.microsoft.com/office/drawing/2014/main" id="{D1EF9A24-B9F7-4B3D-BA9A-8F85033A2AD7}"/>
+              </a:ext>
+            </a:extLst>
+          </p:cNvPr>
+          <p:cNvCxnSpPr>
+            <a:cxnSpLocks/>
+            <a:stCxn id="5" idx="0"/>
+            <a:endCxn id="4" idx="5"/>
+          </p:cNvCxnSpPr>
+          <p:nvPr/>
+        </p:nvCxnSpPr>
+        <p:spPr>
+          <a:xfrm flipH="1" flipV="1">
+            <a:off x="3996024" y="3189825"/>
+            <a:ext cx="359614" cy="335904"/>
+          </a:xfrm>
+          <a:prstGeom prst="straightConnector1">
+            <a:avLst/>
+          </a:prstGeom>
+          <a:ln w="12700">
+            <a:solidFill>
+              <a:schemeClr val="tx1"/>
+            </a:solidFill>
+            <a:tailEnd type="triangle"/>
+          </a:ln>
+        </p:spPr>
+        <p:style>
+          <a:lnRef idx="1">
+            <a:schemeClr val="accent1"/>
+          </a:lnRef>
+          <a:fillRef idx="0">
+            <a:schemeClr val="accent1"/>
+          </a:fillRef>
+          <a:effectRef idx="0">
+            <a:schemeClr val="accent1"/>
+          </a:effectRef>
+          <a:fontRef idx="minor">
+            <a:schemeClr val="tx1"/>
+          </a:fontRef>
+        </p:style>
+      </p:cxnSp>
+      <p:cxnSp>
+        <p:nvCxnSpPr>
+          <p:cNvPr id="14" name="Straight Arrow Connector 13">
+            <a:extLst>
+              <a:ext uri="{FF2B5EF4-FFF2-40B4-BE49-F238E27FC236}">
+                <a16:creationId xmlns:a16="http://schemas.microsoft.com/office/drawing/2014/main" id="{55A7BEFE-0D3F-401C-A07A-864B934BC660}"/>
+              </a:ext>
+            </a:extLst>
+          </p:cNvPr>
+          <p:cNvCxnSpPr>
+            <a:cxnSpLocks/>
+            <a:stCxn id="7" idx="0"/>
+            <a:endCxn id="5" idx="4"/>
+          </p:cNvCxnSpPr>
+          <p:nvPr/>
+        </p:nvCxnSpPr>
+        <p:spPr>
+          <a:xfrm flipH="1" flipV="1">
+            <a:off x="4355638" y="3818833"/>
+            <a:ext cx="1" cy="364370"/>
+          </a:xfrm>
+          <a:prstGeom prst="straightConnector1">
+            <a:avLst/>
+          </a:prstGeom>
+          <a:ln w="12700">
+            <a:solidFill>
+              <a:schemeClr val="tx1"/>
+            </a:solidFill>
+            <a:tailEnd type="triangle"/>
+          </a:ln>
+        </p:spPr>
+        <p:style>
+          <a:lnRef idx="1">
+            <a:schemeClr val="accent1"/>
+          </a:lnRef>
+          <a:fillRef idx="0">
+            <a:schemeClr val="accent1"/>
+          </a:fillRef>
+          <a:effectRef idx="0">
+            <a:schemeClr val="accent1"/>
+          </a:effectRef>
+          <a:fontRef idx="minor">
+            <a:schemeClr val="tx1"/>
+          </a:fontRef>
+        </p:style>
+      </p:cxnSp>
+      <p:cxnSp>
+        <p:nvCxnSpPr>
+          <p:cNvPr id="18" name="Straight Arrow Connector 17">
+            <a:extLst>
+              <a:ext uri="{FF2B5EF4-FFF2-40B4-BE49-F238E27FC236}">
+                <a16:creationId xmlns:a16="http://schemas.microsoft.com/office/drawing/2014/main" id="{BBFB36B6-0DDA-47F9-AD48-27E8B3D1D23A}"/>
+              </a:ext>
+            </a:extLst>
+          </p:cNvPr>
+          <p:cNvCxnSpPr>
+            <a:cxnSpLocks/>
+          </p:cNvCxnSpPr>
+          <p:nvPr/>
+        </p:nvCxnSpPr>
+        <p:spPr>
+          <a:xfrm flipV="1">
+            <a:off x="5150841" y="2583809"/>
+            <a:ext cx="0" cy="2041395"/>
+          </a:xfrm>
+          <a:prstGeom prst="straightConnector1">
+            <a:avLst/>
+          </a:prstGeom>
+          <a:ln>
+            <a:solidFill>
+              <a:schemeClr val="tx1"/>
+            </a:solidFill>
+            <a:tailEnd type="triangle"/>
+          </a:ln>
+        </p:spPr>
+        <p:style>
+          <a:lnRef idx="1">
+            <a:schemeClr val="accent1"/>
+          </a:lnRef>
+          <a:fillRef idx="0">
+            <a:schemeClr val="accent1"/>
+          </a:fillRef>
+          <a:effectRef idx="0">
+            <a:schemeClr val="accent1"/>
+          </a:effectRef>
+          <a:fontRef idx="minor">
+            <a:schemeClr val="tx1"/>
+          </a:fontRef>
+        </p:style>
+      </p:cxnSp>
+      <p:cxnSp>
+        <p:nvCxnSpPr>
+          <p:cNvPr id="19" name="Straight Arrow Connector 18">
+            <a:extLst>
+              <a:ext uri="{FF2B5EF4-FFF2-40B4-BE49-F238E27FC236}">
+                <a16:creationId xmlns:a16="http://schemas.microsoft.com/office/drawing/2014/main" id="{EA8C3DFC-A3D3-455E-82E0-B3DFA5A2F99E}"/>
+              </a:ext>
+            </a:extLst>
+          </p:cNvPr>
+          <p:cNvCxnSpPr>
+            <a:cxnSpLocks/>
+          </p:cNvCxnSpPr>
+          <p:nvPr/>
+        </p:nvCxnSpPr>
+        <p:spPr>
+          <a:xfrm>
+            <a:off x="5159230" y="4625203"/>
+            <a:ext cx="2894201" cy="0"/>
+          </a:xfrm>
+          <a:prstGeom prst="straightConnector1">
+            <a:avLst/>
+          </a:prstGeom>
+          <a:ln>
+            <a:solidFill>
+              <a:schemeClr val="tx1"/>
+            </a:solidFill>
+            <a:tailEnd type="triangle"/>
+          </a:ln>
+        </p:spPr>
+        <p:style>
+          <a:lnRef idx="1">
+            <a:schemeClr val="accent1"/>
+          </a:lnRef>
+          <a:fillRef idx="0">
+            <a:schemeClr val="accent1"/>
+          </a:fillRef>
+          <a:effectRef idx="0">
+            <a:schemeClr val="accent1"/>
+          </a:effectRef>
+          <a:fontRef idx="minor">
+            <a:schemeClr val="tx1"/>
+          </a:fontRef>
+        </p:style>
+      </p:cxnSp>
+      <p:sp>
+        <p:nvSpPr>
+          <p:cNvPr id="23" name="TextBox 22">
+            <a:extLst>
+              <a:ext uri="{FF2B5EF4-FFF2-40B4-BE49-F238E27FC236}">
+                <a16:creationId xmlns:a16="http://schemas.microsoft.com/office/drawing/2014/main" id="{2F812073-D9E9-4E7F-9900-D8573265B15B}"/>
+              </a:ext>
+            </a:extLst>
+          </p:cNvPr>
+          <p:cNvSpPr txBox="1"/>
+          <p:nvPr/>
+        </p:nvSpPr>
+        <p:spPr>
+          <a:xfrm rot="16200000">
+            <a:off x="4266159" y="3691436"/>
+            <a:ext cx="1087605" cy="276999"/>
+          </a:xfrm>
+          <a:prstGeom prst="rect">
+            <a:avLst/>
+          </a:prstGeom>
+          <a:noFill/>
+        </p:spPr>
+        <p:txBody>
+          <a:bodyPr wrap="none" rtlCol="0">
+            <a:spAutoFit/>
+          </a:bodyPr>
+          <a:lstStyle/>
+          <a:p>
+            <a:r>
+              <a:rPr lang="en-US" sz="1200"/>
+              <a:t>Channel offset</a:t>
+            </a:r>
+          </a:p>
+        </p:txBody>
+      </p:sp>
+      <p:sp>
+        <p:nvSpPr>
+          <p:cNvPr id="24" name="TextBox 23">
+            <a:extLst>
+              <a:ext uri="{FF2B5EF4-FFF2-40B4-BE49-F238E27FC236}">
+                <a16:creationId xmlns:a16="http://schemas.microsoft.com/office/drawing/2014/main" id="{F530B678-D10B-4ECD-9FF6-434454E6E100}"/>
+              </a:ext>
+            </a:extLst>
+          </p:cNvPr>
+          <p:cNvSpPr txBox="1"/>
+          <p:nvPr/>
+        </p:nvSpPr>
+        <p:spPr>
+          <a:xfrm>
+            <a:off x="6172012" y="4797258"/>
+            <a:ext cx="818301" cy="276999"/>
+          </a:xfrm>
+          <a:prstGeom prst="rect">
+            <a:avLst/>
+          </a:prstGeom>
+          <a:noFill/>
+        </p:spPr>
+        <p:txBody>
+          <a:bodyPr wrap="none" rtlCol="0">
+            <a:spAutoFit/>
+          </a:bodyPr>
+          <a:lstStyle/>
+          <a:p>
+            <a:r>
+              <a:rPr lang="en-US" sz="1200"/>
+              <a:t>Slot offset</a:t>
+            </a:r>
+          </a:p>
+        </p:txBody>
+      </p:sp>
+      <p:graphicFrame>
+        <p:nvGraphicFramePr>
+          <p:cNvPr id="25" name="Table 24">
+            <a:extLst>
+              <a:ext uri="{FF2B5EF4-FFF2-40B4-BE49-F238E27FC236}">
+                <a16:creationId xmlns:a16="http://schemas.microsoft.com/office/drawing/2014/main" id="{A1AAB994-4A24-4369-A9A3-4243491B3C4C}"/>
+              </a:ext>
+            </a:extLst>
+          </p:cNvPr>
+          <p:cNvGraphicFramePr>
+            <a:graphicFrameLocks noGrp="1"/>
+          </p:cNvGraphicFramePr>
+          <p:nvPr>
+            <p:extLst>
+              <p:ext uri="{D42A27DB-BD31-4B8C-83A1-F6EECF244321}">
+                <p14:modId xmlns:p14="http://schemas.microsoft.com/office/powerpoint/2010/main" val="392408242"/>
+              </p:ext>
+            </p:extLst>
+          </p:nvPr>
+        </p:nvGraphicFramePr>
+        <p:xfrm>
+          <a:off x="4767219" y="2873002"/>
+          <a:ext cx="372628" cy="1716003"/>
+        </p:xfrm>
+        <a:graphic>
+          <a:graphicData uri="http://schemas.openxmlformats.org/drawingml/2006/table">
+            <a:tbl>
+              <a:tblPr>
+                <a:tableStyleId>{2D5ABB26-0587-4C30-8999-92F81FD0307C}</a:tableStyleId>
+              </a:tblPr>
+              <a:tblGrid>
+                <a:gridCol w="372628">
+                  <a:extLst>
+                    <a:ext uri="{9D8B030D-6E8A-4147-A177-3AD203B41FA5}">
+                      <a16:colId xmlns:a16="http://schemas.microsoft.com/office/drawing/2014/main" val="903355286"/>
+                    </a:ext>
+                  </a:extLst>
+                </a:gridCol>
+              </a:tblGrid>
+              <a:tr h="334827">
+                <a:tc>
+                  <a:txBody>
+                    <a:bodyPr/>
+                    <a:lstStyle/>
+                    <a:p>
+                      <a:pPr algn="ctr"/>
+                      <a:r>
+                        <a:rPr lang="en-US" sz="1000"/>
+                        <a:t>15</a:t>
+                      </a:r>
+                    </a:p>
+                  </a:txBody>
+                  <a:tcPr/>
+                </a:tc>
+                <a:extLst>
+                  <a:ext uri="{0D108BD9-81ED-4DB2-BD59-A6C34878D82A}">
+                    <a16:rowId xmlns:a16="http://schemas.microsoft.com/office/drawing/2014/main" val="1266348878"/>
+                  </a:ext>
+                </a:extLst>
+              </a:tr>
+              <a:tr h="345294">
+                <a:tc>
+                  <a:txBody>
+                    <a:bodyPr/>
+                    <a:lstStyle/>
+                    <a:p>
+                      <a:pPr algn="ctr"/>
+                      <a:r>
+                        <a:rPr lang="en-US" sz="1000"/>
+                        <a:t>14</a:t>
+                      </a:r>
+                    </a:p>
+                  </a:txBody>
+                  <a:tcPr/>
+                </a:tc>
+                <a:extLst>
+                  <a:ext uri="{0D108BD9-81ED-4DB2-BD59-A6C34878D82A}">
+                    <a16:rowId xmlns:a16="http://schemas.microsoft.com/office/drawing/2014/main" val="1482820231"/>
+                  </a:ext>
+                </a:extLst>
+              </a:tr>
+              <a:tr h="345294">
+                <a:tc>
+                  <a:txBody>
+                    <a:bodyPr/>
+                    <a:lstStyle/>
+                    <a:p>
+                      <a:pPr algn="ctr"/>
+                      <a:r>
+                        <a:rPr lang="en-US" sz="1000"/>
+                        <a:t>...</a:t>
+                      </a:r>
+                    </a:p>
+                  </a:txBody>
+                  <a:tcPr/>
+                </a:tc>
+                <a:extLst>
+                  <a:ext uri="{0D108BD9-81ED-4DB2-BD59-A6C34878D82A}">
+                    <a16:rowId xmlns:a16="http://schemas.microsoft.com/office/drawing/2014/main" val="3846531932"/>
+                  </a:ext>
+                </a:extLst>
+              </a:tr>
+              <a:tr h="345294">
+                <a:tc>
+                  <a:txBody>
+                    <a:bodyPr/>
+                    <a:lstStyle/>
+                    <a:p>
+                      <a:pPr algn="ctr"/>
+                      <a:r>
+                        <a:rPr lang="en-US" sz="1000"/>
+                        <a:t>1</a:t>
+                      </a:r>
+                    </a:p>
+                  </a:txBody>
+                  <a:tcPr/>
+                </a:tc>
+                <a:extLst>
+                  <a:ext uri="{0D108BD9-81ED-4DB2-BD59-A6C34878D82A}">
+                    <a16:rowId xmlns:a16="http://schemas.microsoft.com/office/drawing/2014/main" val="3812815072"/>
+                  </a:ext>
+                </a:extLst>
+              </a:tr>
+              <a:tr h="345294">
+                <a:tc>
+                  <a:txBody>
+                    <a:bodyPr/>
+                    <a:lstStyle/>
+                    <a:p>
+                      <a:pPr algn="ctr"/>
+                      <a:r>
+                        <a:rPr lang="en-US" sz="1000"/>
+                        <a:t>0</a:t>
+                      </a:r>
+                    </a:p>
+                  </a:txBody>
+                  <a:tcPr/>
+                </a:tc>
+                <a:extLst>
+                  <a:ext uri="{0D108BD9-81ED-4DB2-BD59-A6C34878D82A}">
+                    <a16:rowId xmlns:a16="http://schemas.microsoft.com/office/drawing/2014/main" val="969621430"/>
+                  </a:ext>
+                </a:extLst>
+              </a:tr>
+            </a:tbl>
+          </a:graphicData>
+        </a:graphic>
+      </p:graphicFrame>
+      <p:graphicFrame>
+        <p:nvGraphicFramePr>
+          <p:cNvPr id="29" name="Table 28">
+            <a:extLst>
+              <a:ext uri="{FF2B5EF4-FFF2-40B4-BE49-F238E27FC236}">
+                <a16:creationId xmlns:a16="http://schemas.microsoft.com/office/drawing/2014/main" id="{84430776-D9AF-404D-8417-476E230A3BAB}"/>
+              </a:ext>
+            </a:extLst>
+          </p:cNvPr>
+          <p:cNvGraphicFramePr>
+            <a:graphicFrameLocks noGrp="1"/>
+          </p:cNvGraphicFramePr>
+          <p:nvPr>
+            <p:extLst>
+              <p:ext uri="{D42A27DB-BD31-4B8C-83A1-F6EECF244321}">
+                <p14:modId xmlns:p14="http://schemas.microsoft.com/office/powerpoint/2010/main" val="3158036739"/>
+              </p:ext>
+            </p:extLst>
+          </p:nvPr>
+        </p:nvGraphicFramePr>
+        <p:xfrm>
+          <a:off x="5189638" y="4641981"/>
+          <a:ext cx="2601522" cy="276999"/>
+        </p:xfrm>
+        <a:graphic>
+          <a:graphicData uri="http://schemas.openxmlformats.org/drawingml/2006/table">
+            <a:tbl>
+              <a:tblPr>
+                <a:tableStyleId>{2D5ABB26-0587-4C30-8999-92F81FD0307C}</a:tableStyleId>
+              </a:tblPr>
+              <a:tblGrid>
+                <a:gridCol w="433587">
+                  <a:extLst>
+                    <a:ext uri="{9D8B030D-6E8A-4147-A177-3AD203B41FA5}">
+                      <a16:colId xmlns:a16="http://schemas.microsoft.com/office/drawing/2014/main" val="386487912"/>
+                    </a:ext>
+                  </a:extLst>
+                </a:gridCol>
+                <a:gridCol w="433587">
+                  <a:extLst>
+                    <a:ext uri="{9D8B030D-6E8A-4147-A177-3AD203B41FA5}">
+                      <a16:colId xmlns:a16="http://schemas.microsoft.com/office/drawing/2014/main" val="3813988776"/>
+                    </a:ext>
+                  </a:extLst>
+                </a:gridCol>
+                <a:gridCol w="433587">
+                  <a:extLst>
+                    <a:ext uri="{9D8B030D-6E8A-4147-A177-3AD203B41FA5}">
+                      <a16:colId xmlns:a16="http://schemas.microsoft.com/office/drawing/2014/main" val="3236057705"/>
+                    </a:ext>
+                  </a:extLst>
+                </a:gridCol>
+                <a:gridCol w="433587">
+                  <a:extLst>
+                    <a:ext uri="{9D8B030D-6E8A-4147-A177-3AD203B41FA5}">
+                      <a16:colId xmlns:a16="http://schemas.microsoft.com/office/drawing/2014/main" val="1612332911"/>
+                    </a:ext>
+                  </a:extLst>
+                </a:gridCol>
+                <a:gridCol w="433587">
+                  <a:extLst>
+                    <a:ext uri="{9D8B030D-6E8A-4147-A177-3AD203B41FA5}">
+                      <a16:colId xmlns:a16="http://schemas.microsoft.com/office/drawing/2014/main" val="1789743125"/>
+                    </a:ext>
+                  </a:extLst>
+                </a:gridCol>
+                <a:gridCol w="433587">
+                  <a:extLst>
+                    <a:ext uri="{9D8B030D-6E8A-4147-A177-3AD203B41FA5}">
+                      <a16:colId xmlns:a16="http://schemas.microsoft.com/office/drawing/2014/main" val="3687282717"/>
+                    </a:ext>
+                  </a:extLst>
+                </a:gridCol>
+              </a:tblGrid>
+              <a:tr h="276999">
+                <a:tc>
+                  <a:txBody>
+                    <a:bodyPr/>
+                    <a:lstStyle/>
+                    <a:p>
+                      <a:pPr algn="ctr"/>
+                      <a:r>
+                        <a:rPr lang="en-US" sz="1000"/>
+                        <a:t>0</a:t>
+                      </a:r>
+                    </a:p>
+                  </a:txBody>
+                  <a:tcPr/>
+                </a:tc>
+                <a:tc>
+                  <a:txBody>
+                    <a:bodyPr/>
+                    <a:lstStyle/>
+                    <a:p>
+                      <a:pPr algn="ctr"/>
+                      <a:r>
+                        <a:rPr lang="en-US" sz="1000"/>
+                        <a:t>1</a:t>
+                      </a:r>
+                    </a:p>
+                  </a:txBody>
+                  <a:tcPr/>
+                </a:tc>
+                <a:tc>
+                  <a:txBody>
+                    <a:bodyPr/>
+                    <a:lstStyle/>
+                    <a:p>
+                      <a:pPr algn="ctr"/>
+                      <a:r>
+                        <a:rPr lang="en-US" sz="1000"/>
+                        <a:t>…</a:t>
+                      </a:r>
+                    </a:p>
+                  </a:txBody>
+                  <a:tcPr/>
+                </a:tc>
+                <a:tc>
+                  <a:txBody>
+                    <a:bodyPr/>
+                    <a:lstStyle/>
+                    <a:p>
+                      <a:pPr algn="ctr"/>
+                      <a:r>
+                        <a:rPr lang="en-US" sz="1000"/>
+                        <a:t>100</a:t>
+                      </a:r>
+                    </a:p>
+                  </a:txBody>
+                  <a:tcPr/>
+                </a:tc>
+                <a:tc>
+                  <a:txBody>
+                    <a:bodyPr/>
+                    <a:lstStyle/>
+                    <a:p>
+                      <a:pPr algn="ctr"/>
+                      <a:r>
+                        <a:rPr lang="en-US" sz="1000"/>
+                        <a:t>0</a:t>
+                      </a:r>
+                    </a:p>
+                  </a:txBody>
+                  <a:tcPr/>
+                </a:tc>
+                <a:tc>
+                  <a:txBody>
+                    <a:bodyPr/>
+                    <a:lstStyle/>
+                    <a:p>
+                      <a:pPr algn="ctr"/>
+                      <a:r>
+                        <a:rPr lang="en-US" sz="1000"/>
+                        <a:t>1</a:t>
+                      </a:r>
+                    </a:p>
+                  </a:txBody>
+                  <a:tcPr/>
+                </a:tc>
+                <a:extLst>
+                  <a:ext uri="{0D108BD9-81ED-4DB2-BD59-A6C34878D82A}">
+                    <a16:rowId xmlns:a16="http://schemas.microsoft.com/office/drawing/2014/main" val="2052263577"/>
+                  </a:ext>
+                </a:extLst>
+              </a:tr>
+            </a:tbl>
+          </a:graphicData>
+        </a:graphic>
+      </p:graphicFrame>
+      <p:cxnSp>
+        <p:nvCxnSpPr>
+          <p:cNvPr id="34" name="Straight Arrow Connector 33">
+            <a:extLst>
+              <a:ext uri="{FF2B5EF4-FFF2-40B4-BE49-F238E27FC236}">
+                <a16:creationId xmlns:a16="http://schemas.microsoft.com/office/drawing/2014/main" id="{3EF4E136-FC0C-48EA-825F-BA5EB6823241}"/>
+              </a:ext>
+            </a:extLst>
+          </p:cNvPr>
+          <p:cNvCxnSpPr/>
+          <p:nvPr/>
+        </p:nvCxnSpPr>
+        <p:spPr>
+          <a:xfrm>
+            <a:off x="5189638" y="2759978"/>
+            <a:ext cx="1731279" cy="0"/>
+          </a:xfrm>
+          <a:prstGeom prst="straightConnector1">
+            <a:avLst/>
+          </a:prstGeom>
+          <a:ln>
+            <a:headEnd type="triangle"/>
+            <a:tailEnd type="triangle"/>
+          </a:ln>
+        </p:spPr>
+        <p:style>
+          <a:lnRef idx="1">
+            <a:schemeClr val="accent1"/>
+          </a:lnRef>
+          <a:fillRef idx="0">
+            <a:schemeClr val="accent1"/>
+          </a:fillRef>
+          <a:effectRef idx="0">
+            <a:schemeClr val="accent1"/>
+          </a:effectRef>
+          <a:fontRef idx="minor">
+            <a:schemeClr val="tx1"/>
+          </a:fontRef>
+        </p:style>
+      </p:cxnSp>
+      <p:sp>
+        <p:nvSpPr>
+          <p:cNvPr id="35" name="TextBox 34">
+            <a:extLst>
+              <a:ext uri="{FF2B5EF4-FFF2-40B4-BE49-F238E27FC236}">
+                <a16:creationId xmlns:a16="http://schemas.microsoft.com/office/drawing/2014/main" id="{AD3859E3-74CF-49AC-AB7D-7C87619D44C6}"/>
+              </a:ext>
+            </a:extLst>
+          </p:cNvPr>
+          <p:cNvSpPr txBox="1"/>
+          <p:nvPr/>
+        </p:nvSpPr>
+        <p:spPr>
+          <a:xfrm>
+            <a:off x="5686849" y="2540474"/>
+            <a:ext cx="829138" cy="276999"/>
+          </a:xfrm>
+          <a:prstGeom prst="rect">
+            <a:avLst/>
+          </a:prstGeom>
+          <a:noFill/>
+        </p:spPr>
+        <p:txBody>
+          <a:bodyPr wrap="none" rtlCol="0">
+            <a:spAutoFit/>
+          </a:bodyPr>
+          <a:lstStyle/>
+          <a:p>
+            <a:r>
+              <a:rPr lang="en-US" sz="1200"/>
+              <a:t>Slot frame</a:t>
+            </a:r>
+          </a:p>
+        </p:txBody>
+      </p:sp>
+      <p:cxnSp>
+        <p:nvCxnSpPr>
+          <p:cNvPr id="37" name="Straight Arrow Connector 36">
+            <a:extLst>
+              <a:ext uri="{FF2B5EF4-FFF2-40B4-BE49-F238E27FC236}">
+                <a16:creationId xmlns:a16="http://schemas.microsoft.com/office/drawing/2014/main" id="{50586818-972D-41BF-B914-E06F95C17A5A}"/>
+              </a:ext>
+            </a:extLst>
+          </p:cNvPr>
+          <p:cNvCxnSpPr>
+            <a:cxnSpLocks/>
+          </p:cNvCxnSpPr>
+          <p:nvPr/>
+        </p:nvCxnSpPr>
+        <p:spPr>
+          <a:xfrm flipH="1">
+            <a:off x="6920917" y="2759978"/>
+            <a:ext cx="870243" cy="0"/>
+          </a:xfrm>
+          <a:prstGeom prst="straightConnector1">
+            <a:avLst/>
+          </a:prstGeom>
+          <a:ln>
+            <a:tailEnd type="triangle"/>
+          </a:ln>
+        </p:spPr>
+        <p:style>
+          <a:lnRef idx="1">
+            <a:schemeClr val="accent1"/>
+          </a:lnRef>
+          <a:fillRef idx="0">
+            <a:schemeClr val="accent1"/>
+          </a:fillRef>
+          <a:effectRef idx="0">
+            <a:schemeClr val="accent1"/>
+          </a:effectRef>
+          <a:fontRef idx="minor">
+            <a:schemeClr val="tx1"/>
+          </a:fontRef>
+        </p:style>
+      </p:cxnSp>
+      <p:graphicFrame>
+        <p:nvGraphicFramePr>
+          <p:cNvPr id="40" name="Table 39">
+            <a:extLst>
+              <a:ext uri="{FF2B5EF4-FFF2-40B4-BE49-F238E27FC236}">
+                <a16:creationId xmlns:a16="http://schemas.microsoft.com/office/drawing/2014/main" id="{E4CF2F1B-14BB-43F0-A02E-BEC4219F2508}"/>
+              </a:ext>
+            </a:extLst>
+          </p:cNvPr>
+          <p:cNvGraphicFramePr>
+            <a:graphicFrameLocks noGrp="1"/>
+          </p:cNvGraphicFramePr>
+          <p:nvPr>
+            <p:extLst>
+              <p:ext uri="{D42A27DB-BD31-4B8C-83A1-F6EECF244321}">
+                <p14:modId xmlns:p14="http://schemas.microsoft.com/office/powerpoint/2010/main" val="2429368748"/>
+              </p:ext>
+            </p:extLst>
+          </p:nvPr>
+        </p:nvGraphicFramePr>
+        <p:xfrm>
+          <a:off x="7740826" y="2866011"/>
+          <a:ext cx="353347" cy="1716003"/>
+        </p:xfrm>
+        <a:graphic>
+          <a:graphicData uri="http://schemas.openxmlformats.org/drawingml/2006/table">
+            <a:tbl>
+              <a:tblPr>
+                <a:tableStyleId>{2D5ABB26-0587-4C30-8999-92F81FD0307C}</a:tableStyleId>
+              </a:tblPr>
+              <a:tblGrid>
+                <a:gridCol w="353347">
+                  <a:extLst>
+                    <a:ext uri="{9D8B030D-6E8A-4147-A177-3AD203B41FA5}">
+                      <a16:colId xmlns:a16="http://schemas.microsoft.com/office/drawing/2014/main" val="903355286"/>
+                    </a:ext>
+                  </a:extLst>
+                </a:gridCol>
+              </a:tblGrid>
+              <a:tr h="334827">
+                <a:tc>
+                  <a:txBody>
+                    <a:bodyPr/>
+                    <a:lstStyle/>
+                    <a:p>
+                      <a:pPr algn="ctr"/>
+                      <a:endParaRPr lang="en-US" sz="1000"/>
+                    </a:p>
+                  </a:txBody>
+                  <a:tcPr/>
+                </a:tc>
+                <a:extLst>
+                  <a:ext uri="{0D108BD9-81ED-4DB2-BD59-A6C34878D82A}">
+                    <a16:rowId xmlns:a16="http://schemas.microsoft.com/office/drawing/2014/main" val="1266348878"/>
+                  </a:ext>
+                </a:extLst>
+              </a:tr>
+              <a:tr h="345294">
+                <a:tc>
+                  <a:txBody>
+                    <a:bodyPr/>
+                    <a:lstStyle/>
+                    <a:p>
+                      <a:pPr algn="ctr"/>
+                      <a:endParaRPr lang="en-US" sz="1000"/>
+                    </a:p>
+                  </a:txBody>
+                  <a:tcPr/>
+                </a:tc>
+                <a:extLst>
+                  <a:ext uri="{0D108BD9-81ED-4DB2-BD59-A6C34878D82A}">
+                    <a16:rowId xmlns:a16="http://schemas.microsoft.com/office/drawing/2014/main" val="1482820231"/>
+                  </a:ext>
+                </a:extLst>
+              </a:tr>
+              <a:tr h="345294">
+                <a:tc>
+                  <a:txBody>
+                    <a:bodyPr/>
+                    <a:lstStyle/>
+                    <a:p>
+                      <a:pPr algn="ctr"/>
+                      <a:r>
+                        <a:rPr lang="en-US" sz="1000"/>
+                        <a:t>...</a:t>
+                      </a:r>
+                    </a:p>
+                  </a:txBody>
+                  <a:tcPr/>
+                </a:tc>
+                <a:extLst>
+                  <a:ext uri="{0D108BD9-81ED-4DB2-BD59-A6C34878D82A}">
+                    <a16:rowId xmlns:a16="http://schemas.microsoft.com/office/drawing/2014/main" val="3846531932"/>
+                  </a:ext>
+                </a:extLst>
+              </a:tr>
+              <a:tr h="345294">
+                <a:tc>
+                  <a:txBody>
+                    <a:bodyPr/>
+                    <a:lstStyle/>
+                    <a:p>
+                      <a:pPr algn="ctr"/>
+                      <a:endParaRPr lang="en-US" sz="1000"/>
+                    </a:p>
+                  </a:txBody>
+                  <a:tcPr/>
+                </a:tc>
+                <a:extLst>
+                  <a:ext uri="{0D108BD9-81ED-4DB2-BD59-A6C34878D82A}">
+                    <a16:rowId xmlns:a16="http://schemas.microsoft.com/office/drawing/2014/main" val="3812815072"/>
+                  </a:ext>
+                </a:extLst>
+              </a:tr>
+              <a:tr h="345294">
+                <a:tc>
+                  <a:txBody>
+                    <a:bodyPr/>
+                    <a:lstStyle/>
+                    <a:p>
+                      <a:pPr algn="ctr"/>
+                      <a:endParaRPr lang="en-US" sz="1000"/>
+                    </a:p>
+                  </a:txBody>
+                  <a:tcPr/>
+                </a:tc>
+                <a:extLst>
+                  <a:ext uri="{0D108BD9-81ED-4DB2-BD59-A6C34878D82A}">
+                    <a16:rowId xmlns:a16="http://schemas.microsoft.com/office/drawing/2014/main" val="969621430"/>
+                  </a:ext>
+                </a:extLst>
+              </a:tr>
+            </a:tbl>
+          </a:graphicData>
+        </a:graphic>
+      </p:graphicFrame>
+    </p:spTree>
+    <p:extLst>
+      <p:ext uri="{BB962C8B-B14F-4D97-AF65-F5344CB8AC3E}">
+        <p14:creationId xmlns:p14="http://schemas.microsoft.com/office/powerpoint/2010/main" val="3852312433"/>
+      </p:ext>
+    </p:extLst>
+  </p:cSld>
+  <p:clrMapOvr>
+    <a:masterClrMapping/>
+  </p:clrMapOvr>
+</p:sld>
+</file>
+
 <file path=ppt/theme/theme1.xml><?xml version="1.0" encoding="utf-8"?>
 <a:theme xmlns:a="http://schemas.openxmlformats.org/drawingml/2006/main" name="Office Theme">
   <a:themeElements>

--- a/References/huy_draft.pptx
+++ b/References/huy_draft.pptx
@@ -11,6 +11,7 @@
     <p:sldId id="259" r:id="rId5"/>
     <p:sldId id="260" r:id="rId6"/>
     <p:sldId id="261" r:id="rId7"/>
+    <p:sldId id="262" r:id="rId8"/>
   </p:sldIdLst>
   <p:sldSz cx="12192000" cy="6858000"/>
   <p:notesSz cx="6858000" cy="9144000"/>
@@ -264,7 +265,7 @@
           <a:p>
             <a:fld id="{F46336BD-2A7D-4CB1-A425-EDBB44797913}" type="datetimeFigureOut">
               <a:rPr lang="en-US" smtClean="0"/>
-              <a:t>10/6/2020</a:t>
+              <a:t>10/7/2020</a:t>
             </a:fld>
             <a:endParaRPr lang="en-US"/>
           </a:p>
@@ -462,7 +463,7 @@
           <a:p>
             <a:fld id="{F46336BD-2A7D-4CB1-A425-EDBB44797913}" type="datetimeFigureOut">
               <a:rPr lang="en-US" smtClean="0"/>
-              <a:t>10/6/2020</a:t>
+              <a:t>10/7/2020</a:t>
             </a:fld>
             <a:endParaRPr lang="en-US"/>
           </a:p>
@@ -670,7 +671,7 @@
           <a:p>
             <a:fld id="{F46336BD-2A7D-4CB1-A425-EDBB44797913}" type="datetimeFigureOut">
               <a:rPr lang="en-US" smtClean="0"/>
-              <a:t>10/6/2020</a:t>
+              <a:t>10/7/2020</a:t>
             </a:fld>
             <a:endParaRPr lang="en-US"/>
           </a:p>
@@ -868,7 +869,7 @@
           <a:p>
             <a:fld id="{F46336BD-2A7D-4CB1-A425-EDBB44797913}" type="datetimeFigureOut">
               <a:rPr lang="en-US" smtClean="0"/>
-              <a:t>10/6/2020</a:t>
+              <a:t>10/7/2020</a:t>
             </a:fld>
             <a:endParaRPr lang="en-US"/>
           </a:p>
@@ -1143,7 +1144,7 @@
           <a:p>
             <a:fld id="{F46336BD-2A7D-4CB1-A425-EDBB44797913}" type="datetimeFigureOut">
               <a:rPr lang="en-US" smtClean="0"/>
-              <a:t>10/6/2020</a:t>
+              <a:t>10/7/2020</a:t>
             </a:fld>
             <a:endParaRPr lang="en-US"/>
           </a:p>
@@ -1408,7 +1409,7 @@
           <a:p>
             <a:fld id="{F46336BD-2A7D-4CB1-A425-EDBB44797913}" type="datetimeFigureOut">
               <a:rPr lang="en-US" smtClean="0"/>
-              <a:t>10/6/2020</a:t>
+              <a:t>10/7/2020</a:t>
             </a:fld>
             <a:endParaRPr lang="en-US"/>
           </a:p>
@@ -1820,7 +1821,7 @@
           <a:p>
             <a:fld id="{F46336BD-2A7D-4CB1-A425-EDBB44797913}" type="datetimeFigureOut">
               <a:rPr lang="en-US" smtClean="0"/>
-              <a:t>10/6/2020</a:t>
+              <a:t>10/7/2020</a:t>
             </a:fld>
             <a:endParaRPr lang="en-US"/>
           </a:p>
@@ -1961,7 +1962,7 @@
           <a:p>
             <a:fld id="{F46336BD-2A7D-4CB1-A425-EDBB44797913}" type="datetimeFigureOut">
               <a:rPr lang="en-US" smtClean="0"/>
-              <a:t>10/6/2020</a:t>
+              <a:t>10/7/2020</a:t>
             </a:fld>
             <a:endParaRPr lang="en-US"/>
           </a:p>
@@ -2074,7 +2075,7 @@
           <a:p>
             <a:fld id="{F46336BD-2A7D-4CB1-A425-EDBB44797913}" type="datetimeFigureOut">
               <a:rPr lang="en-US" smtClean="0"/>
-              <a:t>10/6/2020</a:t>
+              <a:t>10/7/2020</a:t>
             </a:fld>
             <a:endParaRPr lang="en-US"/>
           </a:p>
@@ -2385,7 +2386,7 @@
           <a:p>
             <a:fld id="{F46336BD-2A7D-4CB1-A425-EDBB44797913}" type="datetimeFigureOut">
               <a:rPr lang="en-US" smtClean="0"/>
-              <a:t>10/6/2020</a:t>
+              <a:t>10/7/2020</a:t>
             </a:fld>
             <a:endParaRPr lang="en-US"/>
           </a:p>
@@ -2673,7 +2674,7 @@
           <a:p>
             <a:fld id="{F46336BD-2A7D-4CB1-A425-EDBB44797913}" type="datetimeFigureOut">
               <a:rPr lang="en-US" smtClean="0"/>
-              <a:t>10/6/2020</a:t>
+              <a:t>10/7/2020</a:t>
             </a:fld>
             <a:endParaRPr lang="en-US"/>
           </a:p>
@@ -2914,7 +2915,7 @@
           <a:p>
             <a:fld id="{F46336BD-2A7D-4CB1-A425-EDBB44797913}" type="datetimeFigureOut">
               <a:rPr lang="en-US" smtClean="0"/>
-              <a:t>10/6/2020</a:t>
+              <a:t>10/7/2020</a:t>
             </a:fld>
             <a:endParaRPr lang="en-US"/>
           </a:p>
@@ -21792,6 +21793,1702 @@
 </p:sld>
 </file>
 
+<file path=ppt/slides/slide7.xml><?xml version="1.0" encoding="utf-8"?>
+<p:sld xmlns:a="http://schemas.openxmlformats.org/drawingml/2006/main" xmlns:r="http://schemas.openxmlformats.org/officeDocument/2006/relationships" xmlns:p="http://schemas.openxmlformats.org/presentationml/2006/main">
+  <p:cSld>
+    <p:spTree>
+      <p:nvGrpSpPr>
+        <p:cNvPr id="1" name=""/>
+        <p:cNvGrpSpPr/>
+        <p:nvPr/>
+      </p:nvGrpSpPr>
+      <p:grpSpPr>
+        <a:xfrm>
+          <a:off x="0" y="0"/>
+          <a:ext cx="0" cy="0"/>
+          <a:chOff x="0" y="0"/>
+          <a:chExt cx="0" cy="0"/>
+        </a:xfrm>
+      </p:grpSpPr>
+      <p:grpSp>
+        <p:nvGrpSpPr>
+          <p:cNvPr id="84" name="Group 83">
+            <a:extLst>
+              <a:ext uri="{FF2B5EF4-FFF2-40B4-BE49-F238E27FC236}">
+                <a16:creationId xmlns:a16="http://schemas.microsoft.com/office/drawing/2014/main" id="{4E858B05-19B7-4C9A-B13F-D0674ADA5861}"/>
+              </a:ext>
+            </a:extLst>
+          </p:cNvPr>
+          <p:cNvGrpSpPr/>
+          <p:nvPr/>
+        </p:nvGrpSpPr>
+        <p:grpSpPr>
+          <a:xfrm>
+            <a:off x="3113713" y="192946"/>
+            <a:ext cx="8257566" cy="4688736"/>
+            <a:chOff x="3113713" y="192946"/>
+            <a:chExt cx="8257566" cy="4688736"/>
+          </a:xfrm>
+        </p:grpSpPr>
+        <p:sp>
+          <p:nvSpPr>
+            <p:cNvPr id="2" name="Rectangle 1">
+              <a:extLst>
+                <a:ext uri="{FF2B5EF4-FFF2-40B4-BE49-F238E27FC236}">
+                  <a16:creationId xmlns:a16="http://schemas.microsoft.com/office/drawing/2014/main" id="{AFEBA696-B4C0-464C-9472-611B1CF92C3C}"/>
+                </a:ext>
+              </a:extLst>
+            </p:cNvPr>
+            <p:cNvSpPr/>
+            <p:nvPr/>
+          </p:nvSpPr>
+          <p:spPr>
+            <a:xfrm>
+              <a:off x="5217952" y="192946"/>
+              <a:ext cx="2172748" cy="503339"/>
+            </a:xfrm>
+            <a:prstGeom prst="rect">
+              <a:avLst/>
+            </a:prstGeom>
+          </p:spPr>
+          <p:style>
+            <a:lnRef idx="2">
+              <a:schemeClr val="dk1"/>
+            </a:lnRef>
+            <a:fillRef idx="1">
+              <a:schemeClr val="lt1"/>
+            </a:fillRef>
+            <a:effectRef idx="0">
+              <a:schemeClr val="dk1"/>
+            </a:effectRef>
+            <a:fontRef idx="minor">
+              <a:schemeClr val="dk1"/>
+            </a:fontRef>
+          </p:style>
+          <p:txBody>
+            <a:bodyPr rtlCol="0" anchor="ctr"/>
+            <a:lstStyle/>
+            <a:p>
+              <a:pPr algn="ctr"/>
+              <a:r>
+                <a:rPr lang="en-US"/>
+                <a:t>Link Quality Estimators (LQEs)</a:t>
+              </a:r>
+            </a:p>
+          </p:txBody>
+        </p:sp>
+        <p:cxnSp>
+          <p:nvCxnSpPr>
+            <p:cNvPr id="11" name="Connector: Elbow 10">
+              <a:extLst>
+                <a:ext uri="{FF2B5EF4-FFF2-40B4-BE49-F238E27FC236}">
+                  <a16:creationId xmlns:a16="http://schemas.microsoft.com/office/drawing/2014/main" id="{CFC15B04-9618-4744-97BA-3C147C669480}"/>
+                </a:ext>
+              </a:extLst>
+            </p:cNvPr>
+            <p:cNvCxnSpPr>
+              <a:cxnSpLocks/>
+              <a:stCxn id="2" idx="2"/>
+              <a:endCxn id="13" idx="0"/>
+            </p:cNvCxnSpPr>
+            <p:nvPr/>
+          </p:nvCxnSpPr>
+          <p:spPr>
+            <a:xfrm rot="5400000">
+              <a:off x="4842196" y="-93327"/>
+              <a:ext cx="672518" cy="2251743"/>
+            </a:xfrm>
+            <a:prstGeom prst="bentConnector3">
+              <a:avLst>
+                <a:gd name="adj1" fmla="val 50000"/>
+              </a:avLst>
+            </a:prstGeom>
+            <a:ln w="12700">
+              <a:solidFill>
+                <a:schemeClr val="tx1"/>
+              </a:solidFill>
+            </a:ln>
+          </p:spPr>
+          <p:style>
+            <a:lnRef idx="1">
+              <a:schemeClr val="accent1"/>
+            </a:lnRef>
+            <a:fillRef idx="0">
+              <a:schemeClr val="accent1"/>
+            </a:fillRef>
+            <a:effectRef idx="0">
+              <a:schemeClr val="accent1"/>
+            </a:effectRef>
+            <a:fontRef idx="minor">
+              <a:schemeClr val="tx1"/>
+            </a:fontRef>
+          </p:style>
+        </p:cxnSp>
+        <p:sp>
+          <p:nvSpPr>
+            <p:cNvPr id="13" name="Rectangle 12">
+              <a:extLst>
+                <a:ext uri="{FF2B5EF4-FFF2-40B4-BE49-F238E27FC236}">
+                  <a16:creationId xmlns:a16="http://schemas.microsoft.com/office/drawing/2014/main" id="{FAA5CE5C-8267-44EF-8972-8E6FDE451D80}"/>
+                </a:ext>
+              </a:extLst>
+            </p:cNvPr>
+            <p:cNvSpPr/>
+            <p:nvPr/>
+          </p:nvSpPr>
+          <p:spPr>
+            <a:xfrm>
+              <a:off x="3113714" y="1368803"/>
+              <a:ext cx="1877737" cy="501941"/>
+            </a:xfrm>
+            <a:prstGeom prst="rect">
+              <a:avLst/>
+            </a:prstGeom>
+          </p:spPr>
+          <p:style>
+            <a:lnRef idx="2">
+              <a:schemeClr val="dk1"/>
+            </a:lnRef>
+            <a:fillRef idx="1">
+              <a:schemeClr val="lt1"/>
+            </a:fillRef>
+            <a:effectRef idx="0">
+              <a:schemeClr val="dk1"/>
+            </a:effectRef>
+            <a:fontRef idx="minor">
+              <a:schemeClr val="dk1"/>
+            </a:fontRef>
+          </p:style>
+          <p:txBody>
+            <a:bodyPr rtlCol="0" anchor="ctr"/>
+            <a:lstStyle/>
+            <a:p>
+              <a:pPr algn="ctr"/>
+              <a:r>
+                <a:rPr lang="en-US"/>
+                <a:t>Hardware-based</a:t>
+              </a:r>
+            </a:p>
+          </p:txBody>
+        </p:sp>
+        <p:sp>
+          <p:nvSpPr>
+            <p:cNvPr id="14" name="Rectangle 13">
+              <a:extLst>
+                <a:ext uri="{FF2B5EF4-FFF2-40B4-BE49-F238E27FC236}">
+                  <a16:creationId xmlns:a16="http://schemas.microsoft.com/office/drawing/2014/main" id="{A6D807F5-2CFD-4BC6-ACED-EFDD8443B781}"/>
+                </a:ext>
+              </a:extLst>
+            </p:cNvPr>
+            <p:cNvSpPr/>
+            <p:nvPr/>
+          </p:nvSpPr>
+          <p:spPr>
+            <a:xfrm>
+              <a:off x="7997504" y="1371599"/>
+              <a:ext cx="1877737" cy="501941"/>
+            </a:xfrm>
+            <a:prstGeom prst="rect">
+              <a:avLst/>
+            </a:prstGeom>
+          </p:spPr>
+          <p:style>
+            <a:lnRef idx="2">
+              <a:schemeClr val="dk1"/>
+            </a:lnRef>
+            <a:fillRef idx="1">
+              <a:schemeClr val="lt1"/>
+            </a:fillRef>
+            <a:effectRef idx="0">
+              <a:schemeClr val="dk1"/>
+            </a:effectRef>
+            <a:fontRef idx="minor">
+              <a:schemeClr val="dk1"/>
+            </a:fontRef>
+          </p:style>
+          <p:txBody>
+            <a:bodyPr rtlCol="0" anchor="ctr"/>
+            <a:lstStyle/>
+            <a:p>
+              <a:pPr algn="ctr"/>
+              <a:r>
+                <a:rPr lang="en-US"/>
+                <a:t>Software-based</a:t>
+              </a:r>
+            </a:p>
+          </p:txBody>
+        </p:sp>
+        <p:sp>
+          <p:nvSpPr>
+            <p:cNvPr id="15" name="Rectangle 14">
+              <a:extLst>
+                <a:ext uri="{FF2B5EF4-FFF2-40B4-BE49-F238E27FC236}">
+                  <a16:creationId xmlns:a16="http://schemas.microsoft.com/office/drawing/2014/main" id="{FBB48114-FB56-48B3-9EED-B8A18A41DBFB}"/>
+                </a:ext>
+              </a:extLst>
+            </p:cNvPr>
+            <p:cNvSpPr/>
+            <p:nvPr/>
+          </p:nvSpPr>
+          <p:spPr>
+            <a:xfrm>
+              <a:off x="3398941" y="2406241"/>
+              <a:ext cx="1349230" cy="501941"/>
+            </a:xfrm>
+            <a:prstGeom prst="rect">
+              <a:avLst/>
+            </a:prstGeom>
+          </p:spPr>
+          <p:style>
+            <a:lnRef idx="2">
+              <a:schemeClr val="dk1"/>
+            </a:lnRef>
+            <a:fillRef idx="1">
+              <a:schemeClr val="lt1"/>
+            </a:fillRef>
+            <a:effectRef idx="0">
+              <a:schemeClr val="dk1"/>
+            </a:effectRef>
+            <a:fontRef idx="minor">
+              <a:schemeClr val="dk1"/>
+            </a:fontRef>
+          </p:style>
+          <p:txBody>
+            <a:bodyPr rtlCol="0" anchor="ctr"/>
+            <a:lstStyle/>
+            <a:p>
+              <a:pPr algn="ctr"/>
+              <a:r>
+                <a:rPr lang="en-US"/>
+                <a:t>RSSI</a:t>
+              </a:r>
+            </a:p>
+          </p:txBody>
+        </p:sp>
+        <p:sp>
+          <p:nvSpPr>
+            <p:cNvPr id="16" name="Rectangle 15">
+              <a:extLst>
+                <a:ext uri="{FF2B5EF4-FFF2-40B4-BE49-F238E27FC236}">
+                  <a16:creationId xmlns:a16="http://schemas.microsoft.com/office/drawing/2014/main" id="{EAE4D18D-A588-4BAB-8011-BA9A0792ECB5}"/>
+                </a:ext>
+              </a:extLst>
+            </p:cNvPr>
+            <p:cNvSpPr/>
+            <p:nvPr/>
+          </p:nvSpPr>
+          <p:spPr>
+            <a:xfrm>
+              <a:off x="3398940" y="3176630"/>
+              <a:ext cx="1349231" cy="501941"/>
+            </a:xfrm>
+            <a:prstGeom prst="rect">
+              <a:avLst/>
+            </a:prstGeom>
+          </p:spPr>
+          <p:style>
+            <a:lnRef idx="2">
+              <a:schemeClr val="dk1"/>
+            </a:lnRef>
+            <a:fillRef idx="1">
+              <a:schemeClr val="lt1"/>
+            </a:fillRef>
+            <a:effectRef idx="0">
+              <a:schemeClr val="dk1"/>
+            </a:effectRef>
+            <a:fontRef idx="minor">
+              <a:schemeClr val="dk1"/>
+            </a:fontRef>
+          </p:style>
+          <p:txBody>
+            <a:bodyPr rtlCol="0" anchor="ctr"/>
+            <a:lstStyle/>
+            <a:p>
+              <a:pPr algn="ctr"/>
+              <a:r>
+                <a:rPr lang="en-US"/>
+                <a:t>LQI</a:t>
+              </a:r>
+            </a:p>
+          </p:txBody>
+        </p:sp>
+        <p:sp>
+          <p:nvSpPr>
+            <p:cNvPr id="17" name="Rectangle 16">
+              <a:extLst>
+                <a:ext uri="{FF2B5EF4-FFF2-40B4-BE49-F238E27FC236}">
+                  <a16:creationId xmlns:a16="http://schemas.microsoft.com/office/drawing/2014/main" id="{10BD3B95-5F27-40D0-958B-AD42D1095BCA}"/>
+                </a:ext>
+              </a:extLst>
+            </p:cNvPr>
+            <p:cNvSpPr/>
+            <p:nvPr/>
+          </p:nvSpPr>
+          <p:spPr>
+            <a:xfrm>
+              <a:off x="3398940" y="3947019"/>
+              <a:ext cx="1349230" cy="501941"/>
+            </a:xfrm>
+            <a:prstGeom prst="rect">
+              <a:avLst/>
+            </a:prstGeom>
+          </p:spPr>
+          <p:style>
+            <a:lnRef idx="2">
+              <a:schemeClr val="dk1"/>
+            </a:lnRef>
+            <a:fillRef idx="1">
+              <a:schemeClr val="lt1"/>
+            </a:fillRef>
+            <a:effectRef idx="0">
+              <a:schemeClr val="dk1"/>
+            </a:effectRef>
+            <a:fontRef idx="minor">
+              <a:schemeClr val="dk1"/>
+            </a:fontRef>
+          </p:style>
+          <p:txBody>
+            <a:bodyPr rtlCol="0" anchor="ctr"/>
+            <a:lstStyle/>
+            <a:p>
+              <a:pPr algn="ctr"/>
+              <a:r>
+                <a:rPr lang="en-US"/>
+                <a:t>SNR</a:t>
+              </a:r>
+            </a:p>
+          </p:txBody>
+        </p:sp>
+        <p:cxnSp>
+          <p:nvCxnSpPr>
+            <p:cNvPr id="18" name="Connector: Elbow 17">
+              <a:extLst>
+                <a:ext uri="{FF2B5EF4-FFF2-40B4-BE49-F238E27FC236}">
+                  <a16:creationId xmlns:a16="http://schemas.microsoft.com/office/drawing/2014/main" id="{C127308B-EE83-4BC1-B819-77EC4E31B317}"/>
+                </a:ext>
+              </a:extLst>
+            </p:cNvPr>
+            <p:cNvCxnSpPr>
+              <a:cxnSpLocks/>
+              <a:stCxn id="13" idx="1"/>
+              <a:endCxn id="17" idx="1"/>
+            </p:cNvCxnSpPr>
+            <p:nvPr/>
+          </p:nvCxnSpPr>
+          <p:spPr>
+            <a:xfrm rot="10800000" flipH="1" flipV="1">
+              <a:off x="3113714" y="1619774"/>
+              <a:ext cx="285226" cy="2578216"/>
+            </a:xfrm>
+            <a:prstGeom prst="bentConnector3">
+              <a:avLst>
+                <a:gd name="adj1" fmla="val -80147"/>
+              </a:avLst>
+            </a:prstGeom>
+            <a:ln w="12700">
+              <a:solidFill>
+                <a:schemeClr val="tx1"/>
+              </a:solidFill>
+            </a:ln>
+          </p:spPr>
+          <p:style>
+            <a:lnRef idx="1">
+              <a:schemeClr val="accent1"/>
+            </a:lnRef>
+            <a:fillRef idx="0">
+              <a:schemeClr val="accent1"/>
+            </a:fillRef>
+            <a:effectRef idx="0">
+              <a:schemeClr val="accent1"/>
+            </a:effectRef>
+            <a:fontRef idx="minor">
+              <a:schemeClr val="tx1"/>
+            </a:fontRef>
+          </p:style>
+        </p:cxnSp>
+        <p:cxnSp>
+          <p:nvCxnSpPr>
+            <p:cNvPr id="21" name="Connector: Elbow 20">
+              <a:extLst>
+                <a:ext uri="{FF2B5EF4-FFF2-40B4-BE49-F238E27FC236}">
+                  <a16:creationId xmlns:a16="http://schemas.microsoft.com/office/drawing/2014/main" id="{0232208F-E00F-49DE-BEB2-20B60227B9A4}"/>
+                </a:ext>
+              </a:extLst>
+            </p:cNvPr>
+            <p:cNvCxnSpPr>
+              <a:cxnSpLocks/>
+              <a:stCxn id="13" idx="1"/>
+              <a:endCxn id="15" idx="1"/>
+            </p:cNvCxnSpPr>
+            <p:nvPr/>
+          </p:nvCxnSpPr>
+          <p:spPr>
+            <a:xfrm rot="10800000" flipH="1" flipV="1">
+              <a:off x="3113713" y="1619774"/>
+              <a:ext cx="285227" cy="1037438"/>
+            </a:xfrm>
+            <a:prstGeom prst="bentConnector3">
+              <a:avLst>
+                <a:gd name="adj1" fmla="val -80147"/>
+              </a:avLst>
+            </a:prstGeom>
+            <a:ln w="12700">
+              <a:solidFill>
+                <a:schemeClr val="tx1"/>
+              </a:solidFill>
+            </a:ln>
+          </p:spPr>
+          <p:style>
+            <a:lnRef idx="1">
+              <a:schemeClr val="accent1"/>
+            </a:lnRef>
+            <a:fillRef idx="0">
+              <a:schemeClr val="accent1"/>
+            </a:fillRef>
+            <a:effectRef idx="0">
+              <a:schemeClr val="accent1"/>
+            </a:effectRef>
+            <a:fontRef idx="minor">
+              <a:schemeClr val="tx1"/>
+            </a:fontRef>
+          </p:style>
+        </p:cxnSp>
+        <p:cxnSp>
+          <p:nvCxnSpPr>
+            <p:cNvPr id="25" name="Connector: Elbow 24">
+              <a:extLst>
+                <a:ext uri="{FF2B5EF4-FFF2-40B4-BE49-F238E27FC236}">
+                  <a16:creationId xmlns:a16="http://schemas.microsoft.com/office/drawing/2014/main" id="{207C0B7C-2CCF-4063-9995-3AA8A1E8C14C}"/>
+                </a:ext>
+              </a:extLst>
+            </p:cNvPr>
+            <p:cNvCxnSpPr>
+              <a:cxnSpLocks/>
+              <a:stCxn id="13" idx="1"/>
+              <a:endCxn id="16" idx="1"/>
+            </p:cNvCxnSpPr>
+            <p:nvPr/>
+          </p:nvCxnSpPr>
+          <p:spPr>
+            <a:xfrm rot="10800000" flipH="1" flipV="1">
+              <a:off x="3113714" y="1619773"/>
+              <a:ext cx="285226" cy="1807827"/>
+            </a:xfrm>
+            <a:prstGeom prst="bentConnector3">
+              <a:avLst>
+                <a:gd name="adj1" fmla="val -80147"/>
+              </a:avLst>
+            </a:prstGeom>
+            <a:ln w="12700">
+              <a:solidFill>
+                <a:schemeClr val="tx1"/>
+              </a:solidFill>
+            </a:ln>
+          </p:spPr>
+          <p:style>
+            <a:lnRef idx="1">
+              <a:schemeClr val="accent1"/>
+            </a:lnRef>
+            <a:fillRef idx="0">
+              <a:schemeClr val="accent1"/>
+            </a:fillRef>
+            <a:effectRef idx="0">
+              <a:schemeClr val="accent1"/>
+            </a:effectRef>
+            <a:fontRef idx="minor">
+              <a:schemeClr val="tx1"/>
+            </a:fontRef>
+          </p:style>
+        </p:cxnSp>
+        <p:cxnSp>
+          <p:nvCxnSpPr>
+            <p:cNvPr id="30" name="Connector: Elbow 29">
+              <a:extLst>
+                <a:ext uri="{FF2B5EF4-FFF2-40B4-BE49-F238E27FC236}">
+                  <a16:creationId xmlns:a16="http://schemas.microsoft.com/office/drawing/2014/main" id="{114E8C79-D4EF-48ED-B6C1-1DFCAF3CD5C5}"/>
+                </a:ext>
+              </a:extLst>
+            </p:cNvPr>
+            <p:cNvCxnSpPr>
+              <a:cxnSpLocks/>
+              <a:stCxn id="2" idx="2"/>
+              <a:endCxn id="14" idx="0"/>
+            </p:cNvCxnSpPr>
+            <p:nvPr/>
+          </p:nvCxnSpPr>
+          <p:spPr>
+            <a:xfrm rot="16200000" flipH="1">
+              <a:off x="7282692" y="-282082"/>
+              <a:ext cx="675314" cy="2632047"/>
+            </a:xfrm>
+            <a:prstGeom prst="bentConnector3">
+              <a:avLst>
+                <a:gd name="adj1" fmla="val 50000"/>
+              </a:avLst>
+            </a:prstGeom>
+            <a:ln w="12700">
+              <a:solidFill>
+                <a:schemeClr val="tx1"/>
+              </a:solidFill>
+            </a:ln>
+          </p:spPr>
+          <p:style>
+            <a:lnRef idx="1">
+              <a:schemeClr val="accent1"/>
+            </a:lnRef>
+            <a:fillRef idx="0">
+              <a:schemeClr val="accent1"/>
+            </a:fillRef>
+            <a:effectRef idx="0">
+              <a:schemeClr val="accent1"/>
+            </a:effectRef>
+            <a:fontRef idx="minor">
+              <a:schemeClr val="tx1"/>
+            </a:fontRef>
+          </p:style>
+        </p:cxnSp>
+        <p:cxnSp>
+          <p:nvCxnSpPr>
+            <p:cNvPr id="33" name="Connector: Elbow 32">
+              <a:extLst>
+                <a:ext uri="{FF2B5EF4-FFF2-40B4-BE49-F238E27FC236}">
+                  <a16:creationId xmlns:a16="http://schemas.microsoft.com/office/drawing/2014/main" id="{F662CA59-3AF2-4127-B5D4-C52E6B2E2C52}"/>
+                </a:ext>
+              </a:extLst>
+            </p:cNvPr>
+            <p:cNvCxnSpPr>
+              <a:cxnSpLocks/>
+              <a:stCxn id="14" idx="2"/>
+              <a:endCxn id="36" idx="0"/>
+            </p:cNvCxnSpPr>
+            <p:nvPr/>
+          </p:nvCxnSpPr>
+          <p:spPr>
+            <a:xfrm rot="5400000">
+              <a:off x="7859087" y="1195430"/>
+              <a:ext cx="399176" cy="1755397"/>
+            </a:xfrm>
+            <a:prstGeom prst="bentConnector3">
+              <a:avLst>
+                <a:gd name="adj1" fmla="val 50000"/>
+              </a:avLst>
+            </a:prstGeom>
+            <a:ln w="12700">
+              <a:solidFill>
+                <a:schemeClr val="tx1"/>
+              </a:solidFill>
+            </a:ln>
+          </p:spPr>
+          <p:style>
+            <a:lnRef idx="1">
+              <a:schemeClr val="accent1"/>
+            </a:lnRef>
+            <a:fillRef idx="0">
+              <a:schemeClr val="accent1"/>
+            </a:fillRef>
+            <a:effectRef idx="0">
+              <a:schemeClr val="accent1"/>
+            </a:effectRef>
+            <a:fontRef idx="minor">
+              <a:schemeClr val="tx1"/>
+            </a:fontRef>
+          </p:style>
+        </p:cxnSp>
+        <p:sp>
+          <p:nvSpPr>
+            <p:cNvPr id="36" name="Rectangle 35">
+              <a:extLst>
+                <a:ext uri="{FF2B5EF4-FFF2-40B4-BE49-F238E27FC236}">
+                  <a16:creationId xmlns:a16="http://schemas.microsoft.com/office/drawing/2014/main" id="{952BD580-6BE5-48D5-948A-C405B66C9A58}"/>
+                </a:ext>
+              </a:extLst>
+            </p:cNvPr>
+            <p:cNvSpPr/>
+            <p:nvPr/>
+          </p:nvSpPr>
+          <p:spPr>
+            <a:xfrm>
+              <a:off x="6506361" y="2272716"/>
+              <a:ext cx="1349230" cy="501941"/>
+            </a:xfrm>
+            <a:prstGeom prst="rect">
+              <a:avLst/>
+            </a:prstGeom>
+          </p:spPr>
+          <p:style>
+            <a:lnRef idx="2">
+              <a:schemeClr val="dk1"/>
+            </a:lnRef>
+            <a:fillRef idx="1">
+              <a:schemeClr val="lt1"/>
+            </a:fillRef>
+            <a:effectRef idx="0">
+              <a:schemeClr val="dk1"/>
+            </a:effectRef>
+            <a:fontRef idx="minor">
+              <a:schemeClr val="dk1"/>
+            </a:fontRef>
+          </p:style>
+          <p:txBody>
+            <a:bodyPr rtlCol="0" anchor="ctr"/>
+            <a:lstStyle/>
+            <a:p>
+              <a:pPr algn="ctr"/>
+              <a:r>
+                <a:rPr lang="en-US"/>
+                <a:t>PRR-based</a:t>
+              </a:r>
+            </a:p>
+          </p:txBody>
+        </p:sp>
+        <p:sp>
+          <p:nvSpPr>
+            <p:cNvPr id="38" name="Rectangle 37">
+              <a:extLst>
+                <a:ext uri="{FF2B5EF4-FFF2-40B4-BE49-F238E27FC236}">
+                  <a16:creationId xmlns:a16="http://schemas.microsoft.com/office/drawing/2014/main" id="{724F5816-F610-4674-BD3B-ADD0C3B2EAB7}"/>
+                </a:ext>
+              </a:extLst>
+            </p:cNvPr>
+            <p:cNvSpPr/>
+            <p:nvPr/>
+          </p:nvSpPr>
+          <p:spPr>
+            <a:xfrm>
+              <a:off x="8264205" y="2272715"/>
+              <a:ext cx="1349230" cy="501941"/>
+            </a:xfrm>
+            <a:prstGeom prst="rect">
+              <a:avLst/>
+            </a:prstGeom>
+          </p:spPr>
+          <p:style>
+            <a:lnRef idx="2">
+              <a:schemeClr val="dk1"/>
+            </a:lnRef>
+            <a:fillRef idx="1">
+              <a:schemeClr val="lt1"/>
+            </a:fillRef>
+            <a:effectRef idx="0">
+              <a:schemeClr val="dk1"/>
+            </a:effectRef>
+            <a:fontRef idx="minor">
+              <a:schemeClr val="dk1"/>
+            </a:fontRef>
+          </p:style>
+          <p:txBody>
+            <a:bodyPr rtlCol="0" anchor="ctr"/>
+            <a:lstStyle/>
+            <a:p>
+              <a:pPr algn="ctr"/>
+              <a:r>
+                <a:rPr lang="en-US"/>
+                <a:t>RNP-based</a:t>
+              </a:r>
+            </a:p>
+          </p:txBody>
+        </p:sp>
+        <p:sp>
+          <p:nvSpPr>
+            <p:cNvPr id="39" name="Rectangle 38">
+              <a:extLst>
+                <a:ext uri="{FF2B5EF4-FFF2-40B4-BE49-F238E27FC236}">
+                  <a16:creationId xmlns:a16="http://schemas.microsoft.com/office/drawing/2014/main" id="{9CB28C8F-5D54-414B-AEBD-5B6F4AA9570A}"/>
+                </a:ext>
+              </a:extLst>
+            </p:cNvPr>
+            <p:cNvSpPr/>
+            <p:nvPr/>
+          </p:nvSpPr>
+          <p:spPr>
+            <a:xfrm>
+              <a:off x="10022049" y="2272715"/>
+              <a:ext cx="1349230" cy="501941"/>
+            </a:xfrm>
+            <a:prstGeom prst="rect">
+              <a:avLst/>
+            </a:prstGeom>
+          </p:spPr>
+          <p:style>
+            <a:lnRef idx="2">
+              <a:schemeClr val="dk1"/>
+            </a:lnRef>
+            <a:fillRef idx="1">
+              <a:schemeClr val="lt1"/>
+            </a:fillRef>
+            <a:effectRef idx="0">
+              <a:schemeClr val="dk1"/>
+            </a:effectRef>
+            <a:fontRef idx="minor">
+              <a:schemeClr val="dk1"/>
+            </a:fontRef>
+          </p:style>
+          <p:txBody>
+            <a:bodyPr rtlCol="0" anchor="ctr"/>
+            <a:lstStyle/>
+            <a:p>
+              <a:pPr algn="ctr"/>
+              <a:r>
+                <a:rPr lang="en-US"/>
+                <a:t>Score-based</a:t>
+              </a:r>
+            </a:p>
+          </p:txBody>
+        </p:sp>
+        <p:cxnSp>
+          <p:nvCxnSpPr>
+            <p:cNvPr id="40" name="Connector: Elbow 39">
+              <a:extLst>
+                <a:ext uri="{FF2B5EF4-FFF2-40B4-BE49-F238E27FC236}">
+                  <a16:creationId xmlns:a16="http://schemas.microsoft.com/office/drawing/2014/main" id="{374509F2-9FDF-4229-BE00-4D14ADE10577}"/>
+                </a:ext>
+              </a:extLst>
+            </p:cNvPr>
+            <p:cNvCxnSpPr>
+              <a:cxnSpLocks/>
+              <a:stCxn id="14" idx="2"/>
+              <a:endCxn id="38" idx="0"/>
+            </p:cNvCxnSpPr>
+            <p:nvPr/>
+          </p:nvCxnSpPr>
+          <p:spPr>
+            <a:xfrm rot="16200000" flipH="1">
+              <a:off x="8738009" y="2071903"/>
+              <a:ext cx="399175" cy="2447"/>
+            </a:xfrm>
+            <a:prstGeom prst="bentConnector3">
+              <a:avLst>
+                <a:gd name="adj1" fmla="val 50000"/>
+              </a:avLst>
+            </a:prstGeom>
+            <a:ln w="12700">
+              <a:solidFill>
+                <a:schemeClr val="tx1"/>
+              </a:solidFill>
+            </a:ln>
+          </p:spPr>
+          <p:style>
+            <a:lnRef idx="1">
+              <a:schemeClr val="accent1"/>
+            </a:lnRef>
+            <a:fillRef idx="0">
+              <a:schemeClr val="accent1"/>
+            </a:fillRef>
+            <a:effectRef idx="0">
+              <a:schemeClr val="accent1"/>
+            </a:effectRef>
+            <a:fontRef idx="minor">
+              <a:schemeClr val="tx1"/>
+            </a:fontRef>
+          </p:style>
+        </p:cxnSp>
+        <p:cxnSp>
+          <p:nvCxnSpPr>
+            <p:cNvPr id="43" name="Connector: Elbow 42">
+              <a:extLst>
+                <a:ext uri="{FF2B5EF4-FFF2-40B4-BE49-F238E27FC236}">
+                  <a16:creationId xmlns:a16="http://schemas.microsoft.com/office/drawing/2014/main" id="{F662CA59-3AF2-4127-B5D4-C52E6B2E2C52}"/>
+                </a:ext>
+              </a:extLst>
+            </p:cNvPr>
+            <p:cNvCxnSpPr>
+              <a:cxnSpLocks/>
+              <a:stCxn id="14" idx="2"/>
+              <a:endCxn id="39" idx="0"/>
+            </p:cNvCxnSpPr>
+            <p:nvPr/>
+          </p:nvCxnSpPr>
+          <p:spPr>
+            <a:xfrm rot="16200000" flipH="1">
+              <a:off x="9616931" y="1192981"/>
+              <a:ext cx="399175" cy="1760291"/>
+            </a:xfrm>
+            <a:prstGeom prst="bentConnector3">
+              <a:avLst>
+                <a:gd name="adj1" fmla="val 50000"/>
+              </a:avLst>
+            </a:prstGeom>
+            <a:ln w="12700">
+              <a:solidFill>
+                <a:schemeClr val="tx1"/>
+              </a:solidFill>
+            </a:ln>
+          </p:spPr>
+          <p:style>
+            <a:lnRef idx="1">
+              <a:schemeClr val="accent1"/>
+            </a:lnRef>
+            <a:fillRef idx="0">
+              <a:schemeClr val="accent1"/>
+            </a:fillRef>
+            <a:effectRef idx="0">
+              <a:schemeClr val="accent1"/>
+            </a:effectRef>
+            <a:fontRef idx="minor">
+              <a:schemeClr val="tx1"/>
+            </a:fontRef>
+          </p:style>
+        </p:cxnSp>
+        <p:sp>
+          <p:nvSpPr>
+            <p:cNvPr id="46" name="Rectangle 45">
+              <a:extLst>
+                <a:ext uri="{FF2B5EF4-FFF2-40B4-BE49-F238E27FC236}">
+                  <a16:creationId xmlns:a16="http://schemas.microsoft.com/office/drawing/2014/main" id="{A4BFFE31-9C75-4EA1-A00F-4B7811E969BE}"/>
+                </a:ext>
+              </a:extLst>
+            </p:cNvPr>
+            <p:cNvSpPr/>
+            <p:nvPr/>
+          </p:nvSpPr>
+          <p:spPr>
+            <a:xfrm>
+              <a:off x="6623807" y="3020033"/>
+              <a:ext cx="1224794" cy="501941"/>
+            </a:xfrm>
+            <a:prstGeom prst="rect">
+              <a:avLst/>
+            </a:prstGeom>
+          </p:spPr>
+          <p:style>
+            <a:lnRef idx="2">
+              <a:schemeClr val="dk1"/>
+            </a:lnRef>
+            <a:fillRef idx="1">
+              <a:schemeClr val="lt1"/>
+            </a:fillRef>
+            <a:effectRef idx="0">
+              <a:schemeClr val="dk1"/>
+            </a:effectRef>
+            <a:fontRef idx="minor">
+              <a:schemeClr val="dk1"/>
+            </a:fontRef>
+          </p:style>
+          <p:txBody>
+            <a:bodyPr rtlCol="0" anchor="ctr"/>
+            <a:lstStyle/>
+            <a:p>
+              <a:pPr algn="ctr"/>
+              <a:r>
+                <a:rPr lang="en-US"/>
+                <a:t>PRR</a:t>
+              </a:r>
+            </a:p>
+          </p:txBody>
+        </p:sp>
+        <p:sp>
+          <p:nvSpPr>
+            <p:cNvPr id="47" name="Rectangle 46">
+              <a:extLst>
+                <a:ext uri="{FF2B5EF4-FFF2-40B4-BE49-F238E27FC236}">
+                  <a16:creationId xmlns:a16="http://schemas.microsoft.com/office/drawing/2014/main" id="{16944BA4-EF75-4F52-816A-79035BE048A9}"/>
+                </a:ext>
+              </a:extLst>
+            </p:cNvPr>
+            <p:cNvSpPr/>
+            <p:nvPr/>
+          </p:nvSpPr>
+          <p:spPr>
+            <a:xfrm>
+              <a:off x="6627302" y="3643614"/>
+              <a:ext cx="1224794" cy="501941"/>
+            </a:xfrm>
+            <a:prstGeom prst="rect">
+              <a:avLst/>
+            </a:prstGeom>
+          </p:spPr>
+          <p:style>
+            <a:lnRef idx="2">
+              <a:schemeClr val="dk1"/>
+            </a:lnRef>
+            <a:fillRef idx="1">
+              <a:schemeClr val="lt1"/>
+            </a:fillRef>
+            <a:effectRef idx="0">
+              <a:schemeClr val="dk1"/>
+            </a:effectRef>
+            <a:fontRef idx="minor">
+              <a:schemeClr val="dk1"/>
+            </a:fontRef>
+          </p:style>
+          <p:txBody>
+            <a:bodyPr rtlCol="0" anchor="ctr"/>
+            <a:lstStyle/>
+            <a:p>
+              <a:pPr algn="ctr"/>
+              <a:r>
+                <a:rPr lang="en-US"/>
+                <a:t>WMEWMA</a:t>
+              </a:r>
+            </a:p>
+          </p:txBody>
+        </p:sp>
+        <p:cxnSp>
+          <p:nvCxnSpPr>
+            <p:cNvPr id="48" name="Connector: Elbow 47">
+              <a:extLst>
+                <a:ext uri="{FF2B5EF4-FFF2-40B4-BE49-F238E27FC236}">
+                  <a16:creationId xmlns:a16="http://schemas.microsoft.com/office/drawing/2014/main" id="{0F4E49CE-00AE-4A84-839E-8FDEEF0B14CF}"/>
+                </a:ext>
+              </a:extLst>
+            </p:cNvPr>
+            <p:cNvCxnSpPr>
+              <a:cxnSpLocks/>
+              <a:stCxn id="36" idx="1"/>
+              <a:endCxn id="46" idx="1"/>
+            </p:cNvCxnSpPr>
+            <p:nvPr/>
+          </p:nvCxnSpPr>
+          <p:spPr>
+            <a:xfrm rot="10800000" flipH="1" flipV="1">
+              <a:off x="6506361" y="2523686"/>
+              <a:ext cx="117446" cy="747317"/>
+            </a:xfrm>
+            <a:prstGeom prst="bentConnector3">
+              <a:avLst>
+                <a:gd name="adj1" fmla="val -194643"/>
+              </a:avLst>
+            </a:prstGeom>
+            <a:ln w="12700">
+              <a:solidFill>
+                <a:schemeClr val="tx1"/>
+              </a:solidFill>
+            </a:ln>
+          </p:spPr>
+          <p:style>
+            <a:lnRef idx="1">
+              <a:schemeClr val="accent1"/>
+            </a:lnRef>
+            <a:fillRef idx="0">
+              <a:schemeClr val="accent1"/>
+            </a:fillRef>
+            <a:effectRef idx="0">
+              <a:schemeClr val="accent1"/>
+            </a:effectRef>
+            <a:fontRef idx="minor">
+              <a:schemeClr val="tx1"/>
+            </a:fontRef>
+          </p:style>
+        </p:cxnSp>
+        <p:cxnSp>
+          <p:nvCxnSpPr>
+            <p:cNvPr id="51" name="Connector: Elbow 50">
+              <a:extLst>
+                <a:ext uri="{FF2B5EF4-FFF2-40B4-BE49-F238E27FC236}">
+                  <a16:creationId xmlns:a16="http://schemas.microsoft.com/office/drawing/2014/main" id="{0AAFF1CE-6C74-425A-9BC9-71FD7348B8D9}"/>
+                </a:ext>
+              </a:extLst>
+            </p:cNvPr>
+            <p:cNvCxnSpPr>
+              <a:cxnSpLocks/>
+              <a:stCxn id="36" idx="1"/>
+              <a:endCxn id="47" idx="1"/>
+            </p:cNvCxnSpPr>
+            <p:nvPr/>
+          </p:nvCxnSpPr>
+          <p:spPr>
+            <a:xfrm rot="10800000" flipH="1" flipV="1">
+              <a:off x="6506360" y="2523687"/>
+              <a:ext cx="120941" cy="1370898"/>
+            </a:xfrm>
+            <a:prstGeom prst="bentConnector3">
+              <a:avLst>
+                <a:gd name="adj1" fmla="val -189018"/>
+              </a:avLst>
+            </a:prstGeom>
+            <a:ln w="12700">
+              <a:solidFill>
+                <a:schemeClr val="tx1"/>
+              </a:solidFill>
+            </a:ln>
+          </p:spPr>
+          <p:style>
+            <a:lnRef idx="1">
+              <a:schemeClr val="accent1"/>
+            </a:lnRef>
+            <a:fillRef idx="0">
+              <a:schemeClr val="accent1"/>
+            </a:fillRef>
+            <a:effectRef idx="0">
+              <a:schemeClr val="accent1"/>
+            </a:effectRef>
+            <a:fontRef idx="minor">
+              <a:schemeClr val="tx1"/>
+            </a:fontRef>
+          </p:style>
+        </p:cxnSp>
+        <p:sp>
+          <p:nvSpPr>
+            <p:cNvPr id="54" name="Rectangle 53">
+              <a:extLst>
+                <a:ext uri="{FF2B5EF4-FFF2-40B4-BE49-F238E27FC236}">
+                  <a16:creationId xmlns:a16="http://schemas.microsoft.com/office/drawing/2014/main" id="{255DE62C-95D2-4EC2-B2A6-C5096DF69265}"/>
+                </a:ext>
+              </a:extLst>
+            </p:cNvPr>
+            <p:cNvSpPr/>
+            <p:nvPr/>
+          </p:nvSpPr>
+          <p:spPr>
+            <a:xfrm>
+              <a:off x="8388641" y="3020032"/>
+              <a:ext cx="1224794" cy="501941"/>
+            </a:xfrm>
+            <a:prstGeom prst="rect">
+              <a:avLst/>
+            </a:prstGeom>
+          </p:spPr>
+          <p:style>
+            <a:lnRef idx="2">
+              <a:schemeClr val="dk1"/>
+            </a:lnRef>
+            <a:fillRef idx="1">
+              <a:schemeClr val="lt1"/>
+            </a:fillRef>
+            <a:effectRef idx="0">
+              <a:schemeClr val="dk1"/>
+            </a:effectRef>
+            <a:fontRef idx="minor">
+              <a:schemeClr val="dk1"/>
+            </a:fontRef>
+          </p:style>
+          <p:txBody>
+            <a:bodyPr rtlCol="0" anchor="ctr"/>
+            <a:lstStyle/>
+            <a:p>
+              <a:pPr algn="ctr"/>
+              <a:r>
+                <a:rPr lang="en-US"/>
+                <a:t>ETX</a:t>
+              </a:r>
+            </a:p>
+          </p:txBody>
+        </p:sp>
+        <p:cxnSp>
+          <p:nvCxnSpPr>
+            <p:cNvPr id="55" name="Connector: Elbow 54">
+              <a:extLst>
+                <a:ext uri="{FF2B5EF4-FFF2-40B4-BE49-F238E27FC236}">
+                  <a16:creationId xmlns:a16="http://schemas.microsoft.com/office/drawing/2014/main" id="{01E35C81-211F-4047-8095-D2FC9122A037}"/>
+                </a:ext>
+              </a:extLst>
+            </p:cNvPr>
+            <p:cNvCxnSpPr>
+              <a:cxnSpLocks/>
+              <a:stCxn id="38" idx="1"/>
+              <a:endCxn id="54" idx="1"/>
+            </p:cNvCxnSpPr>
+            <p:nvPr/>
+          </p:nvCxnSpPr>
+          <p:spPr>
+            <a:xfrm rot="10800000" flipH="1" flipV="1">
+              <a:off x="8264205" y="2523685"/>
+              <a:ext cx="124436" cy="747317"/>
+            </a:xfrm>
+            <a:prstGeom prst="bentConnector3">
+              <a:avLst>
+                <a:gd name="adj1" fmla="val -183709"/>
+              </a:avLst>
+            </a:prstGeom>
+            <a:ln w="12700">
+              <a:solidFill>
+                <a:schemeClr val="tx1"/>
+              </a:solidFill>
+            </a:ln>
+          </p:spPr>
+          <p:style>
+            <a:lnRef idx="1">
+              <a:schemeClr val="accent1"/>
+            </a:lnRef>
+            <a:fillRef idx="0">
+              <a:schemeClr val="accent1"/>
+            </a:fillRef>
+            <a:effectRef idx="0">
+              <a:schemeClr val="accent1"/>
+            </a:effectRef>
+            <a:fontRef idx="minor">
+              <a:schemeClr val="tx1"/>
+            </a:fontRef>
+          </p:style>
+        </p:cxnSp>
+        <p:sp>
+          <p:nvSpPr>
+            <p:cNvPr id="58" name="Rectangle 57">
+              <a:extLst>
+                <a:ext uri="{FF2B5EF4-FFF2-40B4-BE49-F238E27FC236}">
+                  <a16:creationId xmlns:a16="http://schemas.microsoft.com/office/drawing/2014/main" id="{D89ECE56-B72A-47D4-81BE-31A31344FD87}"/>
+                </a:ext>
+              </a:extLst>
+            </p:cNvPr>
+            <p:cNvSpPr/>
+            <p:nvPr/>
+          </p:nvSpPr>
+          <p:spPr>
+            <a:xfrm>
+              <a:off x="8388641" y="3638017"/>
+              <a:ext cx="1224794" cy="501941"/>
+            </a:xfrm>
+            <a:prstGeom prst="rect">
+              <a:avLst/>
+            </a:prstGeom>
+          </p:spPr>
+          <p:style>
+            <a:lnRef idx="2">
+              <a:schemeClr val="dk1"/>
+            </a:lnRef>
+            <a:fillRef idx="1">
+              <a:schemeClr val="lt1"/>
+            </a:fillRef>
+            <a:effectRef idx="0">
+              <a:schemeClr val="dk1"/>
+            </a:effectRef>
+            <a:fontRef idx="minor">
+              <a:schemeClr val="dk1"/>
+            </a:fontRef>
+          </p:style>
+          <p:txBody>
+            <a:bodyPr rtlCol="0" anchor="ctr"/>
+            <a:lstStyle/>
+            <a:p>
+              <a:pPr algn="ctr"/>
+              <a:r>
+                <a:rPr lang="en-US"/>
+                <a:t>Four-bit</a:t>
+              </a:r>
+            </a:p>
+          </p:txBody>
+        </p:sp>
+        <p:cxnSp>
+          <p:nvCxnSpPr>
+            <p:cNvPr id="59" name="Connector: Elbow 58">
+              <a:extLst>
+                <a:ext uri="{FF2B5EF4-FFF2-40B4-BE49-F238E27FC236}">
+                  <a16:creationId xmlns:a16="http://schemas.microsoft.com/office/drawing/2014/main" id="{C554FFEC-FFCB-4BC5-911B-C5C414965B04}"/>
+                </a:ext>
+              </a:extLst>
+            </p:cNvPr>
+            <p:cNvCxnSpPr>
+              <a:cxnSpLocks/>
+              <a:stCxn id="36" idx="1"/>
+              <a:endCxn id="62" idx="1"/>
+            </p:cNvCxnSpPr>
+            <p:nvPr/>
+          </p:nvCxnSpPr>
+          <p:spPr>
+            <a:xfrm rot="10800000" flipH="1" flipV="1">
+              <a:off x="6506361" y="2523686"/>
+              <a:ext cx="124436" cy="2107025"/>
+            </a:xfrm>
+            <a:prstGeom prst="bentConnector3">
+              <a:avLst>
+                <a:gd name="adj1" fmla="val -183709"/>
+              </a:avLst>
+            </a:prstGeom>
+            <a:ln w="12700">
+              <a:solidFill>
+                <a:schemeClr val="tx1"/>
+              </a:solidFill>
+            </a:ln>
+          </p:spPr>
+          <p:style>
+            <a:lnRef idx="1">
+              <a:schemeClr val="accent1"/>
+            </a:lnRef>
+            <a:fillRef idx="0">
+              <a:schemeClr val="accent1"/>
+            </a:fillRef>
+            <a:effectRef idx="0">
+              <a:schemeClr val="accent1"/>
+            </a:effectRef>
+            <a:fontRef idx="minor">
+              <a:schemeClr val="tx1"/>
+            </a:fontRef>
+          </p:style>
+        </p:cxnSp>
+        <p:sp>
+          <p:nvSpPr>
+            <p:cNvPr id="62" name="Rectangle 61">
+              <a:extLst>
+                <a:ext uri="{FF2B5EF4-FFF2-40B4-BE49-F238E27FC236}">
+                  <a16:creationId xmlns:a16="http://schemas.microsoft.com/office/drawing/2014/main" id="{F5CE863D-8958-4A04-B037-2BF5970D9B78}"/>
+                </a:ext>
+              </a:extLst>
+            </p:cNvPr>
+            <p:cNvSpPr/>
+            <p:nvPr/>
+          </p:nvSpPr>
+          <p:spPr>
+            <a:xfrm>
+              <a:off x="6630797" y="4379741"/>
+              <a:ext cx="1224794" cy="501941"/>
+            </a:xfrm>
+            <a:prstGeom prst="rect">
+              <a:avLst/>
+            </a:prstGeom>
+          </p:spPr>
+          <p:style>
+            <a:lnRef idx="2">
+              <a:schemeClr val="dk1"/>
+            </a:lnRef>
+            <a:fillRef idx="1">
+              <a:schemeClr val="lt1"/>
+            </a:fillRef>
+            <a:effectRef idx="0">
+              <a:schemeClr val="dk1"/>
+            </a:effectRef>
+            <a:fontRef idx="minor">
+              <a:schemeClr val="dk1"/>
+            </a:fontRef>
+          </p:style>
+          <p:txBody>
+            <a:bodyPr rtlCol="0" anchor="ctr"/>
+            <a:lstStyle/>
+            <a:p>
+              <a:pPr algn="ctr"/>
+              <a:r>
+                <a:rPr lang="en-US"/>
+                <a:t>…</a:t>
+              </a:r>
+            </a:p>
+          </p:txBody>
+        </p:sp>
+        <p:sp>
+          <p:nvSpPr>
+            <p:cNvPr id="64" name="Rectangle 63">
+              <a:extLst>
+                <a:ext uri="{FF2B5EF4-FFF2-40B4-BE49-F238E27FC236}">
+                  <a16:creationId xmlns:a16="http://schemas.microsoft.com/office/drawing/2014/main" id="{628B003E-E98D-483B-B747-7906CCF69A20}"/>
+                </a:ext>
+              </a:extLst>
+            </p:cNvPr>
+            <p:cNvSpPr/>
+            <p:nvPr/>
+          </p:nvSpPr>
+          <p:spPr>
+            <a:xfrm>
+              <a:off x="8381652" y="4379741"/>
+              <a:ext cx="1224794" cy="501941"/>
+            </a:xfrm>
+            <a:prstGeom prst="rect">
+              <a:avLst/>
+            </a:prstGeom>
+          </p:spPr>
+          <p:style>
+            <a:lnRef idx="2">
+              <a:schemeClr val="dk1"/>
+            </a:lnRef>
+            <a:fillRef idx="1">
+              <a:schemeClr val="lt1"/>
+            </a:fillRef>
+            <a:effectRef idx="0">
+              <a:schemeClr val="dk1"/>
+            </a:effectRef>
+            <a:fontRef idx="minor">
+              <a:schemeClr val="dk1"/>
+            </a:fontRef>
+          </p:style>
+          <p:txBody>
+            <a:bodyPr rtlCol="0" anchor="ctr"/>
+            <a:lstStyle/>
+            <a:p>
+              <a:pPr algn="ctr"/>
+              <a:r>
+                <a:rPr lang="en-US"/>
+                <a:t>…</a:t>
+              </a:r>
+            </a:p>
+          </p:txBody>
+        </p:sp>
+        <p:cxnSp>
+          <p:nvCxnSpPr>
+            <p:cNvPr id="65" name="Connector: Elbow 64">
+              <a:extLst>
+                <a:ext uri="{FF2B5EF4-FFF2-40B4-BE49-F238E27FC236}">
+                  <a16:creationId xmlns:a16="http://schemas.microsoft.com/office/drawing/2014/main" id="{C7868742-7D29-4C66-924E-C0A01275B7CE}"/>
+                </a:ext>
+              </a:extLst>
+            </p:cNvPr>
+            <p:cNvCxnSpPr>
+              <a:cxnSpLocks/>
+              <a:stCxn id="38" idx="1"/>
+              <a:endCxn id="58" idx="1"/>
+            </p:cNvCxnSpPr>
+            <p:nvPr/>
+          </p:nvCxnSpPr>
+          <p:spPr>
+            <a:xfrm rot="10800000" flipH="1" flipV="1">
+              <a:off x="8264205" y="2523686"/>
+              <a:ext cx="124436" cy="1365302"/>
+            </a:xfrm>
+            <a:prstGeom prst="bentConnector3">
+              <a:avLst>
+                <a:gd name="adj1" fmla="val -183709"/>
+              </a:avLst>
+            </a:prstGeom>
+            <a:ln w="12700">
+              <a:solidFill>
+                <a:schemeClr val="tx1"/>
+              </a:solidFill>
+            </a:ln>
+          </p:spPr>
+          <p:style>
+            <a:lnRef idx="1">
+              <a:schemeClr val="accent1"/>
+            </a:lnRef>
+            <a:fillRef idx="0">
+              <a:schemeClr val="accent1"/>
+            </a:fillRef>
+            <a:effectRef idx="0">
+              <a:schemeClr val="accent1"/>
+            </a:effectRef>
+            <a:fontRef idx="minor">
+              <a:schemeClr val="tx1"/>
+            </a:fontRef>
+          </p:style>
+        </p:cxnSp>
+        <p:cxnSp>
+          <p:nvCxnSpPr>
+            <p:cNvPr id="68" name="Connector: Elbow 67">
+              <a:extLst>
+                <a:ext uri="{FF2B5EF4-FFF2-40B4-BE49-F238E27FC236}">
+                  <a16:creationId xmlns:a16="http://schemas.microsoft.com/office/drawing/2014/main" id="{1DE65F3C-C7AE-40B1-8831-BB8812C461CC}"/>
+                </a:ext>
+              </a:extLst>
+            </p:cNvPr>
+            <p:cNvCxnSpPr>
+              <a:cxnSpLocks/>
+              <a:stCxn id="38" idx="1"/>
+              <a:endCxn id="64" idx="1"/>
+            </p:cNvCxnSpPr>
+            <p:nvPr/>
+          </p:nvCxnSpPr>
+          <p:spPr>
+            <a:xfrm rot="10800000" flipH="1" flipV="1">
+              <a:off x="8264204" y="2523686"/>
+              <a:ext cx="117447" cy="2107026"/>
+            </a:xfrm>
+            <a:prstGeom prst="bentConnector3">
+              <a:avLst>
+                <a:gd name="adj1" fmla="val -194641"/>
+              </a:avLst>
+            </a:prstGeom>
+            <a:ln w="12700">
+              <a:solidFill>
+                <a:schemeClr val="tx1"/>
+              </a:solidFill>
+            </a:ln>
+          </p:spPr>
+          <p:style>
+            <a:lnRef idx="1">
+              <a:schemeClr val="accent1"/>
+            </a:lnRef>
+            <a:fillRef idx="0">
+              <a:schemeClr val="accent1"/>
+            </a:fillRef>
+            <a:effectRef idx="0">
+              <a:schemeClr val="accent1"/>
+            </a:effectRef>
+            <a:fontRef idx="minor">
+              <a:schemeClr val="tx1"/>
+            </a:fontRef>
+          </p:style>
+        </p:cxnSp>
+        <p:sp>
+          <p:nvSpPr>
+            <p:cNvPr id="71" name="Rectangle 70">
+              <a:extLst>
+                <a:ext uri="{FF2B5EF4-FFF2-40B4-BE49-F238E27FC236}">
+                  <a16:creationId xmlns:a16="http://schemas.microsoft.com/office/drawing/2014/main" id="{B3EF9961-A20A-42E0-918A-E2914CB5345B}"/>
+                </a:ext>
+              </a:extLst>
+            </p:cNvPr>
+            <p:cNvSpPr/>
+            <p:nvPr/>
+          </p:nvSpPr>
+          <p:spPr>
+            <a:xfrm>
+              <a:off x="10146485" y="4379741"/>
+              <a:ext cx="1224794" cy="501941"/>
+            </a:xfrm>
+            <a:prstGeom prst="rect">
+              <a:avLst/>
+            </a:prstGeom>
+          </p:spPr>
+          <p:style>
+            <a:lnRef idx="2">
+              <a:schemeClr val="dk1"/>
+            </a:lnRef>
+            <a:fillRef idx="1">
+              <a:schemeClr val="lt1"/>
+            </a:fillRef>
+            <a:effectRef idx="0">
+              <a:schemeClr val="dk1"/>
+            </a:effectRef>
+            <a:fontRef idx="minor">
+              <a:schemeClr val="dk1"/>
+            </a:fontRef>
+          </p:style>
+          <p:txBody>
+            <a:bodyPr rtlCol="0" anchor="ctr"/>
+            <a:lstStyle/>
+            <a:p>
+              <a:pPr algn="ctr"/>
+              <a:r>
+                <a:rPr lang="en-US"/>
+                <a:t>…</a:t>
+              </a:r>
+            </a:p>
+          </p:txBody>
+        </p:sp>
+        <p:cxnSp>
+          <p:nvCxnSpPr>
+            <p:cNvPr id="72" name="Connector: Elbow 71">
+              <a:extLst>
+                <a:ext uri="{FF2B5EF4-FFF2-40B4-BE49-F238E27FC236}">
+                  <a16:creationId xmlns:a16="http://schemas.microsoft.com/office/drawing/2014/main" id="{6176DB2F-110D-4C36-B0F2-6B6A2FF1B66B}"/>
+                </a:ext>
+              </a:extLst>
+            </p:cNvPr>
+            <p:cNvCxnSpPr>
+              <a:cxnSpLocks/>
+              <a:stCxn id="39" idx="1"/>
+              <a:endCxn id="71" idx="1"/>
+            </p:cNvCxnSpPr>
+            <p:nvPr/>
+          </p:nvCxnSpPr>
+          <p:spPr>
+            <a:xfrm rot="10800000" flipH="1" flipV="1">
+              <a:off x="10022049" y="2523686"/>
+              <a:ext cx="124436" cy="2107026"/>
+            </a:xfrm>
+            <a:prstGeom prst="bentConnector3">
+              <a:avLst>
+                <a:gd name="adj1" fmla="val -183709"/>
+              </a:avLst>
+            </a:prstGeom>
+            <a:ln w="12700">
+              <a:solidFill>
+                <a:schemeClr val="tx1"/>
+              </a:solidFill>
+            </a:ln>
+          </p:spPr>
+          <p:style>
+            <a:lnRef idx="1">
+              <a:schemeClr val="accent1"/>
+            </a:lnRef>
+            <a:fillRef idx="0">
+              <a:schemeClr val="accent1"/>
+            </a:fillRef>
+            <a:effectRef idx="0">
+              <a:schemeClr val="accent1"/>
+            </a:effectRef>
+            <a:fontRef idx="minor">
+              <a:schemeClr val="tx1"/>
+            </a:fontRef>
+          </p:style>
+        </p:cxnSp>
+        <p:sp>
+          <p:nvSpPr>
+            <p:cNvPr id="75" name="Rectangle 74">
+              <a:extLst>
+                <a:ext uri="{FF2B5EF4-FFF2-40B4-BE49-F238E27FC236}">
+                  <a16:creationId xmlns:a16="http://schemas.microsoft.com/office/drawing/2014/main" id="{3E9CB6C2-8626-489D-8918-73FDEA1DD64E}"/>
+                </a:ext>
+              </a:extLst>
+            </p:cNvPr>
+            <p:cNvSpPr/>
+            <p:nvPr/>
+          </p:nvSpPr>
+          <p:spPr>
+            <a:xfrm>
+              <a:off x="10146485" y="3020031"/>
+              <a:ext cx="1224794" cy="501941"/>
+            </a:xfrm>
+            <a:prstGeom prst="rect">
+              <a:avLst/>
+            </a:prstGeom>
+          </p:spPr>
+          <p:style>
+            <a:lnRef idx="2">
+              <a:schemeClr val="dk1"/>
+            </a:lnRef>
+            <a:fillRef idx="1">
+              <a:schemeClr val="lt1"/>
+            </a:fillRef>
+            <a:effectRef idx="0">
+              <a:schemeClr val="dk1"/>
+            </a:effectRef>
+            <a:fontRef idx="minor">
+              <a:schemeClr val="dk1"/>
+            </a:fontRef>
+          </p:style>
+          <p:txBody>
+            <a:bodyPr rtlCol="0" anchor="ctr"/>
+            <a:lstStyle/>
+            <a:p>
+              <a:pPr algn="ctr"/>
+              <a:r>
+                <a:rPr lang="en-US"/>
+                <a:t>F-LQE</a:t>
+              </a:r>
+            </a:p>
+          </p:txBody>
+        </p:sp>
+        <p:sp>
+          <p:nvSpPr>
+            <p:cNvPr id="76" name="Rectangle 75">
+              <a:extLst>
+                <a:ext uri="{FF2B5EF4-FFF2-40B4-BE49-F238E27FC236}">
+                  <a16:creationId xmlns:a16="http://schemas.microsoft.com/office/drawing/2014/main" id="{DC6B2F2E-0C14-4CB3-B809-BE02CE8BE6D2}"/>
+                </a:ext>
+              </a:extLst>
+            </p:cNvPr>
+            <p:cNvSpPr/>
+            <p:nvPr/>
+          </p:nvSpPr>
+          <p:spPr>
+            <a:xfrm>
+              <a:off x="10142641" y="3638017"/>
+              <a:ext cx="1224794" cy="501941"/>
+            </a:xfrm>
+            <a:prstGeom prst="rect">
+              <a:avLst/>
+            </a:prstGeom>
+          </p:spPr>
+          <p:style>
+            <a:lnRef idx="2">
+              <a:schemeClr val="dk1"/>
+            </a:lnRef>
+            <a:fillRef idx="1">
+              <a:schemeClr val="lt1"/>
+            </a:fillRef>
+            <a:effectRef idx="0">
+              <a:schemeClr val="dk1"/>
+            </a:effectRef>
+            <a:fontRef idx="minor">
+              <a:schemeClr val="dk1"/>
+            </a:fontRef>
+          </p:style>
+          <p:txBody>
+            <a:bodyPr rtlCol="0" anchor="ctr"/>
+            <a:lstStyle/>
+            <a:p>
+              <a:pPr algn="ctr"/>
+              <a:r>
+                <a:rPr lang="en-US"/>
+                <a:t>WRE</a:t>
+              </a:r>
+            </a:p>
+          </p:txBody>
+        </p:sp>
+        <p:cxnSp>
+          <p:nvCxnSpPr>
+            <p:cNvPr id="77" name="Connector: Elbow 76">
+              <a:extLst>
+                <a:ext uri="{FF2B5EF4-FFF2-40B4-BE49-F238E27FC236}">
+                  <a16:creationId xmlns:a16="http://schemas.microsoft.com/office/drawing/2014/main" id="{52DE0D48-6C22-41CD-8BFD-1EE8CF2E41C0}"/>
+                </a:ext>
+              </a:extLst>
+            </p:cNvPr>
+            <p:cNvCxnSpPr>
+              <a:cxnSpLocks/>
+              <a:stCxn id="39" idx="1"/>
+              <a:endCxn id="75" idx="1"/>
+            </p:cNvCxnSpPr>
+            <p:nvPr/>
+          </p:nvCxnSpPr>
+          <p:spPr>
+            <a:xfrm rot="10800000" flipH="1" flipV="1">
+              <a:off x="10022049" y="2523686"/>
+              <a:ext cx="124436" cy="747316"/>
+            </a:xfrm>
+            <a:prstGeom prst="bentConnector3">
+              <a:avLst>
+                <a:gd name="adj1" fmla="val -183709"/>
+              </a:avLst>
+            </a:prstGeom>
+            <a:ln w="12700">
+              <a:solidFill>
+                <a:schemeClr val="tx1"/>
+              </a:solidFill>
+            </a:ln>
+          </p:spPr>
+          <p:style>
+            <a:lnRef idx="1">
+              <a:schemeClr val="accent1"/>
+            </a:lnRef>
+            <a:fillRef idx="0">
+              <a:schemeClr val="accent1"/>
+            </a:fillRef>
+            <a:effectRef idx="0">
+              <a:schemeClr val="accent1"/>
+            </a:effectRef>
+            <a:fontRef idx="minor">
+              <a:schemeClr val="tx1"/>
+            </a:fontRef>
+          </p:style>
+        </p:cxnSp>
+        <p:cxnSp>
+          <p:nvCxnSpPr>
+            <p:cNvPr id="80" name="Connector: Elbow 79">
+              <a:extLst>
+                <a:ext uri="{FF2B5EF4-FFF2-40B4-BE49-F238E27FC236}">
+                  <a16:creationId xmlns:a16="http://schemas.microsoft.com/office/drawing/2014/main" id="{E5AAC14F-11A0-4562-B935-0F63F50E61ED}"/>
+                </a:ext>
+              </a:extLst>
+            </p:cNvPr>
+            <p:cNvCxnSpPr>
+              <a:cxnSpLocks/>
+              <a:stCxn id="39" idx="1"/>
+              <a:endCxn id="76" idx="1"/>
+            </p:cNvCxnSpPr>
+            <p:nvPr/>
+          </p:nvCxnSpPr>
+          <p:spPr>
+            <a:xfrm rot="10800000" flipH="1" flipV="1">
+              <a:off x="10022049" y="2523686"/>
+              <a:ext cx="120592" cy="1365302"/>
+            </a:xfrm>
+            <a:prstGeom prst="bentConnector3">
+              <a:avLst>
+                <a:gd name="adj1" fmla="val -189565"/>
+              </a:avLst>
+            </a:prstGeom>
+            <a:ln w="12700">
+              <a:solidFill>
+                <a:schemeClr val="tx1"/>
+              </a:solidFill>
+            </a:ln>
+          </p:spPr>
+          <p:style>
+            <a:lnRef idx="1">
+              <a:schemeClr val="accent1"/>
+            </a:lnRef>
+            <a:fillRef idx="0">
+              <a:schemeClr val="accent1"/>
+            </a:fillRef>
+            <a:effectRef idx="0">
+              <a:schemeClr val="accent1"/>
+            </a:effectRef>
+            <a:fontRef idx="minor">
+              <a:schemeClr val="tx1"/>
+            </a:fontRef>
+          </p:style>
+        </p:cxnSp>
+      </p:grpSp>
+    </p:spTree>
+    <p:extLst>
+      <p:ext uri="{BB962C8B-B14F-4D97-AF65-F5344CB8AC3E}">
+        <p14:creationId xmlns:p14="http://schemas.microsoft.com/office/powerpoint/2010/main" val="300281592"/>
+      </p:ext>
+    </p:extLst>
+  </p:cSld>
+  <p:clrMapOvr>
+    <a:masterClrMapping/>
+  </p:clrMapOvr>
+</p:sld>
+</file>
+
 <file path=ppt/theme/theme1.xml><?xml version="1.0" encoding="utf-8"?>
 <a:theme xmlns:a="http://schemas.openxmlformats.org/drawingml/2006/main" name="Office Theme">
   <a:themeElements>

--- a/References/huy_draft.pptx
+++ b/References/huy_draft.pptx
@@ -12,6 +12,7 @@
     <p:sldId id="260" r:id="rId6"/>
     <p:sldId id="261" r:id="rId7"/>
     <p:sldId id="262" r:id="rId8"/>
+    <p:sldId id="263" r:id="rId9"/>
   </p:sldIdLst>
   <p:sldSz cx="12192000" cy="6858000"/>
   <p:notesSz cx="6858000" cy="9144000"/>
@@ -265,7 +266,7 @@
           <a:p>
             <a:fld id="{F46336BD-2A7D-4CB1-A425-EDBB44797913}" type="datetimeFigureOut">
               <a:rPr lang="en-US" smtClean="0"/>
-              <a:t>10/7/2020</a:t>
+              <a:t>10/9/2020</a:t>
             </a:fld>
             <a:endParaRPr lang="en-US"/>
           </a:p>
@@ -463,7 +464,7 @@
           <a:p>
             <a:fld id="{F46336BD-2A7D-4CB1-A425-EDBB44797913}" type="datetimeFigureOut">
               <a:rPr lang="en-US" smtClean="0"/>
-              <a:t>10/7/2020</a:t>
+              <a:t>10/9/2020</a:t>
             </a:fld>
             <a:endParaRPr lang="en-US"/>
           </a:p>
@@ -671,7 +672,7 @@
           <a:p>
             <a:fld id="{F46336BD-2A7D-4CB1-A425-EDBB44797913}" type="datetimeFigureOut">
               <a:rPr lang="en-US" smtClean="0"/>
-              <a:t>10/7/2020</a:t>
+              <a:t>10/9/2020</a:t>
             </a:fld>
             <a:endParaRPr lang="en-US"/>
           </a:p>
@@ -869,7 +870,7 @@
           <a:p>
             <a:fld id="{F46336BD-2A7D-4CB1-A425-EDBB44797913}" type="datetimeFigureOut">
               <a:rPr lang="en-US" smtClean="0"/>
-              <a:t>10/7/2020</a:t>
+              <a:t>10/9/2020</a:t>
             </a:fld>
             <a:endParaRPr lang="en-US"/>
           </a:p>
@@ -1144,7 +1145,7 @@
           <a:p>
             <a:fld id="{F46336BD-2A7D-4CB1-A425-EDBB44797913}" type="datetimeFigureOut">
               <a:rPr lang="en-US" smtClean="0"/>
-              <a:t>10/7/2020</a:t>
+              <a:t>10/9/2020</a:t>
             </a:fld>
             <a:endParaRPr lang="en-US"/>
           </a:p>
@@ -1409,7 +1410,7 @@
           <a:p>
             <a:fld id="{F46336BD-2A7D-4CB1-A425-EDBB44797913}" type="datetimeFigureOut">
               <a:rPr lang="en-US" smtClean="0"/>
-              <a:t>10/7/2020</a:t>
+              <a:t>10/9/2020</a:t>
             </a:fld>
             <a:endParaRPr lang="en-US"/>
           </a:p>
@@ -1821,7 +1822,7 @@
           <a:p>
             <a:fld id="{F46336BD-2A7D-4CB1-A425-EDBB44797913}" type="datetimeFigureOut">
               <a:rPr lang="en-US" smtClean="0"/>
-              <a:t>10/7/2020</a:t>
+              <a:t>10/9/2020</a:t>
             </a:fld>
             <a:endParaRPr lang="en-US"/>
           </a:p>
@@ -1962,7 +1963,7 @@
           <a:p>
             <a:fld id="{F46336BD-2A7D-4CB1-A425-EDBB44797913}" type="datetimeFigureOut">
               <a:rPr lang="en-US" smtClean="0"/>
-              <a:t>10/7/2020</a:t>
+              <a:t>10/9/2020</a:t>
             </a:fld>
             <a:endParaRPr lang="en-US"/>
           </a:p>
@@ -2075,7 +2076,7 @@
           <a:p>
             <a:fld id="{F46336BD-2A7D-4CB1-A425-EDBB44797913}" type="datetimeFigureOut">
               <a:rPr lang="en-US" smtClean="0"/>
-              <a:t>10/7/2020</a:t>
+              <a:t>10/9/2020</a:t>
             </a:fld>
             <a:endParaRPr lang="en-US"/>
           </a:p>
@@ -2386,7 +2387,7 @@
           <a:p>
             <a:fld id="{F46336BD-2A7D-4CB1-A425-EDBB44797913}" type="datetimeFigureOut">
               <a:rPr lang="en-US" smtClean="0"/>
-              <a:t>10/7/2020</a:t>
+              <a:t>10/9/2020</a:t>
             </a:fld>
             <a:endParaRPr lang="en-US"/>
           </a:p>
@@ -2674,7 +2675,7 @@
           <a:p>
             <a:fld id="{F46336BD-2A7D-4CB1-A425-EDBB44797913}" type="datetimeFigureOut">
               <a:rPr lang="en-US" smtClean="0"/>
-              <a:t>10/7/2020</a:t>
+              <a:t>10/9/2020</a:t>
             </a:fld>
             <a:endParaRPr lang="en-US"/>
           </a:p>
@@ -2915,7 +2916,7 @@
           <a:p>
             <a:fld id="{F46336BD-2A7D-4CB1-A425-EDBB44797913}" type="datetimeFigureOut">
               <a:rPr lang="en-US" smtClean="0"/>
-              <a:t>10/7/2020</a:t>
+              <a:t>10/9/2020</a:t>
             </a:fld>
             <a:endParaRPr lang="en-US"/>
           </a:p>
@@ -23489,6 +23490,1535 @@
 </p:sld>
 </file>
 
+<file path=ppt/slides/slide8.xml><?xml version="1.0" encoding="utf-8"?>
+<p:sld xmlns:a="http://schemas.openxmlformats.org/drawingml/2006/main" xmlns:r="http://schemas.openxmlformats.org/officeDocument/2006/relationships" xmlns:p="http://schemas.openxmlformats.org/presentationml/2006/main">
+  <p:cSld>
+    <p:spTree>
+      <p:nvGrpSpPr>
+        <p:cNvPr id="1" name=""/>
+        <p:cNvGrpSpPr/>
+        <p:nvPr/>
+      </p:nvGrpSpPr>
+      <p:grpSpPr>
+        <a:xfrm>
+          <a:off x="0" y="0"/>
+          <a:ext cx="0" cy="0"/>
+          <a:chOff x="0" y="0"/>
+          <a:chExt cx="0" cy="0"/>
+        </a:xfrm>
+      </p:grpSpPr>
+      <p:graphicFrame>
+        <p:nvGraphicFramePr>
+          <p:cNvPr id="2" name="Table 2">
+            <a:extLst>
+              <a:ext uri="{FF2B5EF4-FFF2-40B4-BE49-F238E27FC236}">
+                <a16:creationId xmlns:a16="http://schemas.microsoft.com/office/drawing/2014/main" id="{58093D79-E758-4891-8946-84BCE09897B0}"/>
+              </a:ext>
+            </a:extLst>
+          </p:cNvPr>
+          <p:cNvGraphicFramePr>
+            <a:graphicFrameLocks noGrp="1"/>
+          </p:cNvGraphicFramePr>
+          <p:nvPr>
+            <p:extLst>
+              <p:ext uri="{D42A27DB-BD31-4B8C-83A1-F6EECF244321}">
+                <p14:modId xmlns:p14="http://schemas.microsoft.com/office/powerpoint/2010/main" val="2257962697"/>
+              </p:ext>
+            </p:extLst>
+          </p:nvPr>
+        </p:nvGraphicFramePr>
+        <p:xfrm>
+          <a:off x="3850547" y="1868958"/>
+          <a:ext cx="1845578" cy="2595880"/>
+        </p:xfrm>
+        <a:graphic>
+          <a:graphicData uri="http://schemas.openxmlformats.org/drawingml/2006/table">
+            <a:tbl>
+              <a:tblPr>
+                <a:tableStyleId>{2D5ABB26-0587-4C30-8999-92F81FD0307C}</a:tableStyleId>
+              </a:tblPr>
+              <a:tblGrid>
+                <a:gridCol w="922789">
+                  <a:extLst>
+                    <a:ext uri="{9D8B030D-6E8A-4147-A177-3AD203B41FA5}">
+                      <a16:colId xmlns:a16="http://schemas.microsoft.com/office/drawing/2014/main" val="3046647558"/>
+                    </a:ext>
+                  </a:extLst>
+                </a:gridCol>
+                <a:gridCol w="922789">
+                  <a:extLst>
+                    <a:ext uri="{9D8B030D-6E8A-4147-A177-3AD203B41FA5}">
+                      <a16:colId xmlns:a16="http://schemas.microsoft.com/office/drawing/2014/main" val="2934429223"/>
+                    </a:ext>
+                  </a:extLst>
+                </a:gridCol>
+              </a:tblGrid>
+              <a:tr h="370840">
+                <a:tc gridSpan="2">
+                  <a:txBody>
+                    <a:bodyPr/>
+                    <a:lstStyle/>
+                    <a:p>
+                      <a:pPr algn="ctr"/>
+                      <a:r>
+                        <a:rPr lang="en-US" sz="1600"/>
+                        <a:t>Application</a:t>
+                      </a:r>
+                    </a:p>
+                  </a:txBody>
+                  <a:tcPr>
+                    <a:lnL w="12700" cap="flat" cmpd="sng" algn="ctr">
+                      <a:solidFill>
+                        <a:schemeClr val="tx1"/>
+                      </a:solidFill>
+                      <a:prstDash val="solid"/>
+                      <a:round/>
+                      <a:headEnd type="none" w="med" len="med"/>
+                      <a:tailEnd type="none" w="med" len="med"/>
+                    </a:lnL>
+                    <a:lnR w="12700" cap="flat" cmpd="sng" algn="ctr">
+                      <a:solidFill>
+                        <a:schemeClr val="tx1"/>
+                      </a:solidFill>
+                      <a:prstDash val="solid"/>
+                      <a:round/>
+                      <a:headEnd type="none" w="med" len="med"/>
+                      <a:tailEnd type="none" w="med" len="med"/>
+                    </a:lnR>
+                    <a:lnT w="12700" cap="flat" cmpd="sng" algn="ctr">
+                      <a:solidFill>
+                        <a:schemeClr val="tx1"/>
+                      </a:solidFill>
+                      <a:prstDash val="solid"/>
+                      <a:round/>
+                      <a:headEnd type="none" w="med" len="med"/>
+                      <a:tailEnd type="none" w="med" len="med"/>
+                    </a:lnT>
+                    <a:lnB w="12700" cap="flat" cmpd="sng" algn="ctr">
+                      <a:solidFill>
+                        <a:schemeClr val="tx1"/>
+                      </a:solidFill>
+                      <a:prstDash val="solid"/>
+                      <a:round/>
+                      <a:headEnd type="none" w="med" len="med"/>
+                      <a:tailEnd type="none" w="med" len="med"/>
+                    </a:lnB>
+                  </a:tcPr>
+                </a:tc>
+                <a:tc hMerge="1">
+                  <a:txBody>
+                    <a:bodyPr/>
+                    <a:lstStyle/>
+                    <a:p>
+                      <a:endParaRPr lang="en-US"/>
+                    </a:p>
+                  </a:txBody>
+                  <a:tcPr/>
+                </a:tc>
+                <a:extLst>
+                  <a:ext uri="{0D108BD9-81ED-4DB2-BD59-A6C34878D82A}">
+                    <a16:rowId xmlns:a16="http://schemas.microsoft.com/office/drawing/2014/main" val="94683860"/>
+                  </a:ext>
+                </a:extLst>
+              </a:tr>
+              <a:tr h="370840">
+                <a:tc gridSpan="2">
+                  <a:txBody>
+                    <a:bodyPr/>
+                    <a:lstStyle/>
+                    <a:p>
+                      <a:pPr algn="ctr"/>
+                      <a:r>
+                        <a:rPr lang="en-US" sz="1600"/>
+                        <a:t>Transport</a:t>
+                      </a:r>
+                    </a:p>
+                  </a:txBody>
+                  <a:tcPr>
+                    <a:lnL w="12700" cap="flat" cmpd="sng" algn="ctr">
+                      <a:solidFill>
+                        <a:schemeClr val="tx1"/>
+                      </a:solidFill>
+                      <a:prstDash val="solid"/>
+                      <a:round/>
+                      <a:headEnd type="none" w="med" len="med"/>
+                      <a:tailEnd type="none" w="med" len="med"/>
+                    </a:lnL>
+                    <a:lnR w="12700" cap="flat" cmpd="sng" algn="ctr">
+                      <a:solidFill>
+                        <a:schemeClr val="tx1"/>
+                      </a:solidFill>
+                      <a:prstDash val="solid"/>
+                      <a:round/>
+                      <a:headEnd type="none" w="med" len="med"/>
+                      <a:tailEnd type="none" w="med" len="med"/>
+                    </a:lnR>
+                    <a:lnT w="12700" cap="flat" cmpd="sng" algn="ctr">
+                      <a:solidFill>
+                        <a:schemeClr val="tx1"/>
+                      </a:solidFill>
+                      <a:prstDash val="solid"/>
+                      <a:round/>
+                      <a:headEnd type="none" w="med" len="med"/>
+                      <a:tailEnd type="none" w="med" len="med"/>
+                    </a:lnT>
+                    <a:lnB w="12700" cap="flat" cmpd="sng" algn="ctr">
+                      <a:solidFill>
+                        <a:schemeClr val="tx1"/>
+                      </a:solidFill>
+                      <a:prstDash val="solid"/>
+                      <a:round/>
+                      <a:headEnd type="none" w="med" len="med"/>
+                      <a:tailEnd type="none" w="med" len="med"/>
+                    </a:lnB>
+                  </a:tcPr>
+                </a:tc>
+                <a:tc hMerge="1">
+                  <a:txBody>
+                    <a:bodyPr/>
+                    <a:lstStyle/>
+                    <a:p>
+                      <a:endParaRPr lang="en-US"/>
+                    </a:p>
+                  </a:txBody>
+                  <a:tcPr/>
+                </a:tc>
+                <a:extLst>
+                  <a:ext uri="{0D108BD9-81ED-4DB2-BD59-A6C34878D82A}">
+                    <a16:rowId xmlns:a16="http://schemas.microsoft.com/office/drawing/2014/main" val="3740455168"/>
+                  </a:ext>
+                </a:extLst>
+              </a:tr>
+              <a:tr h="370840">
+                <a:tc>
+                  <a:txBody>
+                    <a:bodyPr/>
+                    <a:lstStyle/>
+                    <a:p>
+                      <a:pPr algn="ctr"/>
+                      <a:r>
+                        <a:rPr lang="en-US" sz="1600"/>
+                        <a:t>Network</a:t>
+                      </a:r>
+                    </a:p>
+                  </a:txBody>
+                  <a:tcPr>
+                    <a:lnL w="12700" cap="flat" cmpd="sng" algn="ctr">
+                      <a:solidFill>
+                        <a:schemeClr val="tx1"/>
+                      </a:solidFill>
+                      <a:prstDash val="solid"/>
+                      <a:round/>
+                      <a:headEnd type="none" w="med" len="med"/>
+                      <a:tailEnd type="none" w="med" len="med"/>
+                    </a:lnL>
+                    <a:lnR w="12700" cap="flat" cmpd="sng" algn="ctr">
+                      <a:solidFill>
+                        <a:schemeClr val="tx1"/>
+                      </a:solidFill>
+                      <a:prstDash val="solid"/>
+                      <a:round/>
+                      <a:headEnd type="none" w="med" len="med"/>
+                      <a:tailEnd type="none" w="med" len="med"/>
+                    </a:lnR>
+                    <a:lnT w="12700" cap="flat" cmpd="sng" algn="ctr">
+                      <a:solidFill>
+                        <a:schemeClr val="tx1"/>
+                      </a:solidFill>
+                      <a:prstDash val="solid"/>
+                      <a:round/>
+                      <a:headEnd type="none" w="med" len="med"/>
+                      <a:tailEnd type="none" w="med" len="med"/>
+                    </a:lnT>
+                    <a:lnB w="12700" cap="flat" cmpd="sng" algn="ctr">
+                      <a:solidFill>
+                        <a:schemeClr val="tx1"/>
+                      </a:solidFill>
+                      <a:prstDash val="solid"/>
+                      <a:round/>
+                      <a:headEnd type="none" w="med" len="med"/>
+                      <a:tailEnd type="none" w="med" len="med"/>
+                    </a:lnB>
+                  </a:tcPr>
+                </a:tc>
+                <a:tc>
+                  <a:txBody>
+                    <a:bodyPr/>
+                    <a:lstStyle/>
+                    <a:p>
+                      <a:pPr algn="ctr"/>
+                      <a:r>
+                        <a:rPr lang="en-US" sz="1600"/>
+                        <a:t>Routing</a:t>
+                      </a:r>
+                    </a:p>
+                  </a:txBody>
+                  <a:tcPr>
+                    <a:lnL w="12700" cap="flat" cmpd="sng" algn="ctr">
+                      <a:solidFill>
+                        <a:schemeClr val="tx1"/>
+                      </a:solidFill>
+                      <a:prstDash val="solid"/>
+                      <a:round/>
+                      <a:headEnd type="none" w="med" len="med"/>
+                      <a:tailEnd type="none" w="med" len="med"/>
+                    </a:lnL>
+                    <a:lnR w="12700" cap="flat" cmpd="sng" algn="ctr">
+                      <a:solidFill>
+                        <a:schemeClr val="tx1"/>
+                      </a:solidFill>
+                      <a:prstDash val="solid"/>
+                      <a:round/>
+                      <a:headEnd type="none" w="med" len="med"/>
+                      <a:tailEnd type="none" w="med" len="med"/>
+                    </a:lnR>
+                    <a:lnT w="12700" cap="flat" cmpd="sng" algn="ctr">
+                      <a:solidFill>
+                        <a:schemeClr val="tx1"/>
+                      </a:solidFill>
+                      <a:prstDash val="solid"/>
+                      <a:round/>
+                      <a:headEnd type="none" w="med" len="med"/>
+                      <a:tailEnd type="none" w="med" len="med"/>
+                    </a:lnT>
+                    <a:lnB w="12700" cap="flat" cmpd="sng" algn="ctr">
+                      <a:solidFill>
+                        <a:schemeClr val="tx1"/>
+                      </a:solidFill>
+                      <a:prstDash val="solid"/>
+                      <a:round/>
+                      <a:headEnd type="none" w="med" len="med"/>
+                      <a:tailEnd type="none" w="med" len="med"/>
+                    </a:lnB>
+                  </a:tcPr>
+                </a:tc>
+                <a:extLst>
+                  <a:ext uri="{0D108BD9-81ED-4DB2-BD59-A6C34878D82A}">
+                    <a16:rowId xmlns:a16="http://schemas.microsoft.com/office/drawing/2014/main" val="1032791347"/>
+                  </a:ext>
+                </a:extLst>
+              </a:tr>
+              <a:tr h="370840">
+                <a:tc gridSpan="2">
+                  <a:txBody>
+                    <a:bodyPr/>
+                    <a:lstStyle/>
+                    <a:p>
+                      <a:pPr algn="ctr"/>
+                      <a:r>
+                        <a:rPr lang="en-US" sz="1600"/>
+                        <a:t>Adaptation</a:t>
+                      </a:r>
+                    </a:p>
+                  </a:txBody>
+                  <a:tcPr>
+                    <a:lnL w="12700" cap="flat" cmpd="sng" algn="ctr">
+                      <a:solidFill>
+                        <a:schemeClr val="tx1"/>
+                      </a:solidFill>
+                      <a:prstDash val="solid"/>
+                      <a:round/>
+                      <a:headEnd type="none" w="med" len="med"/>
+                      <a:tailEnd type="none" w="med" len="med"/>
+                    </a:lnL>
+                    <a:lnR w="12700" cap="flat" cmpd="sng" algn="ctr">
+                      <a:solidFill>
+                        <a:schemeClr val="tx1"/>
+                      </a:solidFill>
+                      <a:prstDash val="solid"/>
+                      <a:round/>
+                      <a:headEnd type="none" w="med" len="med"/>
+                      <a:tailEnd type="none" w="med" len="med"/>
+                    </a:lnR>
+                    <a:lnT w="12700" cap="flat" cmpd="sng" algn="ctr">
+                      <a:solidFill>
+                        <a:schemeClr val="tx1"/>
+                      </a:solidFill>
+                      <a:prstDash val="solid"/>
+                      <a:round/>
+                      <a:headEnd type="none" w="med" len="med"/>
+                      <a:tailEnd type="none" w="med" len="med"/>
+                    </a:lnT>
+                    <a:lnB w="12700" cap="flat" cmpd="sng" algn="ctr">
+                      <a:solidFill>
+                        <a:schemeClr val="tx1"/>
+                      </a:solidFill>
+                      <a:prstDash val="solid"/>
+                      <a:round/>
+                      <a:headEnd type="none" w="med" len="med"/>
+                      <a:tailEnd type="none" w="med" len="med"/>
+                    </a:lnB>
+                  </a:tcPr>
+                </a:tc>
+                <a:tc hMerge="1">
+                  <a:txBody>
+                    <a:bodyPr/>
+                    <a:lstStyle/>
+                    <a:p>
+                      <a:endParaRPr lang="en-US"/>
+                    </a:p>
+                  </a:txBody>
+                  <a:tcPr/>
+                </a:tc>
+                <a:extLst>
+                  <a:ext uri="{0D108BD9-81ED-4DB2-BD59-A6C34878D82A}">
+                    <a16:rowId xmlns:a16="http://schemas.microsoft.com/office/drawing/2014/main" val="2386009842"/>
+                  </a:ext>
+                </a:extLst>
+              </a:tr>
+              <a:tr h="370840">
+                <a:tc gridSpan="2">
+                  <a:txBody>
+                    <a:bodyPr/>
+                    <a:lstStyle/>
+                    <a:p>
+                      <a:pPr algn="ctr"/>
+                      <a:r>
+                        <a:rPr lang="en-US" sz="1600"/>
+                        <a:t>MAC</a:t>
+                      </a:r>
+                    </a:p>
+                  </a:txBody>
+                  <a:tcPr>
+                    <a:lnL w="12700" cap="flat" cmpd="sng" algn="ctr">
+                      <a:solidFill>
+                        <a:schemeClr val="tx1"/>
+                      </a:solidFill>
+                      <a:prstDash val="solid"/>
+                      <a:round/>
+                      <a:headEnd type="none" w="med" len="med"/>
+                      <a:tailEnd type="none" w="med" len="med"/>
+                    </a:lnL>
+                    <a:lnR w="12700" cap="flat" cmpd="sng" algn="ctr">
+                      <a:solidFill>
+                        <a:schemeClr val="tx1"/>
+                      </a:solidFill>
+                      <a:prstDash val="solid"/>
+                      <a:round/>
+                      <a:headEnd type="none" w="med" len="med"/>
+                      <a:tailEnd type="none" w="med" len="med"/>
+                    </a:lnR>
+                    <a:lnT w="12700" cap="flat" cmpd="sng" algn="ctr">
+                      <a:solidFill>
+                        <a:schemeClr val="tx1"/>
+                      </a:solidFill>
+                      <a:prstDash val="solid"/>
+                      <a:round/>
+                      <a:headEnd type="none" w="med" len="med"/>
+                      <a:tailEnd type="none" w="med" len="med"/>
+                    </a:lnT>
+                    <a:lnB w="12700" cap="flat" cmpd="sng" algn="ctr">
+                      <a:solidFill>
+                        <a:schemeClr val="tx1"/>
+                      </a:solidFill>
+                      <a:prstDash val="solid"/>
+                      <a:round/>
+                      <a:headEnd type="none" w="med" len="med"/>
+                      <a:tailEnd type="none" w="med" len="med"/>
+                    </a:lnB>
+                  </a:tcPr>
+                </a:tc>
+                <a:tc hMerge="1">
+                  <a:txBody>
+                    <a:bodyPr/>
+                    <a:lstStyle/>
+                    <a:p>
+                      <a:endParaRPr lang="en-US"/>
+                    </a:p>
+                  </a:txBody>
+                  <a:tcPr/>
+                </a:tc>
+                <a:extLst>
+                  <a:ext uri="{0D108BD9-81ED-4DB2-BD59-A6C34878D82A}">
+                    <a16:rowId xmlns:a16="http://schemas.microsoft.com/office/drawing/2014/main" val="1413607092"/>
+                  </a:ext>
+                </a:extLst>
+              </a:tr>
+              <a:tr h="370840">
+                <a:tc gridSpan="2">
+                  <a:txBody>
+                    <a:bodyPr/>
+                    <a:lstStyle/>
+                    <a:p>
+                      <a:pPr algn="ctr"/>
+                      <a:r>
+                        <a:rPr lang="en-US" sz="1600"/>
+                        <a:t>Duty Cycling</a:t>
+                      </a:r>
+                    </a:p>
+                  </a:txBody>
+                  <a:tcPr>
+                    <a:lnL w="12700" cap="flat" cmpd="sng" algn="ctr">
+                      <a:solidFill>
+                        <a:schemeClr val="tx1"/>
+                      </a:solidFill>
+                      <a:prstDash val="solid"/>
+                      <a:round/>
+                      <a:headEnd type="none" w="med" len="med"/>
+                      <a:tailEnd type="none" w="med" len="med"/>
+                    </a:lnL>
+                    <a:lnR w="12700" cap="flat" cmpd="sng" algn="ctr">
+                      <a:solidFill>
+                        <a:schemeClr val="tx1"/>
+                      </a:solidFill>
+                      <a:prstDash val="solid"/>
+                      <a:round/>
+                      <a:headEnd type="none" w="med" len="med"/>
+                      <a:tailEnd type="none" w="med" len="med"/>
+                    </a:lnR>
+                    <a:lnT w="12700" cap="flat" cmpd="sng" algn="ctr">
+                      <a:solidFill>
+                        <a:schemeClr val="tx1"/>
+                      </a:solidFill>
+                      <a:prstDash val="solid"/>
+                      <a:round/>
+                      <a:headEnd type="none" w="med" len="med"/>
+                      <a:tailEnd type="none" w="med" len="med"/>
+                    </a:lnT>
+                    <a:lnB w="12700" cap="flat" cmpd="sng" algn="ctr">
+                      <a:solidFill>
+                        <a:schemeClr val="tx1"/>
+                      </a:solidFill>
+                      <a:prstDash val="solid"/>
+                      <a:round/>
+                      <a:headEnd type="none" w="med" len="med"/>
+                      <a:tailEnd type="none" w="med" len="med"/>
+                    </a:lnB>
+                  </a:tcPr>
+                </a:tc>
+                <a:tc hMerge="1">
+                  <a:txBody>
+                    <a:bodyPr/>
+                    <a:lstStyle/>
+                    <a:p>
+                      <a:endParaRPr lang="en-US"/>
+                    </a:p>
+                  </a:txBody>
+                  <a:tcPr/>
+                </a:tc>
+                <a:extLst>
+                  <a:ext uri="{0D108BD9-81ED-4DB2-BD59-A6C34878D82A}">
+                    <a16:rowId xmlns:a16="http://schemas.microsoft.com/office/drawing/2014/main" val="1301071276"/>
+                  </a:ext>
+                </a:extLst>
+              </a:tr>
+              <a:tr h="370840">
+                <a:tc gridSpan="2">
+                  <a:txBody>
+                    <a:bodyPr/>
+                    <a:lstStyle/>
+                    <a:p>
+                      <a:pPr algn="ctr"/>
+                      <a:r>
+                        <a:rPr lang="en-US" sz="1600"/>
+                        <a:t>Radio</a:t>
+                      </a:r>
+                    </a:p>
+                  </a:txBody>
+                  <a:tcPr>
+                    <a:lnL w="12700" cap="flat" cmpd="sng" algn="ctr">
+                      <a:solidFill>
+                        <a:schemeClr val="tx1"/>
+                      </a:solidFill>
+                      <a:prstDash val="solid"/>
+                      <a:round/>
+                      <a:headEnd type="none" w="med" len="med"/>
+                      <a:tailEnd type="none" w="med" len="med"/>
+                    </a:lnL>
+                    <a:lnR w="12700" cap="flat" cmpd="sng" algn="ctr">
+                      <a:solidFill>
+                        <a:schemeClr val="tx1"/>
+                      </a:solidFill>
+                      <a:prstDash val="solid"/>
+                      <a:round/>
+                      <a:headEnd type="none" w="med" len="med"/>
+                      <a:tailEnd type="none" w="med" len="med"/>
+                    </a:lnR>
+                    <a:lnT w="12700" cap="flat" cmpd="sng" algn="ctr">
+                      <a:solidFill>
+                        <a:schemeClr val="tx1"/>
+                      </a:solidFill>
+                      <a:prstDash val="solid"/>
+                      <a:round/>
+                      <a:headEnd type="none" w="med" len="med"/>
+                      <a:tailEnd type="none" w="med" len="med"/>
+                    </a:lnT>
+                    <a:lnB w="12700" cap="flat" cmpd="sng" algn="ctr">
+                      <a:solidFill>
+                        <a:schemeClr val="tx1"/>
+                      </a:solidFill>
+                      <a:prstDash val="solid"/>
+                      <a:round/>
+                      <a:headEnd type="none" w="med" len="med"/>
+                      <a:tailEnd type="none" w="med" len="med"/>
+                    </a:lnB>
+                  </a:tcPr>
+                </a:tc>
+                <a:tc hMerge="1">
+                  <a:txBody>
+                    <a:bodyPr/>
+                    <a:lstStyle/>
+                    <a:p>
+                      <a:endParaRPr lang="en-US"/>
+                    </a:p>
+                  </a:txBody>
+                  <a:tcPr/>
+                </a:tc>
+                <a:extLst>
+                  <a:ext uri="{0D108BD9-81ED-4DB2-BD59-A6C34878D82A}">
+                    <a16:rowId xmlns:a16="http://schemas.microsoft.com/office/drawing/2014/main" val="3897599227"/>
+                  </a:ext>
+                </a:extLst>
+              </a:tr>
+            </a:tbl>
+          </a:graphicData>
+        </a:graphic>
+      </p:graphicFrame>
+      <p:graphicFrame>
+        <p:nvGraphicFramePr>
+          <p:cNvPr id="4" name="Table 2">
+            <a:extLst>
+              <a:ext uri="{FF2B5EF4-FFF2-40B4-BE49-F238E27FC236}">
+                <a16:creationId xmlns:a16="http://schemas.microsoft.com/office/drawing/2014/main" id="{5FD3C92D-FA06-415F-B8D9-3D567B55EE33}"/>
+              </a:ext>
+            </a:extLst>
+          </p:cNvPr>
+          <p:cNvGraphicFramePr>
+            <a:graphicFrameLocks noGrp="1"/>
+          </p:cNvGraphicFramePr>
+          <p:nvPr>
+            <p:extLst>
+              <p:ext uri="{D42A27DB-BD31-4B8C-83A1-F6EECF244321}">
+                <p14:modId xmlns:p14="http://schemas.microsoft.com/office/powerpoint/2010/main" val="3397751591"/>
+              </p:ext>
+            </p:extLst>
+          </p:nvPr>
+        </p:nvGraphicFramePr>
+        <p:xfrm>
+          <a:off x="5696125" y="1868958"/>
+          <a:ext cx="1845578" cy="2595880"/>
+        </p:xfrm>
+        <a:graphic>
+          <a:graphicData uri="http://schemas.openxmlformats.org/drawingml/2006/table">
+            <a:tbl>
+              <a:tblPr>
+                <a:tableStyleId>{2D5ABB26-0587-4C30-8999-92F81FD0307C}</a:tableStyleId>
+              </a:tblPr>
+              <a:tblGrid>
+                <a:gridCol w="922789">
+                  <a:extLst>
+                    <a:ext uri="{9D8B030D-6E8A-4147-A177-3AD203B41FA5}">
+                      <a16:colId xmlns:a16="http://schemas.microsoft.com/office/drawing/2014/main" val="3046647558"/>
+                    </a:ext>
+                  </a:extLst>
+                </a:gridCol>
+                <a:gridCol w="922789">
+                  <a:extLst>
+                    <a:ext uri="{9D8B030D-6E8A-4147-A177-3AD203B41FA5}">
+                      <a16:colId xmlns:a16="http://schemas.microsoft.com/office/drawing/2014/main" val="2934429223"/>
+                    </a:ext>
+                  </a:extLst>
+                </a:gridCol>
+              </a:tblGrid>
+              <a:tr h="370840">
+                <a:tc gridSpan="2">
+                  <a:txBody>
+                    <a:bodyPr/>
+                    <a:lstStyle/>
+                    <a:p>
+                      <a:pPr algn="ctr"/>
+                      <a:r>
+                        <a:rPr lang="en-US" sz="1600"/>
+                        <a:t>CoAP</a:t>
+                      </a:r>
+                    </a:p>
+                  </a:txBody>
+                  <a:tcPr>
+                    <a:lnL w="12700" cap="flat" cmpd="sng" algn="ctr">
+                      <a:solidFill>
+                        <a:schemeClr val="tx1"/>
+                      </a:solidFill>
+                      <a:prstDash val="solid"/>
+                      <a:round/>
+                      <a:headEnd type="none" w="med" len="med"/>
+                      <a:tailEnd type="none" w="med" len="med"/>
+                    </a:lnL>
+                    <a:lnR w="12700" cap="flat" cmpd="sng" algn="ctr">
+                      <a:solidFill>
+                        <a:schemeClr val="tx1"/>
+                      </a:solidFill>
+                      <a:prstDash val="solid"/>
+                      <a:round/>
+                      <a:headEnd type="none" w="med" len="med"/>
+                      <a:tailEnd type="none" w="med" len="med"/>
+                    </a:lnR>
+                    <a:lnT w="12700" cap="flat" cmpd="sng" algn="ctr">
+                      <a:solidFill>
+                        <a:schemeClr val="tx1"/>
+                      </a:solidFill>
+                      <a:prstDash val="solid"/>
+                      <a:round/>
+                      <a:headEnd type="none" w="med" len="med"/>
+                      <a:tailEnd type="none" w="med" len="med"/>
+                    </a:lnT>
+                    <a:lnB w="12700" cap="flat" cmpd="sng" algn="ctr">
+                      <a:solidFill>
+                        <a:schemeClr val="tx1"/>
+                      </a:solidFill>
+                      <a:prstDash val="solid"/>
+                      <a:round/>
+                      <a:headEnd type="none" w="med" len="med"/>
+                      <a:tailEnd type="none" w="med" len="med"/>
+                    </a:lnB>
+                  </a:tcPr>
+                </a:tc>
+                <a:tc hMerge="1">
+                  <a:txBody>
+                    <a:bodyPr/>
+                    <a:lstStyle/>
+                    <a:p>
+                      <a:endParaRPr lang="en-US"/>
+                    </a:p>
+                  </a:txBody>
+                  <a:tcPr/>
+                </a:tc>
+                <a:extLst>
+                  <a:ext uri="{0D108BD9-81ED-4DB2-BD59-A6C34878D82A}">
+                    <a16:rowId xmlns:a16="http://schemas.microsoft.com/office/drawing/2014/main" val="94683860"/>
+                  </a:ext>
+                </a:extLst>
+              </a:tr>
+              <a:tr h="370840">
+                <a:tc gridSpan="2">
+                  <a:txBody>
+                    <a:bodyPr/>
+                    <a:lstStyle/>
+                    <a:p>
+                      <a:pPr algn="ctr"/>
+                      <a:r>
+                        <a:rPr lang="en-US" sz="1600"/>
+                        <a:t>UDP</a:t>
+                      </a:r>
+                    </a:p>
+                  </a:txBody>
+                  <a:tcPr>
+                    <a:lnL w="12700" cap="flat" cmpd="sng" algn="ctr">
+                      <a:solidFill>
+                        <a:schemeClr val="tx1"/>
+                      </a:solidFill>
+                      <a:prstDash val="solid"/>
+                      <a:round/>
+                      <a:headEnd type="none" w="med" len="med"/>
+                      <a:tailEnd type="none" w="med" len="med"/>
+                    </a:lnL>
+                    <a:lnR w="12700" cap="flat" cmpd="sng" algn="ctr">
+                      <a:solidFill>
+                        <a:schemeClr val="tx1"/>
+                      </a:solidFill>
+                      <a:prstDash val="solid"/>
+                      <a:round/>
+                      <a:headEnd type="none" w="med" len="med"/>
+                      <a:tailEnd type="none" w="med" len="med"/>
+                    </a:lnR>
+                    <a:lnT w="12700" cap="flat" cmpd="sng" algn="ctr">
+                      <a:solidFill>
+                        <a:schemeClr val="tx1"/>
+                      </a:solidFill>
+                      <a:prstDash val="solid"/>
+                      <a:round/>
+                      <a:headEnd type="none" w="med" len="med"/>
+                      <a:tailEnd type="none" w="med" len="med"/>
+                    </a:lnT>
+                    <a:lnB w="12700" cap="flat" cmpd="sng" algn="ctr">
+                      <a:solidFill>
+                        <a:schemeClr val="tx1"/>
+                      </a:solidFill>
+                      <a:prstDash val="solid"/>
+                      <a:round/>
+                      <a:headEnd type="none" w="med" len="med"/>
+                      <a:tailEnd type="none" w="med" len="med"/>
+                    </a:lnB>
+                  </a:tcPr>
+                </a:tc>
+                <a:tc hMerge="1">
+                  <a:txBody>
+                    <a:bodyPr/>
+                    <a:lstStyle/>
+                    <a:p>
+                      <a:endParaRPr lang="en-US"/>
+                    </a:p>
+                  </a:txBody>
+                  <a:tcPr/>
+                </a:tc>
+                <a:extLst>
+                  <a:ext uri="{0D108BD9-81ED-4DB2-BD59-A6C34878D82A}">
+                    <a16:rowId xmlns:a16="http://schemas.microsoft.com/office/drawing/2014/main" val="3740455168"/>
+                  </a:ext>
+                </a:extLst>
+              </a:tr>
+              <a:tr h="370840">
+                <a:tc>
+                  <a:txBody>
+                    <a:bodyPr/>
+                    <a:lstStyle/>
+                    <a:p>
+                      <a:pPr algn="ctr"/>
+                      <a:r>
+                        <a:rPr lang="en-US" sz="1600"/>
+                        <a:t>uIP</a:t>
+                      </a:r>
+                    </a:p>
+                  </a:txBody>
+                  <a:tcPr>
+                    <a:lnL w="12700" cap="flat" cmpd="sng" algn="ctr">
+                      <a:solidFill>
+                        <a:schemeClr val="tx1"/>
+                      </a:solidFill>
+                      <a:prstDash val="solid"/>
+                      <a:round/>
+                      <a:headEnd type="none" w="med" len="med"/>
+                      <a:tailEnd type="none" w="med" len="med"/>
+                    </a:lnL>
+                    <a:lnR w="12700" cap="flat" cmpd="sng" algn="ctr">
+                      <a:solidFill>
+                        <a:schemeClr val="tx1"/>
+                      </a:solidFill>
+                      <a:prstDash val="solid"/>
+                      <a:round/>
+                      <a:headEnd type="none" w="med" len="med"/>
+                      <a:tailEnd type="none" w="med" len="med"/>
+                    </a:lnR>
+                    <a:lnT w="12700" cap="flat" cmpd="sng" algn="ctr">
+                      <a:solidFill>
+                        <a:schemeClr val="tx1"/>
+                      </a:solidFill>
+                      <a:prstDash val="solid"/>
+                      <a:round/>
+                      <a:headEnd type="none" w="med" len="med"/>
+                      <a:tailEnd type="none" w="med" len="med"/>
+                    </a:lnT>
+                    <a:lnB w="12700" cap="flat" cmpd="sng" algn="ctr">
+                      <a:solidFill>
+                        <a:schemeClr val="tx1"/>
+                      </a:solidFill>
+                      <a:prstDash val="solid"/>
+                      <a:round/>
+                      <a:headEnd type="none" w="med" len="med"/>
+                      <a:tailEnd type="none" w="med" len="med"/>
+                    </a:lnB>
+                  </a:tcPr>
+                </a:tc>
+                <a:tc>
+                  <a:txBody>
+                    <a:bodyPr/>
+                    <a:lstStyle/>
+                    <a:p>
+                      <a:pPr algn="ctr"/>
+                      <a:r>
+                        <a:rPr lang="en-US" sz="1600"/>
+                        <a:t>RPL</a:t>
+                      </a:r>
+                    </a:p>
+                  </a:txBody>
+                  <a:tcPr>
+                    <a:lnL w="12700" cap="flat" cmpd="sng" algn="ctr">
+                      <a:solidFill>
+                        <a:schemeClr val="tx1"/>
+                      </a:solidFill>
+                      <a:prstDash val="solid"/>
+                      <a:round/>
+                      <a:headEnd type="none" w="med" len="med"/>
+                      <a:tailEnd type="none" w="med" len="med"/>
+                    </a:lnL>
+                    <a:lnR w="12700" cap="flat" cmpd="sng" algn="ctr">
+                      <a:solidFill>
+                        <a:schemeClr val="tx1"/>
+                      </a:solidFill>
+                      <a:prstDash val="solid"/>
+                      <a:round/>
+                      <a:headEnd type="none" w="med" len="med"/>
+                      <a:tailEnd type="none" w="med" len="med"/>
+                    </a:lnR>
+                    <a:lnT w="12700" cap="flat" cmpd="sng" algn="ctr">
+                      <a:solidFill>
+                        <a:schemeClr val="tx1"/>
+                      </a:solidFill>
+                      <a:prstDash val="solid"/>
+                      <a:round/>
+                      <a:headEnd type="none" w="med" len="med"/>
+                      <a:tailEnd type="none" w="med" len="med"/>
+                    </a:lnT>
+                    <a:lnB w="12700" cap="flat" cmpd="sng" algn="ctr">
+                      <a:solidFill>
+                        <a:schemeClr val="tx1"/>
+                      </a:solidFill>
+                      <a:prstDash val="solid"/>
+                      <a:round/>
+                      <a:headEnd type="none" w="med" len="med"/>
+                      <a:tailEnd type="none" w="med" len="med"/>
+                    </a:lnB>
+                  </a:tcPr>
+                </a:tc>
+                <a:extLst>
+                  <a:ext uri="{0D108BD9-81ED-4DB2-BD59-A6C34878D82A}">
+                    <a16:rowId xmlns:a16="http://schemas.microsoft.com/office/drawing/2014/main" val="1032791347"/>
+                  </a:ext>
+                </a:extLst>
+              </a:tr>
+              <a:tr h="370840">
+                <a:tc gridSpan="2">
+                  <a:txBody>
+                    <a:bodyPr/>
+                    <a:lstStyle/>
+                    <a:p>
+                      <a:pPr algn="ctr"/>
+                      <a:r>
+                        <a:rPr lang="en-US" sz="1600"/>
+                        <a:t>6LowPAN</a:t>
+                      </a:r>
+                    </a:p>
+                  </a:txBody>
+                  <a:tcPr>
+                    <a:lnL w="12700" cap="flat" cmpd="sng" algn="ctr">
+                      <a:solidFill>
+                        <a:schemeClr val="tx1"/>
+                      </a:solidFill>
+                      <a:prstDash val="solid"/>
+                      <a:round/>
+                      <a:headEnd type="none" w="med" len="med"/>
+                      <a:tailEnd type="none" w="med" len="med"/>
+                    </a:lnL>
+                    <a:lnR w="12700" cap="flat" cmpd="sng" algn="ctr">
+                      <a:solidFill>
+                        <a:schemeClr val="tx1"/>
+                      </a:solidFill>
+                      <a:prstDash val="solid"/>
+                      <a:round/>
+                      <a:headEnd type="none" w="med" len="med"/>
+                      <a:tailEnd type="none" w="med" len="med"/>
+                    </a:lnR>
+                    <a:lnT w="12700" cap="flat" cmpd="sng" algn="ctr">
+                      <a:solidFill>
+                        <a:schemeClr val="tx1"/>
+                      </a:solidFill>
+                      <a:prstDash val="solid"/>
+                      <a:round/>
+                      <a:headEnd type="none" w="med" len="med"/>
+                      <a:tailEnd type="none" w="med" len="med"/>
+                    </a:lnT>
+                    <a:lnB w="12700" cap="flat" cmpd="sng" algn="ctr">
+                      <a:solidFill>
+                        <a:schemeClr val="tx1"/>
+                      </a:solidFill>
+                      <a:prstDash val="solid"/>
+                      <a:round/>
+                      <a:headEnd type="none" w="med" len="med"/>
+                      <a:tailEnd type="none" w="med" len="med"/>
+                    </a:lnB>
+                  </a:tcPr>
+                </a:tc>
+                <a:tc hMerge="1">
+                  <a:txBody>
+                    <a:bodyPr/>
+                    <a:lstStyle/>
+                    <a:p>
+                      <a:endParaRPr lang="en-US"/>
+                    </a:p>
+                  </a:txBody>
+                  <a:tcPr/>
+                </a:tc>
+                <a:extLst>
+                  <a:ext uri="{0D108BD9-81ED-4DB2-BD59-A6C34878D82A}">
+                    <a16:rowId xmlns:a16="http://schemas.microsoft.com/office/drawing/2014/main" val="2386009842"/>
+                  </a:ext>
+                </a:extLst>
+              </a:tr>
+              <a:tr h="370840">
+                <a:tc gridSpan="2">
+                  <a:txBody>
+                    <a:bodyPr/>
+                    <a:lstStyle/>
+                    <a:p>
+                      <a:pPr algn="ctr"/>
+                      <a:r>
+                        <a:rPr lang="en-US" sz="1600"/>
+                        <a:t>CSMA/CA, nullmac </a:t>
+                      </a:r>
+                    </a:p>
+                  </a:txBody>
+                  <a:tcPr>
+                    <a:lnL w="12700" cap="flat" cmpd="sng" algn="ctr">
+                      <a:solidFill>
+                        <a:schemeClr val="tx1"/>
+                      </a:solidFill>
+                      <a:prstDash val="solid"/>
+                      <a:round/>
+                      <a:headEnd type="none" w="med" len="med"/>
+                      <a:tailEnd type="none" w="med" len="med"/>
+                    </a:lnL>
+                    <a:lnR w="12700" cap="flat" cmpd="sng" algn="ctr">
+                      <a:solidFill>
+                        <a:schemeClr val="tx1"/>
+                      </a:solidFill>
+                      <a:prstDash val="solid"/>
+                      <a:round/>
+                      <a:headEnd type="none" w="med" len="med"/>
+                      <a:tailEnd type="none" w="med" len="med"/>
+                    </a:lnR>
+                    <a:lnT w="12700" cap="flat" cmpd="sng" algn="ctr">
+                      <a:solidFill>
+                        <a:schemeClr val="tx1"/>
+                      </a:solidFill>
+                      <a:prstDash val="solid"/>
+                      <a:round/>
+                      <a:headEnd type="none" w="med" len="med"/>
+                      <a:tailEnd type="none" w="med" len="med"/>
+                    </a:lnT>
+                    <a:lnB w="12700" cap="flat" cmpd="sng" algn="ctr">
+                      <a:solidFill>
+                        <a:schemeClr val="tx1"/>
+                      </a:solidFill>
+                      <a:prstDash val="solid"/>
+                      <a:round/>
+                      <a:headEnd type="none" w="med" len="med"/>
+                      <a:tailEnd type="none" w="med" len="med"/>
+                    </a:lnB>
+                  </a:tcPr>
+                </a:tc>
+                <a:tc hMerge="1">
+                  <a:txBody>
+                    <a:bodyPr/>
+                    <a:lstStyle/>
+                    <a:p>
+                      <a:endParaRPr lang="en-US"/>
+                    </a:p>
+                  </a:txBody>
+                  <a:tcPr/>
+                </a:tc>
+                <a:extLst>
+                  <a:ext uri="{0D108BD9-81ED-4DB2-BD59-A6C34878D82A}">
+                    <a16:rowId xmlns:a16="http://schemas.microsoft.com/office/drawing/2014/main" val="1413607092"/>
+                  </a:ext>
+                </a:extLst>
+              </a:tr>
+              <a:tr h="370840">
+                <a:tc gridSpan="2">
+                  <a:txBody>
+                    <a:bodyPr/>
+                    <a:lstStyle/>
+                    <a:p>
+                      <a:pPr algn="ctr"/>
+                      <a:r>
+                        <a:rPr lang="en-US" sz="1600"/>
+                        <a:t>ContikiMAC, TSCH</a:t>
+                      </a:r>
+                    </a:p>
+                  </a:txBody>
+                  <a:tcPr>
+                    <a:lnL w="12700" cap="flat" cmpd="sng" algn="ctr">
+                      <a:solidFill>
+                        <a:schemeClr val="tx1"/>
+                      </a:solidFill>
+                      <a:prstDash val="solid"/>
+                      <a:round/>
+                      <a:headEnd type="none" w="med" len="med"/>
+                      <a:tailEnd type="none" w="med" len="med"/>
+                    </a:lnL>
+                    <a:lnR w="12700" cap="flat" cmpd="sng" algn="ctr">
+                      <a:solidFill>
+                        <a:schemeClr val="tx1"/>
+                      </a:solidFill>
+                      <a:prstDash val="solid"/>
+                      <a:round/>
+                      <a:headEnd type="none" w="med" len="med"/>
+                      <a:tailEnd type="none" w="med" len="med"/>
+                    </a:lnR>
+                    <a:lnT w="12700" cap="flat" cmpd="sng" algn="ctr">
+                      <a:solidFill>
+                        <a:schemeClr val="tx1"/>
+                      </a:solidFill>
+                      <a:prstDash val="solid"/>
+                      <a:round/>
+                      <a:headEnd type="none" w="med" len="med"/>
+                      <a:tailEnd type="none" w="med" len="med"/>
+                    </a:lnT>
+                    <a:lnB w="12700" cap="flat" cmpd="sng" algn="ctr">
+                      <a:solidFill>
+                        <a:schemeClr val="tx1"/>
+                      </a:solidFill>
+                      <a:prstDash val="solid"/>
+                      <a:round/>
+                      <a:headEnd type="none" w="med" len="med"/>
+                      <a:tailEnd type="none" w="med" len="med"/>
+                    </a:lnB>
+                  </a:tcPr>
+                </a:tc>
+                <a:tc hMerge="1">
+                  <a:txBody>
+                    <a:bodyPr/>
+                    <a:lstStyle/>
+                    <a:p>
+                      <a:endParaRPr lang="en-US"/>
+                    </a:p>
+                  </a:txBody>
+                  <a:tcPr/>
+                </a:tc>
+                <a:extLst>
+                  <a:ext uri="{0D108BD9-81ED-4DB2-BD59-A6C34878D82A}">
+                    <a16:rowId xmlns:a16="http://schemas.microsoft.com/office/drawing/2014/main" val="1301071276"/>
+                  </a:ext>
+                </a:extLst>
+              </a:tr>
+              <a:tr h="370840">
+                <a:tc gridSpan="2">
+                  <a:txBody>
+                    <a:bodyPr/>
+                    <a:lstStyle/>
+                    <a:p>
+                      <a:pPr algn="ctr"/>
+                      <a:r>
+                        <a:rPr lang="en-US" sz="1600"/>
+                        <a:t>IEEE 802.15.4</a:t>
+                      </a:r>
+                    </a:p>
+                  </a:txBody>
+                  <a:tcPr>
+                    <a:lnL w="12700" cap="flat" cmpd="sng" algn="ctr">
+                      <a:solidFill>
+                        <a:schemeClr val="tx1"/>
+                      </a:solidFill>
+                      <a:prstDash val="solid"/>
+                      <a:round/>
+                      <a:headEnd type="none" w="med" len="med"/>
+                      <a:tailEnd type="none" w="med" len="med"/>
+                    </a:lnL>
+                    <a:lnR w="12700" cap="flat" cmpd="sng" algn="ctr">
+                      <a:solidFill>
+                        <a:schemeClr val="tx1"/>
+                      </a:solidFill>
+                      <a:prstDash val="solid"/>
+                      <a:round/>
+                      <a:headEnd type="none" w="med" len="med"/>
+                      <a:tailEnd type="none" w="med" len="med"/>
+                    </a:lnR>
+                    <a:lnT w="12700" cap="flat" cmpd="sng" algn="ctr">
+                      <a:solidFill>
+                        <a:schemeClr val="tx1"/>
+                      </a:solidFill>
+                      <a:prstDash val="solid"/>
+                      <a:round/>
+                      <a:headEnd type="none" w="med" len="med"/>
+                      <a:tailEnd type="none" w="med" len="med"/>
+                    </a:lnT>
+                    <a:lnB w="12700" cap="flat" cmpd="sng" algn="ctr">
+                      <a:solidFill>
+                        <a:schemeClr val="tx1"/>
+                      </a:solidFill>
+                      <a:prstDash val="solid"/>
+                      <a:round/>
+                      <a:headEnd type="none" w="med" len="med"/>
+                      <a:tailEnd type="none" w="med" len="med"/>
+                    </a:lnB>
+                  </a:tcPr>
+                </a:tc>
+                <a:tc hMerge="1">
+                  <a:txBody>
+                    <a:bodyPr/>
+                    <a:lstStyle/>
+                    <a:p>
+                      <a:endParaRPr lang="en-US"/>
+                    </a:p>
+                  </a:txBody>
+                  <a:tcPr/>
+                </a:tc>
+                <a:extLst>
+                  <a:ext uri="{0D108BD9-81ED-4DB2-BD59-A6C34878D82A}">
+                    <a16:rowId xmlns:a16="http://schemas.microsoft.com/office/drawing/2014/main" val="3897599227"/>
+                  </a:ext>
+                </a:extLst>
+              </a:tr>
+            </a:tbl>
+          </a:graphicData>
+        </a:graphic>
+      </p:graphicFrame>
+      <p:sp>
+        <p:nvSpPr>
+          <p:cNvPr id="5" name="Left Brace 4">
+            <a:extLst>
+              <a:ext uri="{FF2B5EF4-FFF2-40B4-BE49-F238E27FC236}">
+                <a16:creationId xmlns:a16="http://schemas.microsoft.com/office/drawing/2014/main" id="{8336A8E8-2EE3-4FA4-8C60-CF485EF3F97F}"/>
+              </a:ext>
+            </a:extLst>
+          </p:cNvPr>
+          <p:cNvSpPr/>
+          <p:nvPr/>
+        </p:nvSpPr>
+        <p:spPr>
+          <a:xfrm>
+            <a:off x="3707934" y="1868958"/>
+            <a:ext cx="83890" cy="1436304"/>
+          </a:xfrm>
+          <a:prstGeom prst="leftBrace">
+            <a:avLst/>
+          </a:prstGeom>
+          <a:ln w="12700">
+            <a:solidFill>
+              <a:schemeClr val="tx1"/>
+            </a:solidFill>
+          </a:ln>
+        </p:spPr>
+        <p:style>
+          <a:lnRef idx="1">
+            <a:schemeClr val="accent1"/>
+          </a:lnRef>
+          <a:fillRef idx="0">
+            <a:schemeClr val="accent1"/>
+          </a:fillRef>
+          <a:effectRef idx="0">
+            <a:schemeClr val="accent1"/>
+          </a:effectRef>
+          <a:fontRef idx="minor">
+            <a:schemeClr val="tx1"/>
+          </a:fontRef>
+        </p:style>
+        <p:txBody>
+          <a:bodyPr rtlCol="0" anchor="ctr"/>
+          <a:lstStyle/>
+          <a:p>
+            <a:pPr algn="ctr"/>
+            <a:endParaRPr lang="en-US"/>
+          </a:p>
+        </p:txBody>
+      </p:sp>
+      <p:sp>
+        <p:nvSpPr>
+          <p:cNvPr id="7" name="TextBox 6">
+            <a:extLst>
+              <a:ext uri="{FF2B5EF4-FFF2-40B4-BE49-F238E27FC236}">
+                <a16:creationId xmlns:a16="http://schemas.microsoft.com/office/drawing/2014/main" id="{6023C0A0-7CBC-4F35-9AFC-4BF06569926C}"/>
+              </a:ext>
+            </a:extLst>
+          </p:cNvPr>
+          <p:cNvSpPr txBox="1"/>
+          <p:nvPr/>
+        </p:nvSpPr>
+        <p:spPr>
+          <a:xfrm>
+            <a:off x="2159821" y="2389769"/>
+            <a:ext cx="1400063" cy="338554"/>
+          </a:xfrm>
+          <a:prstGeom prst="rect">
+            <a:avLst/>
+          </a:prstGeom>
+          <a:noFill/>
+        </p:spPr>
+        <p:txBody>
+          <a:bodyPr wrap="none" rtlCol="0">
+            <a:spAutoFit/>
+          </a:bodyPr>
+          <a:lstStyle/>
+          <a:p>
+            <a:r>
+              <a:rPr lang="en-US" sz="1600"/>
+              <a:t>Network Layer</a:t>
+            </a:r>
+          </a:p>
+        </p:txBody>
+      </p:sp>
+      <p:sp>
+        <p:nvSpPr>
+          <p:cNvPr id="8" name="TextBox 7">
+            <a:extLst>
+              <a:ext uri="{FF2B5EF4-FFF2-40B4-BE49-F238E27FC236}">
+                <a16:creationId xmlns:a16="http://schemas.microsoft.com/office/drawing/2014/main" id="{057042E9-9FA9-4490-B8DD-1E852464EA53}"/>
+              </a:ext>
+            </a:extLst>
+          </p:cNvPr>
+          <p:cNvSpPr txBox="1"/>
+          <p:nvPr/>
+        </p:nvSpPr>
+        <p:spPr>
+          <a:xfrm>
+            <a:off x="2467262" y="3383462"/>
+            <a:ext cx="1077796" cy="338554"/>
+          </a:xfrm>
+          <a:prstGeom prst="rect">
+            <a:avLst/>
+          </a:prstGeom>
+          <a:noFill/>
+        </p:spPr>
+        <p:txBody>
+          <a:bodyPr wrap="none" rtlCol="0">
+            <a:spAutoFit/>
+          </a:bodyPr>
+          <a:lstStyle/>
+          <a:p>
+            <a:r>
+              <a:rPr lang="en-US" sz="1600"/>
+              <a:t>MAC Layer</a:t>
+            </a:r>
+          </a:p>
+        </p:txBody>
+      </p:sp>
+      <p:sp>
+        <p:nvSpPr>
+          <p:cNvPr id="9" name="TextBox 8">
+            <a:extLst>
+              <a:ext uri="{FF2B5EF4-FFF2-40B4-BE49-F238E27FC236}">
+                <a16:creationId xmlns:a16="http://schemas.microsoft.com/office/drawing/2014/main" id="{F7906C25-6BF0-4A79-8319-9AD6B06F9D7A}"/>
+              </a:ext>
+            </a:extLst>
+          </p:cNvPr>
+          <p:cNvSpPr txBox="1"/>
+          <p:nvPr/>
+        </p:nvSpPr>
+        <p:spPr>
+          <a:xfrm>
+            <a:off x="2525985" y="3734902"/>
+            <a:ext cx="1024768" cy="338554"/>
+          </a:xfrm>
+          <a:prstGeom prst="rect">
+            <a:avLst/>
+          </a:prstGeom>
+          <a:noFill/>
+        </p:spPr>
+        <p:txBody>
+          <a:bodyPr wrap="none" rtlCol="0">
+            <a:spAutoFit/>
+          </a:bodyPr>
+          <a:lstStyle/>
+          <a:p>
+            <a:r>
+              <a:rPr lang="en-US" sz="1600"/>
+              <a:t>RDC Layer</a:t>
+            </a:r>
+          </a:p>
+        </p:txBody>
+      </p:sp>
+      <p:sp>
+        <p:nvSpPr>
+          <p:cNvPr id="10" name="TextBox 9">
+            <a:extLst>
+              <a:ext uri="{FF2B5EF4-FFF2-40B4-BE49-F238E27FC236}">
+                <a16:creationId xmlns:a16="http://schemas.microsoft.com/office/drawing/2014/main" id="{5FF3930F-6B88-4004-B6A3-0EF09CF3A120}"/>
+              </a:ext>
+            </a:extLst>
+          </p:cNvPr>
+          <p:cNvSpPr txBox="1"/>
+          <p:nvPr/>
+        </p:nvSpPr>
+        <p:spPr>
+          <a:xfrm>
+            <a:off x="2404745" y="4126284"/>
+            <a:ext cx="1149802" cy="338554"/>
+          </a:xfrm>
+          <a:prstGeom prst="rect">
+            <a:avLst/>
+          </a:prstGeom>
+          <a:noFill/>
+        </p:spPr>
+        <p:txBody>
+          <a:bodyPr wrap="none" rtlCol="0">
+            <a:spAutoFit/>
+          </a:bodyPr>
+          <a:lstStyle/>
+          <a:p>
+            <a:r>
+              <a:rPr lang="en-US" sz="1600"/>
+              <a:t>Radio Layer</a:t>
+            </a:r>
+          </a:p>
+        </p:txBody>
+      </p:sp>
+      <p:cxnSp>
+        <p:nvCxnSpPr>
+          <p:cNvPr id="12" name="Straight Arrow Connector 11">
+            <a:extLst>
+              <a:ext uri="{FF2B5EF4-FFF2-40B4-BE49-F238E27FC236}">
+                <a16:creationId xmlns:a16="http://schemas.microsoft.com/office/drawing/2014/main" id="{C2B47529-952D-45FB-AAAF-92003EF376DB}"/>
+              </a:ext>
+            </a:extLst>
+          </p:cNvPr>
+          <p:cNvCxnSpPr>
+            <a:cxnSpLocks/>
+          </p:cNvCxnSpPr>
+          <p:nvPr/>
+        </p:nvCxnSpPr>
+        <p:spPr>
+          <a:xfrm flipH="1">
+            <a:off x="3509895" y="3904179"/>
+            <a:ext cx="340654" cy="0"/>
+          </a:xfrm>
+          <a:prstGeom prst="straightConnector1">
+            <a:avLst/>
+          </a:prstGeom>
+          <a:ln w="12700">
+            <a:solidFill>
+              <a:schemeClr val="tx1"/>
+            </a:solidFill>
+            <a:tailEnd type="triangle"/>
+          </a:ln>
+        </p:spPr>
+        <p:style>
+          <a:lnRef idx="1">
+            <a:schemeClr val="accent1"/>
+          </a:lnRef>
+          <a:fillRef idx="0">
+            <a:schemeClr val="accent1"/>
+          </a:fillRef>
+          <a:effectRef idx="0">
+            <a:schemeClr val="accent1"/>
+          </a:effectRef>
+          <a:fontRef idx="minor">
+            <a:schemeClr val="tx1"/>
+          </a:fontRef>
+        </p:style>
+      </p:cxnSp>
+      <p:cxnSp>
+        <p:nvCxnSpPr>
+          <p:cNvPr id="13" name="Straight Arrow Connector 12">
+            <a:extLst>
+              <a:ext uri="{FF2B5EF4-FFF2-40B4-BE49-F238E27FC236}">
+                <a16:creationId xmlns:a16="http://schemas.microsoft.com/office/drawing/2014/main" id="{C839F426-5B67-4E88-A1E2-B5AFBD9EDDFF}"/>
+              </a:ext>
+            </a:extLst>
+          </p:cNvPr>
+          <p:cNvCxnSpPr>
+            <a:cxnSpLocks/>
+          </p:cNvCxnSpPr>
+          <p:nvPr/>
+        </p:nvCxnSpPr>
+        <p:spPr>
+          <a:xfrm flipH="1">
+            <a:off x="3509895" y="4303451"/>
+            <a:ext cx="338961" cy="0"/>
+          </a:xfrm>
+          <a:prstGeom prst="straightConnector1">
+            <a:avLst/>
+          </a:prstGeom>
+          <a:ln w="12700">
+            <a:solidFill>
+              <a:schemeClr val="tx1"/>
+            </a:solidFill>
+            <a:tailEnd type="triangle"/>
+          </a:ln>
+        </p:spPr>
+        <p:style>
+          <a:lnRef idx="1">
+            <a:schemeClr val="accent1"/>
+          </a:lnRef>
+          <a:fillRef idx="0">
+            <a:schemeClr val="accent1"/>
+          </a:fillRef>
+          <a:effectRef idx="0">
+            <a:schemeClr val="accent1"/>
+          </a:effectRef>
+          <a:fontRef idx="minor">
+            <a:schemeClr val="tx1"/>
+          </a:fontRef>
+        </p:style>
+      </p:cxnSp>
+      <p:cxnSp>
+        <p:nvCxnSpPr>
+          <p:cNvPr id="15" name="Straight Arrow Connector 14">
+            <a:extLst>
+              <a:ext uri="{FF2B5EF4-FFF2-40B4-BE49-F238E27FC236}">
+                <a16:creationId xmlns:a16="http://schemas.microsoft.com/office/drawing/2014/main" id="{4D2F9855-D508-4AA7-BEF2-6E551ACEB335}"/>
+              </a:ext>
+            </a:extLst>
+          </p:cNvPr>
+          <p:cNvCxnSpPr>
+            <a:cxnSpLocks/>
+          </p:cNvCxnSpPr>
+          <p:nvPr/>
+        </p:nvCxnSpPr>
+        <p:spPr>
+          <a:xfrm flipH="1" flipV="1">
+            <a:off x="3509895" y="3552739"/>
+            <a:ext cx="350440" cy="8890"/>
+          </a:xfrm>
+          <a:prstGeom prst="straightConnector1">
+            <a:avLst/>
+          </a:prstGeom>
+          <a:ln w="12700">
+            <a:solidFill>
+              <a:schemeClr val="tx1"/>
+            </a:solidFill>
+            <a:tailEnd type="triangle"/>
+          </a:ln>
+        </p:spPr>
+        <p:style>
+          <a:lnRef idx="1">
+            <a:schemeClr val="accent1"/>
+          </a:lnRef>
+          <a:fillRef idx="0">
+            <a:schemeClr val="accent1"/>
+          </a:fillRef>
+          <a:effectRef idx="0">
+            <a:schemeClr val="accent1"/>
+          </a:effectRef>
+          <a:fontRef idx="minor">
+            <a:schemeClr val="tx1"/>
+          </a:fontRef>
+        </p:style>
+      </p:cxnSp>
+      <p:cxnSp>
+        <p:nvCxnSpPr>
+          <p:cNvPr id="16" name="Straight Arrow Connector 15">
+            <a:extLst>
+              <a:ext uri="{FF2B5EF4-FFF2-40B4-BE49-F238E27FC236}">
+                <a16:creationId xmlns:a16="http://schemas.microsoft.com/office/drawing/2014/main" id="{3E792F0F-40B0-44A6-881C-28889B033679}"/>
+              </a:ext>
+            </a:extLst>
+          </p:cNvPr>
+          <p:cNvCxnSpPr>
+            <a:cxnSpLocks/>
+          </p:cNvCxnSpPr>
+          <p:nvPr/>
+        </p:nvCxnSpPr>
+        <p:spPr>
+          <a:xfrm flipH="1" flipV="1">
+            <a:off x="3548543" y="2587110"/>
+            <a:ext cx="159392" cy="2794"/>
+          </a:xfrm>
+          <a:prstGeom prst="straightConnector1">
+            <a:avLst/>
+          </a:prstGeom>
+          <a:ln w="12700">
+            <a:solidFill>
+              <a:schemeClr val="tx1"/>
+            </a:solidFill>
+            <a:tailEnd type="triangle"/>
+          </a:ln>
+        </p:spPr>
+        <p:style>
+          <a:lnRef idx="1">
+            <a:schemeClr val="accent1"/>
+          </a:lnRef>
+          <a:fillRef idx="0">
+            <a:schemeClr val="accent1"/>
+          </a:fillRef>
+          <a:effectRef idx="0">
+            <a:schemeClr val="accent1"/>
+          </a:effectRef>
+          <a:fontRef idx="minor">
+            <a:schemeClr val="tx1"/>
+          </a:fontRef>
+        </p:style>
+      </p:cxnSp>
+    </p:spTree>
+    <p:extLst>
+      <p:ext uri="{BB962C8B-B14F-4D97-AF65-F5344CB8AC3E}">
+        <p14:creationId xmlns:p14="http://schemas.microsoft.com/office/powerpoint/2010/main" val="4210463557"/>
+      </p:ext>
+    </p:extLst>
+  </p:cSld>
+  <p:clrMapOvr>
+    <a:masterClrMapping/>
+  </p:clrMapOvr>
+</p:sld>
+</file>
+
 <file path=ppt/theme/theme1.xml><?xml version="1.0" encoding="utf-8"?>
 <a:theme xmlns:a="http://schemas.openxmlformats.org/drawingml/2006/main" name="Office Theme">
   <a:themeElements>

--- a/References/huy_draft.pptx
+++ b/References/huy_draft.pptx
@@ -13,6 +13,7 @@
     <p:sldId id="261" r:id="rId7"/>
     <p:sldId id="262" r:id="rId8"/>
     <p:sldId id="263" r:id="rId9"/>
+    <p:sldId id="264" r:id="rId10"/>
   </p:sldIdLst>
   <p:sldSz cx="12192000" cy="6858000"/>
   <p:notesSz cx="6858000" cy="9144000"/>
@@ -266,7 +267,7 @@
           <a:p>
             <a:fld id="{F46336BD-2A7D-4CB1-A425-EDBB44797913}" type="datetimeFigureOut">
               <a:rPr lang="en-US" smtClean="0"/>
-              <a:t>10/9/2020</a:t>
+              <a:t>11/11/2020</a:t>
             </a:fld>
             <a:endParaRPr lang="en-US"/>
           </a:p>
@@ -464,7 +465,7 @@
           <a:p>
             <a:fld id="{F46336BD-2A7D-4CB1-A425-EDBB44797913}" type="datetimeFigureOut">
               <a:rPr lang="en-US" smtClean="0"/>
-              <a:t>10/9/2020</a:t>
+              <a:t>11/11/2020</a:t>
             </a:fld>
             <a:endParaRPr lang="en-US"/>
           </a:p>
@@ -672,7 +673,7 @@
           <a:p>
             <a:fld id="{F46336BD-2A7D-4CB1-A425-EDBB44797913}" type="datetimeFigureOut">
               <a:rPr lang="en-US" smtClean="0"/>
-              <a:t>10/9/2020</a:t>
+              <a:t>11/11/2020</a:t>
             </a:fld>
             <a:endParaRPr lang="en-US"/>
           </a:p>
@@ -870,7 +871,7 @@
           <a:p>
             <a:fld id="{F46336BD-2A7D-4CB1-A425-EDBB44797913}" type="datetimeFigureOut">
               <a:rPr lang="en-US" smtClean="0"/>
-              <a:t>10/9/2020</a:t>
+              <a:t>11/11/2020</a:t>
             </a:fld>
             <a:endParaRPr lang="en-US"/>
           </a:p>
@@ -1145,7 +1146,7 @@
           <a:p>
             <a:fld id="{F46336BD-2A7D-4CB1-A425-EDBB44797913}" type="datetimeFigureOut">
               <a:rPr lang="en-US" smtClean="0"/>
-              <a:t>10/9/2020</a:t>
+              <a:t>11/11/2020</a:t>
             </a:fld>
             <a:endParaRPr lang="en-US"/>
           </a:p>
@@ -1410,7 +1411,7 @@
           <a:p>
             <a:fld id="{F46336BD-2A7D-4CB1-A425-EDBB44797913}" type="datetimeFigureOut">
               <a:rPr lang="en-US" smtClean="0"/>
-              <a:t>10/9/2020</a:t>
+              <a:t>11/11/2020</a:t>
             </a:fld>
             <a:endParaRPr lang="en-US"/>
           </a:p>
@@ -1822,7 +1823,7 @@
           <a:p>
             <a:fld id="{F46336BD-2A7D-4CB1-A425-EDBB44797913}" type="datetimeFigureOut">
               <a:rPr lang="en-US" smtClean="0"/>
-              <a:t>10/9/2020</a:t>
+              <a:t>11/11/2020</a:t>
             </a:fld>
             <a:endParaRPr lang="en-US"/>
           </a:p>
@@ -1963,7 +1964,7 @@
           <a:p>
             <a:fld id="{F46336BD-2A7D-4CB1-A425-EDBB44797913}" type="datetimeFigureOut">
               <a:rPr lang="en-US" smtClean="0"/>
-              <a:t>10/9/2020</a:t>
+              <a:t>11/11/2020</a:t>
             </a:fld>
             <a:endParaRPr lang="en-US"/>
           </a:p>
@@ -2076,7 +2077,7 @@
           <a:p>
             <a:fld id="{F46336BD-2A7D-4CB1-A425-EDBB44797913}" type="datetimeFigureOut">
               <a:rPr lang="en-US" smtClean="0"/>
-              <a:t>10/9/2020</a:t>
+              <a:t>11/11/2020</a:t>
             </a:fld>
             <a:endParaRPr lang="en-US"/>
           </a:p>
@@ -2387,7 +2388,7 @@
           <a:p>
             <a:fld id="{F46336BD-2A7D-4CB1-A425-EDBB44797913}" type="datetimeFigureOut">
               <a:rPr lang="en-US" smtClean="0"/>
-              <a:t>10/9/2020</a:t>
+              <a:t>11/11/2020</a:t>
             </a:fld>
             <a:endParaRPr lang="en-US"/>
           </a:p>
@@ -2675,7 +2676,7 @@
           <a:p>
             <a:fld id="{F46336BD-2A7D-4CB1-A425-EDBB44797913}" type="datetimeFigureOut">
               <a:rPr lang="en-US" smtClean="0"/>
-              <a:t>10/9/2020</a:t>
+              <a:t>11/11/2020</a:t>
             </a:fld>
             <a:endParaRPr lang="en-US"/>
           </a:p>
@@ -2916,7 +2917,7 @@
           <a:p>
             <a:fld id="{F46336BD-2A7D-4CB1-A425-EDBB44797913}" type="datetimeFigureOut">
               <a:rPr lang="en-US" smtClean="0"/>
-              <a:t>10/9/2020</a:t>
+              <a:t>11/11/2020</a:t>
             </a:fld>
             <a:endParaRPr lang="en-US"/>
           </a:p>
@@ -25019,6 +25020,36 @@
 </p:sld>
 </file>
 
+<file path=ppt/slides/slide9.xml><?xml version="1.0" encoding="utf-8"?>
+<p:sld xmlns:a="http://schemas.openxmlformats.org/drawingml/2006/main" xmlns:r="http://schemas.openxmlformats.org/officeDocument/2006/relationships" xmlns:p="http://schemas.openxmlformats.org/presentationml/2006/main">
+  <p:cSld>
+    <p:spTree>
+      <p:nvGrpSpPr>
+        <p:cNvPr id="1" name=""/>
+        <p:cNvGrpSpPr/>
+        <p:nvPr/>
+      </p:nvGrpSpPr>
+      <p:grpSpPr>
+        <a:xfrm>
+          <a:off x="0" y="0"/>
+          <a:ext cx="0" cy="0"/>
+          <a:chOff x="0" y="0"/>
+          <a:chExt cx="0" cy="0"/>
+        </a:xfrm>
+      </p:grpSpPr>
+    </p:spTree>
+    <p:extLst>
+      <p:ext uri="{BB962C8B-B14F-4D97-AF65-F5344CB8AC3E}">
+        <p14:creationId xmlns:p14="http://schemas.microsoft.com/office/powerpoint/2010/main" val="415184199"/>
+      </p:ext>
+    </p:extLst>
+  </p:cSld>
+  <p:clrMapOvr>
+    <a:masterClrMapping/>
+  </p:clrMapOvr>
+</p:sld>
+</file>
+
 <file path=ppt/theme/theme1.xml><?xml version="1.0" encoding="utf-8"?>
 <a:theme xmlns:a="http://schemas.openxmlformats.org/drawingml/2006/main" name="Office Theme">
   <a:themeElements>
